--- a/FaceRecognition/FaceRecognition.PPTX
+++ b/FaceRecognition/FaceRecognition.PPTX
@@ -10,15 +10,16 @@
     <p:sldId id="257" r:id="rId4"/>
     <p:sldId id="258" r:id="rId5"/>
     <p:sldId id="266" r:id="rId6"/>
-    <p:sldId id="268" r:id="rId7"/>
-    <p:sldId id="267" r:id="rId8"/>
-    <p:sldId id="259" r:id="rId9"/>
-    <p:sldId id="260" r:id="rId10"/>
-    <p:sldId id="262" r:id="rId11"/>
-    <p:sldId id="270" r:id="rId12"/>
-    <p:sldId id="263" r:id="rId13"/>
-    <p:sldId id="269" r:id="rId14"/>
-    <p:sldId id="261" r:id="rId15"/>
+    <p:sldId id="271" r:id="rId7"/>
+    <p:sldId id="268" r:id="rId8"/>
+    <p:sldId id="267" r:id="rId9"/>
+    <p:sldId id="259" r:id="rId10"/>
+    <p:sldId id="260" r:id="rId11"/>
+    <p:sldId id="262" r:id="rId12"/>
+    <p:sldId id="270" r:id="rId13"/>
+    <p:sldId id="263" r:id="rId14"/>
+    <p:sldId id="269" r:id="rId15"/>
+    <p:sldId id="261" r:id="rId16"/>
   </p:sldIdLst>
   <p:sldSz cx="12192000" cy="6858000"/>
   <p:notesSz cx="6858000" cy="9144000"/>
@@ -9177,2275 +9178,6 @@
           <p:cNvPr id="2" name="Title 1">
             <a:extLst>
               <a:ext uri="{FF2B5EF4-FFF2-40B4-BE49-F238E27FC236}">
-                <a16:creationId xmlns:a16="http://schemas.microsoft.com/office/drawing/2014/main" id="{1E2DF95A-3872-4645-88D3-88B0D0F32D48}"/>
-              </a:ext>
-            </a:extLst>
-          </p:cNvPr>
-          <p:cNvSpPr>
-            <a:spLocks noGrp="1"/>
-          </p:cNvSpPr>
-          <p:nvPr>
-            <p:ph type="title"/>
-          </p:nvPr>
-        </p:nvSpPr>
-        <p:spPr/>
-        <p:txBody>
-          <a:bodyPr/>
-          <a:lstStyle/>
-          <a:p>
-            <a:r>
-              <a:rPr lang="en-US" b="1" dirty="0"/>
-              <a:t>Triple loss function</a:t>
-            </a:r>
-            <a:endParaRPr lang="en-US" dirty="0"/>
-          </a:p>
-        </p:txBody>
-      </p:sp>
-      <p:sp>
-        <p:nvSpPr>
-          <p:cNvPr id="3" name="Content Placeholder 2">
-            <a:extLst>
-              <a:ext uri="{FF2B5EF4-FFF2-40B4-BE49-F238E27FC236}">
-                <a16:creationId xmlns:a16="http://schemas.microsoft.com/office/drawing/2014/main" id="{FDDE818B-D30C-42CB-BC54-48F36ACBA559}"/>
-              </a:ext>
-            </a:extLst>
-          </p:cNvPr>
-          <p:cNvSpPr>
-            <a:spLocks noGrp="1"/>
-          </p:cNvSpPr>
-          <p:nvPr>
-            <p:ph idx="1"/>
-          </p:nvPr>
-        </p:nvSpPr>
-        <p:spPr>
-          <a:xfrm>
-            <a:off x="1634836" y="3921661"/>
-            <a:ext cx="9984509" cy="456375"/>
-          </a:xfrm>
-        </p:spPr>
-        <p:txBody>
-          <a:bodyPr>
-            <a:normAutofit/>
-          </a:bodyPr>
-          <a:lstStyle/>
-          <a:p>
-            <a:pPr marL="0" indent="0">
-              <a:buNone/>
-            </a:pPr>
-            <a:r>
-              <a:rPr lang="en-US" sz="2000" b="1" dirty="0"/>
-              <a:t>a</a:t>
-            </a:r>
-            <a:r>
-              <a:rPr lang="en-US" sz="2000" dirty="0"/>
-              <a:t>nchor                </a:t>
-            </a:r>
-            <a:r>
-              <a:rPr lang="en-US" sz="2000" b="1" dirty="0"/>
-              <a:t>p</a:t>
-            </a:r>
-            <a:r>
-              <a:rPr lang="en-US" sz="2000" dirty="0"/>
-              <a:t>ositive                                        	              </a:t>
-            </a:r>
-            <a:r>
-              <a:rPr lang="en-US" sz="2000" b="1" dirty="0"/>
-              <a:t>a</a:t>
-            </a:r>
-            <a:r>
-              <a:rPr lang="en-US" sz="2000" dirty="0"/>
-              <a:t>nchor               </a:t>
-            </a:r>
-            <a:r>
-              <a:rPr lang="en-US" sz="2000" b="1" dirty="0"/>
-              <a:t>n</a:t>
-            </a:r>
-            <a:r>
-              <a:rPr lang="en-US" sz="2000" dirty="0"/>
-              <a:t>egative</a:t>
-            </a:r>
-          </a:p>
-        </p:txBody>
-      </p:sp>
-      <p:pic>
-        <p:nvPicPr>
-          <p:cNvPr id="5" name="Picture 4">
-            <a:extLst>
-              <a:ext uri="{FF2B5EF4-FFF2-40B4-BE49-F238E27FC236}">
-                <a16:creationId xmlns:a16="http://schemas.microsoft.com/office/drawing/2014/main" id="{2DFC2D32-B7FB-450D-B4E1-4F652EE33D3D}"/>
-              </a:ext>
-            </a:extLst>
-          </p:cNvPr>
-          <p:cNvPicPr>
-            <a:picLocks noChangeAspect="1"/>
-          </p:cNvPicPr>
-          <p:nvPr/>
-        </p:nvPicPr>
-        <p:blipFill>
-          <a:blip r:embed="rId2"/>
-          <a:stretch>
-            <a:fillRect/>
-          </a:stretch>
-        </p:blipFill>
-        <p:spPr>
-          <a:xfrm>
-            <a:off x="1108842" y="4560101"/>
-            <a:ext cx="9678751" cy="933580"/>
-          </a:xfrm>
-          <a:prstGeom prst="rect">
-            <a:avLst/>
-          </a:prstGeom>
-        </p:spPr>
-      </p:pic>
-      <p:pic>
-        <p:nvPicPr>
-          <p:cNvPr id="8" name="Picture 6" descr="Image - 69927] | Inception | Leonardo dicaprio, Leonardo dicaprio movies,  Leo dicaprio">
-            <a:extLst>
-              <a:ext uri="{FF2B5EF4-FFF2-40B4-BE49-F238E27FC236}">
-                <a16:creationId xmlns:a16="http://schemas.microsoft.com/office/drawing/2014/main" id="{C0109F35-8D1F-4710-86DF-FC84E4FD21E1}"/>
-              </a:ext>
-            </a:extLst>
-          </p:cNvPr>
-          <p:cNvPicPr>
-            <a:picLocks noChangeAspect="1" noChangeArrowheads="1"/>
-          </p:cNvPicPr>
-          <p:nvPr/>
-        </p:nvPicPr>
-        <p:blipFill rotWithShape="1">
-          <a:blip r:embed="rId3">
-            <a:extLst>
-              <a:ext uri="{28A0092B-C50C-407E-A947-70E740481C1C}">
-                <a14:useLocalDpi xmlns:a14="http://schemas.microsoft.com/office/drawing/2010/main" val="0"/>
-              </a:ext>
-            </a:extLst>
-          </a:blip>
-          <a:srcRect b="15705"/>
-          <a:stretch/>
-        </p:blipFill>
-        <p:spPr bwMode="auto">
-          <a:xfrm>
-            <a:off x="1562671" y="2709428"/>
-            <a:ext cx="894202" cy="1059708"/>
-          </a:xfrm>
-          <a:prstGeom prst="rect">
-            <a:avLst/>
-          </a:prstGeom>
-          <a:noFill/>
-          <a:extLst>
-            <a:ext uri="{909E8E84-426E-40DD-AFC4-6F175D3DCCD1}">
-              <a14:hiddenFill xmlns:a14="http://schemas.microsoft.com/office/drawing/2010/main">
-                <a:solidFill>
-                  <a:srgbClr val="FFFFFF"/>
-                </a:solidFill>
-              </a14:hiddenFill>
-            </a:ext>
-          </a:extLst>
-        </p:spPr>
-      </p:pic>
-      <p:pic>
-        <p:nvPicPr>
-          <p:cNvPr id="9" name="Picture 10" descr="Pitt lined up for Hollywood version of State of Play | Movies | The Guardian">
-            <a:extLst>
-              <a:ext uri="{FF2B5EF4-FFF2-40B4-BE49-F238E27FC236}">
-                <a16:creationId xmlns:a16="http://schemas.microsoft.com/office/drawing/2014/main" id="{A9FBA8CA-76AE-45CB-997A-270DD5576E7B}"/>
-              </a:ext>
-            </a:extLst>
-          </p:cNvPr>
-          <p:cNvPicPr>
-            <a:picLocks noChangeAspect="1" noChangeArrowheads="1"/>
-          </p:cNvPicPr>
-          <p:nvPr/>
-        </p:nvPicPr>
-        <p:blipFill>
-          <a:blip r:embed="rId4">
-            <a:extLst>
-              <a:ext uri="{28A0092B-C50C-407E-A947-70E740481C1C}">
-                <a14:useLocalDpi xmlns:a14="http://schemas.microsoft.com/office/drawing/2010/main" val="0"/>
-              </a:ext>
-            </a:extLst>
-          </a:blip>
-          <a:srcRect/>
-          <a:stretch>
-            <a:fillRect/>
-          </a:stretch>
-        </p:blipFill>
-        <p:spPr bwMode="auto">
-          <a:xfrm>
-            <a:off x="9569128" y="2708935"/>
-            <a:ext cx="1060201" cy="1060201"/>
-          </a:xfrm>
-          <a:prstGeom prst="rect">
-            <a:avLst/>
-          </a:prstGeom>
-          <a:noFill/>
-          <a:extLst>
-            <a:ext uri="{909E8E84-426E-40DD-AFC4-6F175D3DCCD1}">
-              <a14:hiddenFill xmlns:a14="http://schemas.microsoft.com/office/drawing/2010/main">
-                <a:solidFill>
-                  <a:srgbClr val="FFFFFF"/>
-                </a:solidFill>
-              </a14:hiddenFill>
-            </a:ext>
-          </a:extLst>
-        </p:spPr>
-      </p:pic>
-      <p:pic>
-        <p:nvPicPr>
-          <p:cNvPr id="10" name="Picture 6" descr="Image - 69927] | Inception | Leonardo dicaprio, Leonardo dicaprio movies,  Leo dicaprio">
-            <a:extLst>
-              <a:ext uri="{FF2B5EF4-FFF2-40B4-BE49-F238E27FC236}">
-                <a16:creationId xmlns:a16="http://schemas.microsoft.com/office/drawing/2014/main" id="{D930CC88-0D2E-440D-88CE-7D745EB09114}"/>
-              </a:ext>
-            </a:extLst>
-          </p:cNvPr>
-          <p:cNvPicPr>
-            <a:picLocks noChangeAspect="1" noChangeArrowheads="1"/>
-          </p:cNvPicPr>
-          <p:nvPr/>
-        </p:nvPicPr>
-        <p:blipFill rotWithShape="1">
-          <a:blip r:embed="rId3">
-            <a:extLst>
-              <a:ext uri="{28A0092B-C50C-407E-A947-70E740481C1C}">
-                <a14:useLocalDpi xmlns:a14="http://schemas.microsoft.com/office/drawing/2010/main" val="0"/>
-              </a:ext>
-            </a:extLst>
-          </a:blip>
-          <a:srcRect b="15705"/>
-          <a:stretch/>
-        </p:blipFill>
-        <p:spPr bwMode="auto">
-          <a:xfrm>
-            <a:off x="7877136" y="2712243"/>
-            <a:ext cx="894201" cy="1059706"/>
-          </a:xfrm>
-          <a:prstGeom prst="rect">
-            <a:avLst/>
-          </a:prstGeom>
-          <a:noFill/>
-          <a:extLst>
-            <a:ext uri="{909E8E84-426E-40DD-AFC4-6F175D3DCCD1}">
-              <a14:hiddenFill xmlns:a14="http://schemas.microsoft.com/office/drawing/2010/main">
-                <a:solidFill>
-                  <a:srgbClr val="FFFFFF"/>
-                </a:solidFill>
-              </a14:hiddenFill>
-            </a:ext>
-          </a:extLst>
-        </p:spPr>
-      </p:pic>
-      <p:pic>
-        <p:nvPicPr>
-          <p:cNvPr id="11" name="Picture 2">
-            <a:extLst>
-              <a:ext uri="{FF2B5EF4-FFF2-40B4-BE49-F238E27FC236}">
-                <a16:creationId xmlns:a16="http://schemas.microsoft.com/office/drawing/2014/main" id="{503075B8-F459-46B4-A678-364C15B02431}"/>
-              </a:ext>
-            </a:extLst>
-          </p:cNvPr>
-          <p:cNvPicPr>
-            <a:picLocks noChangeAspect="1" noChangeArrowheads="1"/>
-          </p:cNvPicPr>
-          <p:nvPr/>
-        </p:nvPicPr>
-        <p:blipFill>
-          <a:blip r:embed="rId5">
-            <a:extLst>
-              <a:ext uri="{28A0092B-C50C-407E-A947-70E740481C1C}">
-                <a14:useLocalDpi xmlns:a14="http://schemas.microsoft.com/office/drawing/2010/main" val="0"/>
-              </a:ext>
-            </a:extLst>
-          </a:blip>
-          <a:srcRect/>
-          <a:stretch>
-            <a:fillRect/>
-          </a:stretch>
-        </p:blipFill>
-        <p:spPr bwMode="auto">
-          <a:xfrm>
-            <a:off x="3254664" y="2774083"/>
-            <a:ext cx="1060201" cy="1060201"/>
-          </a:xfrm>
-          <a:prstGeom prst="rect">
-            <a:avLst/>
-          </a:prstGeom>
-          <a:noFill/>
-          <a:extLst>
-            <a:ext uri="{909E8E84-426E-40DD-AFC4-6F175D3DCCD1}">
-              <a14:hiddenFill xmlns:a14="http://schemas.microsoft.com/office/drawing/2010/main">
-                <a:solidFill>
-                  <a:srgbClr val="FFFFFF"/>
-                </a:solidFill>
-              </a14:hiddenFill>
-            </a:ext>
-          </a:extLst>
-        </p:spPr>
-      </p:pic>
-      <p:cxnSp>
-        <p:nvCxnSpPr>
-          <p:cNvPr id="13" name="Straight Arrow Connector 12">
-            <a:extLst>
-              <a:ext uri="{FF2B5EF4-FFF2-40B4-BE49-F238E27FC236}">
-                <a16:creationId xmlns:a16="http://schemas.microsoft.com/office/drawing/2014/main" id="{DA910D1A-29AB-4EFF-A5F5-19B713689268}"/>
-              </a:ext>
-            </a:extLst>
-          </p:cNvPr>
-          <p:cNvCxnSpPr/>
-          <p:nvPr/>
-        </p:nvCxnSpPr>
-        <p:spPr>
-          <a:xfrm flipV="1">
-            <a:off x="1939636" y="4343046"/>
-            <a:ext cx="0" cy="434110"/>
-          </a:xfrm>
-          <a:prstGeom prst="straightConnector1">
-            <a:avLst/>
-          </a:prstGeom>
-          <a:ln>
-            <a:tailEnd type="triangle"/>
-          </a:ln>
-        </p:spPr>
-        <p:style>
-          <a:lnRef idx="1">
-            <a:schemeClr val="accent1"/>
-          </a:lnRef>
-          <a:fillRef idx="0">
-            <a:schemeClr val="accent1"/>
-          </a:fillRef>
-          <a:effectRef idx="0">
-            <a:schemeClr val="accent1"/>
-          </a:effectRef>
-          <a:fontRef idx="minor">
-            <a:schemeClr val="tx1"/>
-          </a:fontRef>
-        </p:style>
-      </p:cxnSp>
-      <p:cxnSp>
-        <p:nvCxnSpPr>
-          <p:cNvPr id="14" name="Straight Arrow Connector 13">
-            <a:extLst>
-              <a:ext uri="{FF2B5EF4-FFF2-40B4-BE49-F238E27FC236}">
-                <a16:creationId xmlns:a16="http://schemas.microsoft.com/office/drawing/2014/main" id="{86707304-C7CF-48FC-A2F3-CD7F4897EC67}"/>
-              </a:ext>
-            </a:extLst>
-          </p:cNvPr>
-          <p:cNvCxnSpPr/>
-          <p:nvPr/>
-        </p:nvCxnSpPr>
-        <p:spPr>
-          <a:xfrm flipV="1">
-            <a:off x="3403600" y="4304145"/>
-            <a:ext cx="0" cy="434110"/>
-          </a:xfrm>
-          <a:prstGeom prst="straightConnector1">
-            <a:avLst/>
-          </a:prstGeom>
-          <a:ln>
-            <a:tailEnd type="triangle"/>
-          </a:ln>
-        </p:spPr>
-        <p:style>
-          <a:lnRef idx="1">
-            <a:schemeClr val="accent1"/>
-          </a:lnRef>
-          <a:fillRef idx="0">
-            <a:schemeClr val="accent1"/>
-          </a:fillRef>
-          <a:effectRef idx="0">
-            <a:schemeClr val="accent1"/>
-          </a:effectRef>
-          <a:fontRef idx="minor">
-            <a:schemeClr val="tx1"/>
-          </a:fontRef>
-        </p:style>
-      </p:cxnSp>
-      <p:cxnSp>
-        <p:nvCxnSpPr>
-          <p:cNvPr id="15" name="Straight Arrow Connector 14">
-            <a:extLst>
-              <a:ext uri="{FF2B5EF4-FFF2-40B4-BE49-F238E27FC236}">
-                <a16:creationId xmlns:a16="http://schemas.microsoft.com/office/drawing/2014/main" id="{AE14FF3C-7DAB-45AF-B254-E937344554FB}"/>
-              </a:ext>
-            </a:extLst>
-          </p:cNvPr>
-          <p:cNvCxnSpPr/>
-          <p:nvPr/>
-        </p:nvCxnSpPr>
-        <p:spPr>
-          <a:xfrm flipV="1">
-            <a:off x="8395855" y="4304145"/>
-            <a:ext cx="0" cy="434110"/>
-          </a:xfrm>
-          <a:prstGeom prst="straightConnector1">
-            <a:avLst/>
-          </a:prstGeom>
-          <a:ln>
-            <a:tailEnd type="triangle"/>
-          </a:ln>
-        </p:spPr>
-        <p:style>
-          <a:lnRef idx="1">
-            <a:schemeClr val="accent1"/>
-          </a:lnRef>
-          <a:fillRef idx="0">
-            <a:schemeClr val="accent1"/>
-          </a:fillRef>
-          <a:effectRef idx="0">
-            <a:schemeClr val="accent1"/>
-          </a:effectRef>
-          <a:fontRef idx="minor">
-            <a:schemeClr val="tx1"/>
-          </a:fontRef>
-        </p:style>
-      </p:cxnSp>
-      <p:cxnSp>
-        <p:nvCxnSpPr>
-          <p:cNvPr id="16" name="Straight Arrow Connector 15">
-            <a:extLst>
-              <a:ext uri="{FF2B5EF4-FFF2-40B4-BE49-F238E27FC236}">
-                <a16:creationId xmlns:a16="http://schemas.microsoft.com/office/drawing/2014/main" id="{5B8D17B0-318A-441A-972F-F9B8F7A69AD1}"/>
-              </a:ext>
-            </a:extLst>
-          </p:cNvPr>
-          <p:cNvCxnSpPr/>
-          <p:nvPr/>
-        </p:nvCxnSpPr>
-        <p:spPr>
-          <a:xfrm flipV="1">
-            <a:off x="9781309" y="4343046"/>
-            <a:ext cx="0" cy="434110"/>
-          </a:xfrm>
-          <a:prstGeom prst="straightConnector1">
-            <a:avLst/>
-          </a:prstGeom>
-          <a:ln>
-            <a:tailEnd type="triangle"/>
-          </a:ln>
-        </p:spPr>
-        <p:style>
-          <a:lnRef idx="1">
-            <a:schemeClr val="accent1"/>
-          </a:lnRef>
-          <a:fillRef idx="0">
-            <a:schemeClr val="accent1"/>
-          </a:fillRef>
-          <a:effectRef idx="0">
-            <a:schemeClr val="accent1"/>
-          </a:effectRef>
-          <a:fontRef idx="minor">
-            <a:schemeClr val="tx1"/>
-          </a:fontRef>
-        </p:style>
-      </p:cxnSp>
-    </p:spTree>
-    <p:extLst>
-      <p:ext uri="{BB962C8B-B14F-4D97-AF65-F5344CB8AC3E}">
-        <p14:creationId xmlns:p14="http://schemas.microsoft.com/office/powerpoint/2010/main" val="3506744599"/>
-      </p:ext>
-    </p:extLst>
-  </p:cSld>
-  <p:clrMapOvr>
-    <a:masterClrMapping/>
-  </p:clrMapOvr>
-</p:sld>
-</file>
-
-<file path=ppt/slides/slide11.xml><?xml version="1.0" encoding="utf-8"?>
-<p:sld xmlns:a="http://schemas.openxmlformats.org/drawingml/2006/main" xmlns:r="http://schemas.openxmlformats.org/officeDocument/2006/relationships" xmlns:p="http://schemas.openxmlformats.org/presentationml/2006/main">
-  <p:cSld>
-    <p:spTree>
-      <p:nvGrpSpPr>
-        <p:cNvPr id="1" name=""/>
-        <p:cNvGrpSpPr/>
-        <p:nvPr/>
-      </p:nvGrpSpPr>
-      <p:grpSpPr>
-        <a:xfrm>
-          <a:off x="0" y="0"/>
-          <a:ext cx="0" cy="0"/>
-          <a:chOff x="0" y="0"/>
-          <a:chExt cx="0" cy="0"/>
-        </a:xfrm>
-      </p:grpSpPr>
-      <p:sp>
-        <p:nvSpPr>
-          <p:cNvPr id="2" name="Title 1">
-            <a:extLst>
-              <a:ext uri="{FF2B5EF4-FFF2-40B4-BE49-F238E27FC236}">
-                <a16:creationId xmlns:a16="http://schemas.microsoft.com/office/drawing/2014/main" id="{B203C088-8758-461A-9874-D13AD77AC7FA}"/>
-              </a:ext>
-            </a:extLst>
-          </p:cNvPr>
-          <p:cNvSpPr>
-            <a:spLocks noGrp="1"/>
-          </p:cNvSpPr>
-          <p:nvPr>
-            <p:ph type="title"/>
-          </p:nvPr>
-        </p:nvSpPr>
-        <p:spPr>
-          <a:xfrm>
-            <a:off x="949036" y="392835"/>
-            <a:ext cx="10515600" cy="1325563"/>
-          </a:xfrm>
-        </p:spPr>
-        <p:txBody>
-          <a:bodyPr/>
-          <a:lstStyle/>
-          <a:p>
-            <a:r>
-              <a:rPr lang="en-US" b="1" i="0" dirty="0">
-                <a:solidFill>
-                  <a:srgbClr val="292929"/>
-                </a:solidFill>
-                <a:effectLst/>
-                <a:latin typeface="source-serif-pro"/>
-              </a:rPr>
-              <a:t>Siamese Networks</a:t>
-            </a:r>
-            <a:endParaRPr lang="en-US" b="1" dirty="0"/>
-          </a:p>
-        </p:txBody>
-      </p:sp>
-      <p:sp>
-        <p:nvSpPr>
-          <p:cNvPr id="3" name="Content Placeholder 2">
-            <a:extLst>
-              <a:ext uri="{FF2B5EF4-FFF2-40B4-BE49-F238E27FC236}">
-                <a16:creationId xmlns:a16="http://schemas.microsoft.com/office/drawing/2014/main" id="{C0BC8AE3-29BA-4D5C-B3AB-9845DC6CD03F}"/>
-              </a:ext>
-            </a:extLst>
-          </p:cNvPr>
-          <p:cNvSpPr>
-            <a:spLocks noGrp="1"/>
-          </p:cNvSpPr>
-          <p:nvPr>
-            <p:ph idx="1"/>
-          </p:nvPr>
-        </p:nvSpPr>
-        <p:spPr>
-          <a:xfrm>
-            <a:off x="838200" y="1825625"/>
-            <a:ext cx="5257800" cy="2903393"/>
-          </a:xfrm>
-        </p:spPr>
-        <p:txBody>
-          <a:bodyPr/>
-          <a:lstStyle/>
-          <a:p>
-            <a:r>
-              <a:rPr lang="en-US" b="0" i="0" dirty="0">
-                <a:solidFill>
-                  <a:srgbClr val="292929"/>
-                </a:solidFill>
-                <a:effectLst/>
-                <a:latin typeface="source-serif-pro"/>
-              </a:rPr>
-              <a:t>Siamese Networks are a class of neural networks capable of one-shot learning.</a:t>
-            </a:r>
-          </a:p>
-          <a:p>
-            <a:r>
-              <a:rPr lang="en-US" b="0" i="0" dirty="0">
-                <a:solidFill>
-                  <a:srgbClr val="292929"/>
-                </a:solidFill>
-                <a:effectLst/>
-                <a:latin typeface="source-serif-pro"/>
-              </a:rPr>
-              <a:t>we stop with the dense layers</a:t>
-            </a:r>
-          </a:p>
-          <a:p>
-            <a:r>
-              <a:rPr lang="en-US" b="0" i="0" dirty="0">
-                <a:solidFill>
-                  <a:srgbClr val="292929"/>
-                </a:solidFill>
-                <a:effectLst/>
-                <a:latin typeface="source-serif-pro"/>
-              </a:rPr>
-              <a:t>only one network</a:t>
-            </a:r>
-            <a:r>
-              <a:rPr lang="en-US" dirty="0">
-                <a:solidFill>
-                  <a:srgbClr val="292929"/>
-                </a:solidFill>
-                <a:latin typeface="source-serif-pro"/>
-              </a:rPr>
-              <a:t> for all images</a:t>
-            </a:r>
-            <a:endParaRPr lang="en-US" dirty="0"/>
-          </a:p>
-        </p:txBody>
-      </p:sp>
-      <p:pic>
-        <p:nvPicPr>
-          <p:cNvPr id="9222" name="Picture 6">
-            <a:extLst>
-              <a:ext uri="{FF2B5EF4-FFF2-40B4-BE49-F238E27FC236}">
-                <a16:creationId xmlns:a16="http://schemas.microsoft.com/office/drawing/2014/main" id="{EB5C1B92-A883-4486-B90B-2E331AC7093A}"/>
-              </a:ext>
-            </a:extLst>
-          </p:cNvPr>
-          <p:cNvPicPr>
-            <a:picLocks noChangeAspect="1" noChangeArrowheads="1"/>
-          </p:cNvPicPr>
-          <p:nvPr/>
-        </p:nvPicPr>
-        <p:blipFill>
-          <a:blip r:embed="rId2">
-            <a:extLst>
-              <a:ext uri="{28A0092B-C50C-407E-A947-70E740481C1C}">
-                <a14:useLocalDpi xmlns:a14="http://schemas.microsoft.com/office/drawing/2010/main" val="0"/>
-              </a:ext>
-            </a:extLst>
-          </a:blip>
-          <a:srcRect/>
-          <a:stretch>
-            <a:fillRect/>
-          </a:stretch>
-        </p:blipFill>
-        <p:spPr bwMode="auto">
-          <a:xfrm>
-            <a:off x="6489700" y="1736147"/>
-            <a:ext cx="5173510" cy="3082348"/>
-          </a:xfrm>
-          <a:prstGeom prst="rect">
-            <a:avLst/>
-          </a:prstGeom>
-          <a:noFill/>
-          <a:extLst>
-            <a:ext uri="{909E8E84-426E-40DD-AFC4-6F175D3DCCD1}">
-              <a14:hiddenFill xmlns:a14="http://schemas.microsoft.com/office/drawing/2010/main">
-                <a:solidFill>
-                  <a:srgbClr val="FFFFFF"/>
-                </a:solidFill>
-              </a14:hiddenFill>
-            </a:ext>
-          </a:extLst>
-        </p:spPr>
-      </p:pic>
-      <p:pic>
-        <p:nvPicPr>
-          <p:cNvPr id="5" name="Picture 4">
-            <a:extLst>
-              <a:ext uri="{FF2B5EF4-FFF2-40B4-BE49-F238E27FC236}">
-                <a16:creationId xmlns:a16="http://schemas.microsoft.com/office/drawing/2014/main" id="{172066D2-D298-4854-B5C4-C377D2B33455}"/>
-              </a:ext>
-            </a:extLst>
-          </p:cNvPr>
-          <p:cNvPicPr>
-            <a:picLocks noChangeAspect="1"/>
-          </p:cNvPicPr>
-          <p:nvPr/>
-        </p:nvPicPr>
-        <p:blipFill>
-          <a:blip r:embed="rId3"/>
-          <a:stretch>
-            <a:fillRect/>
-          </a:stretch>
-        </p:blipFill>
-        <p:spPr>
-          <a:xfrm>
-            <a:off x="1238848" y="5021841"/>
-            <a:ext cx="9365472" cy="824778"/>
-          </a:xfrm>
-          <a:prstGeom prst="rect">
-            <a:avLst/>
-          </a:prstGeom>
-        </p:spPr>
-      </p:pic>
-    </p:spTree>
-    <p:extLst>
-      <p:ext uri="{BB962C8B-B14F-4D97-AF65-F5344CB8AC3E}">
-        <p14:creationId xmlns:p14="http://schemas.microsoft.com/office/powerpoint/2010/main" val="1126952743"/>
-      </p:ext>
-    </p:extLst>
-  </p:cSld>
-  <p:clrMapOvr>
-    <a:masterClrMapping/>
-  </p:clrMapOvr>
-</p:sld>
-</file>
-
-<file path=ppt/slides/slide12.xml><?xml version="1.0" encoding="utf-8"?>
-<p:sld xmlns:a="http://schemas.openxmlformats.org/drawingml/2006/main" xmlns:r="http://schemas.openxmlformats.org/officeDocument/2006/relationships" xmlns:p="http://schemas.openxmlformats.org/presentationml/2006/main">
-  <p:cSld>
-    <p:spTree>
-      <p:nvGrpSpPr>
-        <p:cNvPr id="1" name=""/>
-        <p:cNvGrpSpPr/>
-        <p:nvPr/>
-      </p:nvGrpSpPr>
-      <p:grpSpPr>
-        <a:xfrm>
-          <a:off x="0" y="0"/>
-          <a:ext cx="0" cy="0"/>
-          <a:chOff x="0" y="0"/>
-          <a:chExt cx="0" cy="0"/>
-        </a:xfrm>
-      </p:grpSpPr>
-      <p:sp>
-        <p:nvSpPr>
-          <p:cNvPr id="2" name="Title 1">
-            <a:extLst>
-              <a:ext uri="{FF2B5EF4-FFF2-40B4-BE49-F238E27FC236}">
-                <a16:creationId xmlns:a16="http://schemas.microsoft.com/office/drawing/2014/main" id="{5EC640BF-FC61-442E-829F-76AD468046C8}"/>
-              </a:ext>
-            </a:extLst>
-          </p:cNvPr>
-          <p:cNvSpPr>
-            <a:spLocks noGrp="1"/>
-          </p:cNvSpPr>
-          <p:nvPr>
-            <p:ph type="title"/>
-          </p:nvPr>
-        </p:nvSpPr>
-        <p:spPr/>
-        <p:txBody>
-          <a:bodyPr/>
-          <a:lstStyle/>
-          <a:p>
-            <a:r>
-              <a:rPr lang="en-US" b="1" dirty="0"/>
-              <a:t>Transfer learning</a:t>
-            </a:r>
-          </a:p>
-        </p:txBody>
-      </p:sp>
-      <p:pic>
-        <p:nvPicPr>
-          <p:cNvPr id="8194" name="Picture 2" descr="Transfer Learning Guide: A Practical Tutorial With Examples for Images and  Text in Keras - neptune.ai">
-            <a:extLst>
-              <a:ext uri="{FF2B5EF4-FFF2-40B4-BE49-F238E27FC236}">
-                <a16:creationId xmlns:a16="http://schemas.microsoft.com/office/drawing/2014/main" id="{2BC000D9-9841-4A26-84E0-FE4533C4E20E}"/>
-              </a:ext>
-            </a:extLst>
-          </p:cNvPr>
-          <p:cNvPicPr>
-            <a:picLocks noGrp="1" noChangeAspect="1" noChangeArrowheads="1"/>
-          </p:cNvPicPr>
-          <p:nvPr>
-            <p:ph idx="1"/>
-          </p:nvPr>
-        </p:nvPicPr>
-        <p:blipFill>
-          <a:blip r:embed="rId2">
-            <a:extLst>
-              <a:ext uri="{28A0092B-C50C-407E-A947-70E740481C1C}">
-                <a14:useLocalDpi xmlns:a14="http://schemas.microsoft.com/office/drawing/2010/main" val="0"/>
-              </a:ext>
-            </a:extLst>
-          </a:blip>
-          <a:srcRect/>
-          <a:stretch>
-            <a:fillRect/>
-          </a:stretch>
-        </p:blipFill>
-        <p:spPr bwMode="auto">
-          <a:xfrm>
-            <a:off x="2926773" y="1690688"/>
-            <a:ext cx="5562600" cy="3057525"/>
-          </a:xfrm>
-          <a:prstGeom prst="rect">
-            <a:avLst/>
-          </a:prstGeom>
-          <a:noFill/>
-          <a:extLst>
-            <a:ext uri="{909E8E84-426E-40DD-AFC4-6F175D3DCCD1}">
-              <a14:hiddenFill xmlns:a14="http://schemas.microsoft.com/office/drawing/2010/main">
-                <a:solidFill>
-                  <a:srgbClr val="FFFFFF"/>
-                </a:solidFill>
-              </a14:hiddenFill>
-            </a:ext>
-          </a:extLst>
-        </p:spPr>
-      </p:pic>
-    </p:spTree>
-    <p:extLst>
-      <p:ext uri="{BB962C8B-B14F-4D97-AF65-F5344CB8AC3E}">
-        <p14:creationId xmlns:p14="http://schemas.microsoft.com/office/powerpoint/2010/main" val="1441384509"/>
-      </p:ext>
-    </p:extLst>
-  </p:cSld>
-  <p:clrMapOvr>
-    <a:masterClrMapping/>
-  </p:clrMapOvr>
-</p:sld>
-</file>
-
-<file path=ppt/slides/slide13.xml><?xml version="1.0" encoding="utf-8"?>
-<p:sld xmlns:a="http://schemas.openxmlformats.org/drawingml/2006/main" xmlns:r="http://schemas.openxmlformats.org/officeDocument/2006/relationships" xmlns:p="http://schemas.openxmlformats.org/presentationml/2006/main">
-  <p:cSld>
-    <p:spTree>
-      <p:nvGrpSpPr>
-        <p:cNvPr id="1" name=""/>
-        <p:cNvGrpSpPr/>
-        <p:nvPr/>
-      </p:nvGrpSpPr>
-      <p:grpSpPr>
-        <a:xfrm>
-          <a:off x="0" y="0"/>
-          <a:ext cx="0" cy="0"/>
-          <a:chOff x="0" y="0"/>
-          <a:chExt cx="0" cy="0"/>
-        </a:xfrm>
-      </p:grpSpPr>
-      <p:sp>
-        <p:nvSpPr>
-          <p:cNvPr id="2" name="Title 1">
-            <a:extLst>
-              <a:ext uri="{FF2B5EF4-FFF2-40B4-BE49-F238E27FC236}">
-                <a16:creationId xmlns:a16="http://schemas.microsoft.com/office/drawing/2014/main" id="{602C06FE-ECF5-44D0-8FE4-B603DA8DC012}"/>
-              </a:ext>
-            </a:extLst>
-          </p:cNvPr>
-          <p:cNvSpPr>
-            <a:spLocks noGrp="1"/>
-          </p:cNvSpPr>
-          <p:nvPr>
-            <p:ph type="title"/>
-          </p:nvPr>
-        </p:nvSpPr>
-        <p:spPr/>
-        <p:txBody>
-          <a:bodyPr/>
-          <a:lstStyle/>
-          <a:p>
-            <a:r>
-              <a:rPr lang="en-US" b="1" dirty="0"/>
-              <a:t>Implementation </a:t>
-            </a:r>
-          </a:p>
-        </p:txBody>
-      </p:sp>
-      <p:sp>
-        <p:nvSpPr>
-          <p:cNvPr id="3" name="Content Placeholder 2">
-            <a:extLst>
-              <a:ext uri="{FF2B5EF4-FFF2-40B4-BE49-F238E27FC236}">
-                <a16:creationId xmlns:a16="http://schemas.microsoft.com/office/drawing/2014/main" id="{30B92FEC-30FE-4A5B-BB5E-921FBC04E6FA}"/>
-              </a:ext>
-            </a:extLst>
-          </p:cNvPr>
-          <p:cNvSpPr>
-            <a:spLocks noGrp="1"/>
-          </p:cNvSpPr>
-          <p:nvPr>
-            <p:ph idx="1"/>
-          </p:nvPr>
-        </p:nvSpPr>
-        <p:spPr>
-          <a:xfrm>
-            <a:off x="838200" y="1825625"/>
-            <a:ext cx="10515600" cy="2432339"/>
-          </a:xfrm>
-        </p:spPr>
-        <p:txBody>
-          <a:bodyPr/>
-          <a:lstStyle/>
-          <a:p>
-            <a:r>
-              <a:rPr lang="en-US" b="0" i="0" dirty="0">
-                <a:effectLst/>
-                <a:latin typeface="Inter"/>
-              </a:rPr>
-              <a:t>Database of faces </a:t>
-            </a:r>
-            <a:r>
-              <a:rPr lang="en-US" dirty="0">
-                <a:latin typeface="Inter"/>
-              </a:rPr>
-              <a:t>Provide by </a:t>
-            </a:r>
-            <a:r>
-              <a:rPr lang="en-US" b="0" i="0" dirty="0">
-                <a:effectLst/>
-                <a:latin typeface="Inter"/>
-              </a:rPr>
-              <a:t>AT&amp;T Laboratories Cambridge </a:t>
-            </a:r>
-            <a:r>
-              <a:rPr lang="en-US" dirty="0">
-                <a:latin typeface="Inter"/>
-              </a:rPr>
-              <a:t>on Kaggle</a:t>
-            </a:r>
-          </a:p>
-          <a:p>
-            <a:r>
-              <a:rPr lang="en-US" b="0" i="0" dirty="0">
-                <a:effectLst/>
-                <a:latin typeface="Inter"/>
-              </a:rPr>
-              <a:t>There are 400 different images of each of 40 distinct subjects.</a:t>
-            </a:r>
-          </a:p>
-          <a:p>
-            <a:r>
-              <a:rPr lang="en-US" b="0" i="0" dirty="0">
-                <a:effectLst/>
-                <a:latin typeface="Inter"/>
-              </a:rPr>
-              <a:t>For some subjects, the images were taken at different times, varying the lighting, facial expressions</a:t>
-            </a:r>
-            <a:endParaRPr lang="en-US" dirty="0"/>
-          </a:p>
-        </p:txBody>
-      </p:sp>
-    </p:spTree>
-    <p:extLst>
-      <p:ext uri="{BB962C8B-B14F-4D97-AF65-F5344CB8AC3E}">
-        <p14:creationId xmlns:p14="http://schemas.microsoft.com/office/powerpoint/2010/main" val="941844083"/>
-      </p:ext>
-    </p:extLst>
-  </p:cSld>
-  <p:clrMapOvr>
-    <a:masterClrMapping/>
-  </p:clrMapOvr>
-</p:sld>
-</file>
-
-<file path=ppt/slides/slide2.xml><?xml version="1.0" encoding="utf-8"?>
-<p:sld xmlns:a="http://schemas.openxmlformats.org/drawingml/2006/main" xmlns:r="http://schemas.openxmlformats.org/officeDocument/2006/relationships" xmlns:p="http://schemas.openxmlformats.org/presentationml/2006/main">
-  <p:cSld>
-    <p:spTree>
-      <p:nvGrpSpPr>
-        <p:cNvPr id="1" name=""/>
-        <p:cNvGrpSpPr/>
-        <p:nvPr/>
-      </p:nvGrpSpPr>
-      <p:grpSpPr>
-        <a:xfrm>
-          <a:off x="0" y="0"/>
-          <a:ext cx="0" cy="0"/>
-          <a:chOff x="0" y="0"/>
-          <a:chExt cx="0" cy="0"/>
-        </a:xfrm>
-      </p:grpSpPr>
-      <p:sp>
-        <p:nvSpPr>
-          <p:cNvPr id="2" name="Title 1">
-            <a:extLst>
-              <a:ext uri="{FF2B5EF4-FFF2-40B4-BE49-F238E27FC236}">
-                <a16:creationId xmlns:a16="http://schemas.microsoft.com/office/drawing/2014/main" id="{78EE249D-A658-41A5-AEE0-A57CA9309594}"/>
-              </a:ext>
-            </a:extLst>
-          </p:cNvPr>
-          <p:cNvSpPr>
-            <a:spLocks noGrp="1"/>
-          </p:cNvSpPr>
-          <p:nvPr>
-            <p:ph type="title"/>
-          </p:nvPr>
-        </p:nvSpPr>
-        <p:spPr/>
-        <p:txBody>
-          <a:bodyPr/>
-          <a:lstStyle/>
-          <a:p>
-            <a:r>
-              <a:rPr lang="en-US" dirty="0"/>
-              <a:t>Image Classification</a:t>
-            </a:r>
-          </a:p>
-        </p:txBody>
-      </p:sp>
-      <p:sp>
-        <p:nvSpPr>
-          <p:cNvPr id="4" name="Content Placeholder 3">
-            <a:extLst>
-              <a:ext uri="{FF2B5EF4-FFF2-40B4-BE49-F238E27FC236}">
-                <a16:creationId xmlns:a16="http://schemas.microsoft.com/office/drawing/2014/main" id="{4B5CF8CA-EEEF-40FF-ADBE-472FE0086594}"/>
-              </a:ext>
-            </a:extLst>
-          </p:cNvPr>
-          <p:cNvSpPr>
-            <a:spLocks noGrp="1"/>
-          </p:cNvSpPr>
-          <p:nvPr>
-            <p:ph idx="1"/>
-          </p:nvPr>
-        </p:nvSpPr>
-        <p:spPr/>
-        <p:txBody>
-          <a:bodyPr/>
-          <a:lstStyle/>
-          <a:p>
-            <a:r>
-              <a:rPr lang="en-US" dirty="0"/>
-              <a:t>Airplane</a:t>
-            </a:r>
-          </a:p>
-          <a:p>
-            <a:r>
-              <a:rPr lang="en-US" dirty="0"/>
-              <a:t>Car</a:t>
-            </a:r>
-          </a:p>
-          <a:p>
-            <a:r>
-              <a:rPr lang="en-US" dirty="0"/>
-              <a:t>Bird</a:t>
-            </a:r>
-          </a:p>
-          <a:p>
-            <a:r>
-              <a:rPr lang="en-US" dirty="0"/>
-              <a:t>Dog</a:t>
-            </a:r>
-          </a:p>
-          <a:p>
-            <a:r>
-              <a:rPr lang="en-US" dirty="0"/>
-              <a:t>Cat</a:t>
-            </a:r>
-          </a:p>
-          <a:p>
-            <a:r>
-              <a:rPr lang="en-US" dirty="0"/>
-              <a:t>Frog</a:t>
-            </a:r>
-          </a:p>
-        </p:txBody>
-      </p:sp>
-      <p:pic>
-        <p:nvPicPr>
-          <p:cNvPr id="2052" name="Picture 4" descr="Stages of a Cat's Life – Primal Pet Foods">
-            <a:extLst>
-              <a:ext uri="{FF2B5EF4-FFF2-40B4-BE49-F238E27FC236}">
-                <a16:creationId xmlns:a16="http://schemas.microsoft.com/office/drawing/2014/main" id="{0C34079E-06EB-42D8-9239-DDD515C1B517}"/>
-              </a:ext>
-            </a:extLst>
-          </p:cNvPr>
-          <p:cNvPicPr>
-            <a:picLocks noChangeAspect="1" noChangeArrowheads="1"/>
-          </p:cNvPicPr>
-          <p:nvPr/>
-        </p:nvPicPr>
-        <p:blipFill rotWithShape="1">
-          <a:blip r:embed="rId2">
-            <a:extLst>
-              <a:ext uri="{28A0092B-C50C-407E-A947-70E740481C1C}">
-                <a14:useLocalDpi xmlns:a14="http://schemas.microsoft.com/office/drawing/2010/main" val="0"/>
-              </a:ext>
-            </a:extLst>
-          </a:blip>
-          <a:srcRect l="26921" t="88"/>
-          <a:stretch/>
-        </p:blipFill>
-        <p:spPr bwMode="auto">
-          <a:xfrm>
-            <a:off x="4747490" y="2006600"/>
-            <a:ext cx="2938941" cy="2844800"/>
-          </a:xfrm>
-          <a:prstGeom prst="rect">
-            <a:avLst/>
-          </a:prstGeom>
-          <a:noFill/>
-          <a:extLst>
-            <a:ext uri="{909E8E84-426E-40DD-AFC4-6F175D3DCCD1}">
-              <a14:hiddenFill xmlns:a14="http://schemas.microsoft.com/office/drawing/2010/main">
-                <a:solidFill>
-                  <a:srgbClr val="FFFFFF"/>
-                </a:solidFill>
-              </a14:hiddenFill>
-            </a:ext>
-          </a:extLst>
-        </p:spPr>
-      </p:pic>
-    </p:spTree>
-    <p:extLst>
-      <p:ext uri="{BB962C8B-B14F-4D97-AF65-F5344CB8AC3E}">
-        <p14:creationId xmlns:p14="http://schemas.microsoft.com/office/powerpoint/2010/main" val="3000319749"/>
-      </p:ext>
-    </p:extLst>
-  </p:cSld>
-  <p:clrMapOvr>
-    <a:masterClrMapping/>
-  </p:clrMapOvr>
-</p:sld>
-</file>
-
-<file path=ppt/slides/slide3.xml><?xml version="1.0" encoding="utf-8"?>
-<p:sld xmlns:a="http://schemas.openxmlformats.org/drawingml/2006/main" xmlns:r="http://schemas.openxmlformats.org/officeDocument/2006/relationships" xmlns:p="http://schemas.openxmlformats.org/presentationml/2006/main">
-  <p:cSld>
-    <p:spTree>
-      <p:nvGrpSpPr>
-        <p:cNvPr id="1" name=""/>
-        <p:cNvGrpSpPr/>
-        <p:nvPr/>
-      </p:nvGrpSpPr>
-      <p:grpSpPr>
-        <a:xfrm>
-          <a:off x="0" y="0"/>
-          <a:ext cx="0" cy="0"/>
-          <a:chOff x="0" y="0"/>
-          <a:chExt cx="0" cy="0"/>
-        </a:xfrm>
-      </p:grpSpPr>
-      <p:sp>
-        <p:nvSpPr>
-          <p:cNvPr id="2" name="Title 1">
-            <a:extLst>
-              <a:ext uri="{FF2B5EF4-FFF2-40B4-BE49-F238E27FC236}">
-                <a16:creationId xmlns:a16="http://schemas.microsoft.com/office/drawing/2014/main" id="{8A0159E0-E608-4995-9C75-3C29D9206FA9}"/>
-              </a:ext>
-            </a:extLst>
-          </p:cNvPr>
-          <p:cNvSpPr>
-            <a:spLocks noGrp="1"/>
-          </p:cNvSpPr>
-          <p:nvPr>
-            <p:ph type="title"/>
-          </p:nvPr>
-        </p:nvSpPr>
-        <p:spPr>
-          <a:xfrm>
-            <a:off x="839788" y="457201"/>
-            <a:ext cx="9560357" cy="617538"/>
-          </a:xfrm>
-        </p:spPr>
-        <p:txBody>
-          <a:bodyPr/>
-          <a:lstStyle/>
-          <a:p>
-            <a:r>
-              <a:rPr lang="en-US" b="1" dirty="0"/>
-              <a:t>Image Classification with simple Neural Network</a:t>
-            </a:r>
-          </a:p>
-        </p:txBody>
-      </p:sp>
-      <p:pic>
-        <p:nvPicPr>
-          <p:cNvPr id="4098" name="Picture 2" descr="Student Notes: Neural Networks and Deep Learning – Belajar Pembelajaran  Mesin Indonesia">
-            <a:extLst>
-              <a:ext uri="{FF2B5EF4-FFF2-40B4-BE49-F238E27FC236}">
-                <a16:creationId xmlns:a16="http://schemas.microsoft.com/office/drawing/2014/main" id="{9302F273-7696-410D-8559-4781BE0B6E4E}"/>
-              </a:ext>
-            </a:extLst>
-          </p:cNvPr>
-          <p:cNvPicPr>
-            <a:picLocks noGrp="1" noChangeAspect="1" noChangeArrowheads="1"/>
-          </p:cNvPicPr>
-          <p:nvPr>
-            <p:ph idx="1"/>
-          </p:nvPr>
-        </p:nvPicPr>
-        <p:blipFill>
-          <a:blip r:embed="rId2">
-            <a:extLst>
-              <a:ext uri="{28A0092B-C50C-407E-A947-70E740481C1C}">
-                <a14:useLocalDpi xmlns:a14="http://schemas.microsoft.com/office/drawing/2010/main" val="0"/>
-              </a:ext>
-            </a:extLst>
-          </a:blip>
-          <a:stretch>
-            <a:fillRect/>
-          </a:stretch>
-        </p:blipFill>
-        <p:spPr bwMode="auto">
-          <a:xfrm>
-            <a:off x="4580370" y="2118951"/>
-            <a:ext cx="5819775" cy="2924175"/>
-          </a:xfrm>
-          <a:prstGeom prst="rect">
-            <a:avLst/>
-          </a:prstGeom>
-          <a:noFill/>
-          <a:extLst>
-            <a:ext uri="{909E8E84-426E-40DD-AFC4-6F175D3DCCD1}">
-              <a14:hiddenFill xmlns:a14="http://schemas.microsoft.com/office/drawing/2010/main">
-                <a:solidFill>
-                  <a:srgbClr val="FFFFFF"/>
-                </a:solidFill>
-              </a14:hiddenFill>
-            </a:ext>
-          </a:extLst>
-        </p:spPr>
-      </p:pic>
-      <p:sp>
-        <p:nvSpPr>
-          <p:cNvPr id="4" name="Text Placeholder 3">
-            <a:extLst>
-              <a:ext uri="{FF2B5EF4-FFF2-40B4-BE49-F238E27FC236}">
-                <a16:creationId xmlns:a16="http://schemas.microsoft.com/office/drawing/2014/main" id="{AF290A1D-393F-4ED1-A880-32E9A35A7FC0}"/>
-              </a:ext>
-            </a:extLst>
-          </p:cNvPr>
-          <p:cNvSpPr>
-            <a:spLocks noGrp="1"/>
-          </p:cNvSpPr>
-          <p:nvPr>
-            <p:ph type="body" sz="half" idx="2"/>
-          </p:nvPr>
-        </p:nvSpPr>
-        <p:spPr>
-          <a:xfrm>
-            <a:off x="839788" y="1293091"/>
-            <a:ext cx="8802976" cy="4575897"/>
-          </a:xfrm>
-        </p:spPr>
-        <p:txBody>
-          <a:bodyPr>
-            <a:normAutofit/>
-          </a:bodyPr>
-          <a:lstStyle/>
-          <a:p>
-            <a:r>
-              <a:rPr lang="en-US" dirty="0"/>
-              <a:t>How many parameters do we have in the first layer of NN if we want the output with the size of 1000?</a:t>
-            </a:r>
-          </a:p>
-          <a:p>
-            <a:r>
-              <a:rPr lang="en-US" dirty="0"/>
-              <a:t>Size =  1000*1000*3</a:t>
-            </a:r>
-          </a:p>
-          <a:p>
-            <a:endParaRPr lang="en-US" dirty="0"/>
-          </a:p>
-          <a:p>
-            <a:endParaRPr lang="en-US" dirty="0"/>
-          </a:p>
-          <a:p>
-            <a:endParaRPr lang="en-US" dirty="0"/>
-          </a:p>
-          <a:p>
-            <a:endParaRPr lang="en-US" dirty="0"/>
-          </a:p>
-          <a:p>
-            <a:endParaRPr lang="en-US" dirty="0"/>
-          </a:p>
-          <a:p>
-            <a:endParaRPr lang="en-US" dirty="0"/>
-          </a:p>
-          <a:p>
-            <a:endParaRPr lang="en-US" dirty="0"/>
-          </a:p>
-          <a:p>
-            <a:r>
-              <a:rPr lang="en-US" b="1" dirty="0"/>
-              <a:t>What is the drawback of simple NN?</a:t>
-            </a:r>
-          </a:p>
-          <a:p>
-            <a:pPr marL="285750" indent="-285750">
-              <a:buFont typeface="Arial" panose="020B0604020202020204" pitchFamily="34" charset="0"/>
-              <a:buChar char="•"/>
-            </a:pPr>
-            <a:r>
-              <a:rPr lang="en-US" dirty="0"/>
-              <a:t>Number of parameters</a:t>
-            </a:r>
-          </a:p>
-          <a:p>
-            <a:pPr marL="285750" indent="-285750">
-              <a:buFont typeface="Arial" panose="020B0604020202020204" pitchFamily="34" charset="0"/>
-              <a:buChar char="•"/>
-            </a:pPr>
-            <a:r>
-              <a:rPr lang="en-US" dirty="0"/>
-              <a:t>Overfitting</a:t>
-            </a:r>
-          </a:p>
-          <a:p>
-            <a:pPr marL="285750" indent="-285750">
-              <a:buFont typeface="Arial" panose="020B0604020202020204" pitchFamily="34" charset="0"/>
-              <a:buChar char="•"/>
-            </a:pPr>
-            <a:r>
-              <a:rPr lang="en-US" dirty="0"/>
-              <a:t>Volume of calculation</a:t>
-            </a:r>
-          </a:p>
-        </p:txBody>
-      </p:sp>
-      <p:pic>
-        <p:nvPicPr>
-          <p:cNvPr id="4100" name="Picture 4" descr="Ligament and Tendon Conditions in Cats - Symptoms, Causes, Diagnosis,  Treatment, Recovery, Management, Cost">
-            <a:extLst>
-              <a:ext uri="{FF2B5EF4-FFF2-40B4-BE49-F238E27FC236}">
-                <a16:creationId xmlns:a16="http://schemas.microsoft.com/office/drawing/2014/main" id="{F595FF53-B77E-4A16-98F8-2D57BFA820EC}"/>
-              </a:ext>
-            </a:extLst>
-          </p:cNvPr>
-          <p:cNvPicPr>
-            <a:picLocks noChangeAspect="1" noChangeArrowheads="1"/>
-          </p:cNvPicPr>
-          <p:nvPr/>
-        </p:nvPicPr>
-        <p:blipFill rotWithShape="1">
-          <a:blip r:embed="rId3">
-            <a:extLst>
-              <a:ext uri="{28A0092B-C50C-407E-A947-70E740481C1C}">
-                <a14:useLocalDpi xmlns:a14="http://schemas.microsoft.com/office/drawing/2010/main" val="0"/>
-              </a:ext>
-            </a:extLst>
-          </a:blip>
-          <a:srcRect l="14912" t="1" r="34842" b="23250"/>
-          <a:stretch/>
-        </p:blipFill>
-        <p:spPr bwMode="auto">
-          <a:xfrm>
-            <a:off x="1016776" y="1966913"/>
-            <a:ext cx="2095619" cy="2134033"/>
-          </a:xfrm>
-          <a:prstGeom prst="rect">
-            <a:avLst/>
-          </a:prstGeom>
-          <a:noFill/>
-          <a:extLst>
-            <a:ext uri="{909E8E84-426E-40DD-AFC4-6F175D3DCCD1}">
-              <a14:hiddenFill xmlns:a14="http://schemas.microsoft.com/office/drawing/2010/main">
-                <a:solidFill>
-                  <a:srgbClr val="FFFFFF"/>
-                </a:solidFill>
-              </a14:hiddenFill>
-            </a:ext>
-          </a:extLst>
-        </p:spPr>
-      </p:pic>
-    </p:spTree>
-    <p:extLst>
-      <p:ext uri="{BB962C8B-B14F-4D97-AF65-F5344CB8AC3E}">
-        <p14:creationId xmlns:p14="http://schemas.microsoft.com/office/powerpoint/2010/main" val="860653372"/>
-      </p:ext>
-    </p:extLst>
-  </p:cSld>
-  <p:clrMapOvr>
-    <a:masterClrMapping/>
-  </p:clrMapOvr>
-</p:sld>
-</file>
-
-<file path=ppt/slides/slide4.xml><?xml version="1.0" encoding="utf-8"?>
-<p:sld xmlns:a="http://schemas.openxmlformats.org/drawingml/2006/main" xmlns:r="http://schemas.openxmlformats.org/officeDocument/2006/relationships" xmlns:p="http://schemas.openxmlformats.org/presentationml/2006/main">
-  <p:cSld>
-    <p:spTree>
-      <p:nvGrpSpPr>
-        <p:cNvPr id="1" name=""/>
-        <p:cNvGrpSpPr/>
-        <p:nvPr/>
-      </p:nvGrpSpPr>
-      <p:grpSpPr>
-        <a:xfrm>
-          <a:off x="0" y="0"/>
-          <a:ext cx="0" cy="0"/>
-          <a:chOff x="0" y="0"/>
-          <a:chExt cx="0" cy="0"/>
-        </a:xfrm>
-      </p:grpSpPr>
-      <p:sp>
-        <p:nvSpPr>
-          <p:cNvPr id="7" name="Title 6">
-            <a:extLst>
-              <a:ext uri="{FF2B5EF4-FFF2-40B4-BE49-F238E27FC236}">
-                <a16:creationId xmlns:a16="http://schemas.microsoft.com/office/drawing/2014/main" id="{28A507B9-77BE-4D0F-BC94-562215436B5B}"/>
-              </a:ext>
-            </a:extLst>
-          </p:cNvPr>
-          <p:cNvSpPr>
-            <a:spLocks noGrp="1"/>
-          </p:cNvSpPr>
-          <p:nvPr>
-            <p:ph type="title"/>
-          </p:nvPr>
-        </p:nvSpPr>
-        <p:spPr/>
-        <p:txBody>
-          <a:bodyPr/>
-          <a:lstStyle/>
-          <a:p>
-            <a:r>
-              <a:rPr lang="en-US" b="1" dirty="0"/>
-              <a:t>Kernel (filter)</a:t>
-            </a:r>
-          </a:p>
-        </p:txBody>
-      </p:sp>
-      <p:pic>
-        <p:nvPicPr>
-          <p:cNvPr id="11" name="Content Placeholder 10">
-            <a:extLst>
-              <a:ext uri="{FF2B5EF4-FFF2-40B4-BE49-F238E27FC236}">
-                <a16:creationId xmlns:a16="http://schemas.microsoft.com/office/drawing/2014/main" id="{2905D5D2-16DB-455A-BF69-C1F6E5B7800F}"/>
-              </a:ext>
-            </a:extLst>
-          </p:cNvPr>
-          <p:cNvPicPr>
-            <a:picLocks noGrp="1" noChangeAspect="1"/>
-          </p:cNvPicPr>
-          <p:nvPr>
-            <p:ph sz="half" idx="1"/>
-          </p:nvPr>
-        </p:nvPicPr>
-        <p:blipFill>
-          <a:blip r:embed="rId2"/>
-          <a:stretch>
-            <a:fillRect/>
-          </a:stretch>
-        </p:blipFill>
-        <p:spPr>
-          <a:xfrm>
-            <a:off x="4551217" y="1172146"/>
-            <a:ext cx="6619940" cy="2587053"/>
-          </a:xfrm>
-        </p:spPr>
-      </p:pic>
-      <p:sp>
-        <p:nvSpPr>
-          <p:cNvPr id="12" name="Content Placeholder 11">
-            <a:extLst>
-              <a:ext uri="{FF2B5EF4-FFF2-40B4-BE49-F238E27FC236}">
-                <a16:creationId xmlns:a16="http://schemas.microsoft.com/office/drawing/2014/main" id="{521A4410-46B8-40CE-8CA2-12447F7EC754}"/>
-              </a:ext>
-            </a:extLst>
-          </p:cNvPr>
-          <p:cNvSpPr>
-            <a:spLocks noGrp="1"/>
-          </p:cNvSpPr>
-          <p:nvPr>
-            <p:ph sz="half" idx="2"/>
-          </p:nvPr>
-        </p:nvSpPr>
-        <p:spPr>
-          <a:xfrm>
-            <a:off x="3182857" y="5237018"/>
-            <a:ext cx="6413725" cy="988448"/>
-          </a:xfrm>
-        </p:spPr>
-        <p:txBody>
-          <a:bodyPr>
-            <a:normAutofit/>
-          </a:bodyPr>
-          <a:lstStyle/>
-          <a:p>
-            <a:pPr marL="0" indent="0">
-              <a:buNone/>
-            </a:pPr>
-            <a:r>
-              <a:rPr lang="en-US" dirty="0"/>
-              <a:t>Edge detection filter (horizontal, vertical)</a:t>
-            </a:r>
-          </a:p>
-          <a:p>
-            <a:r>
-              <a:rPr lang="en-US" dirty="0"/>
-              <a:t>https://setosa.io/ev/image-kernels/</a:t>
-            </a:r>
-          </a:p>
-        </p:txBody>
-      </p:sp>
-      <p:pic>
-        <p:nvPicPr>
-          <p:cNvPr id="5124" name="Picture 4" descr="Convolutional Neural Networks - Basics · Machine Learning Notebook">
-            <a:extLst>
-              <a:ext uri="{FF2B5EF4-FFF2-40B4-BE49-F238E27FC236}">
-                <a16:creationId xmlns:a16="http://schemas.microsoft.com/office/drawing/2014/main" id="{E505C819-AB3D-42A7-A664-9CF85277CD46}"/>
-              </a:ext>
-            </a:extLst>
-          </p:cNvPr>
-          <p:cNvPicPr>
-            <a:picLocks noChangeAspect="1" noChangeArrowheads="1"/>
-          </p:cNvPicPr>
-          <p:nvPr/>
-        </p:nvPicPr>
-        <p:blipFill>
-          <a:blip r:embed="rId3">
-            <a:extLst>
-              <a:ext uri="{28A0092B-C50C-407E-A947-70E740481C1C}">
-                <a14:useLocalDpi xmlns:a14="http://schemas.microsoft.com/office/drawing/2010/main" val="0"/>
-              </a:ext>
-            </a:extLst>
-          </a:blip>
-          <a:srcRect/>
-          <a:stretch>
-            <a:fillRect/>
-          </a:stretch>
-        </p:blipFill>
-        <p:spPr bwMode="auto">
-          <a:xfrm>
-            <a:off x="1020843" y="2921340"/>
-            <a:ext cx="5317612" cy="2494708"/>
-          </a:xfrm>
-          <a:prstGeom prst="rect">
-            <a:avLst/>
-          </a:prstGeom>
-          <a:noFill/>
-          <a:extLst>
-            <a:ext uri="{909E8E84-426E-40DD-AFC4-6F175D3DCCD1}">
-              <a14:hiddenFill xmlns:a14="http://schemas.microsoft.com/office/drawing/2010/main">
-                <a:solidFill>
-                  <a:srgbClr val="FFFFFF"/>
-                </a:solidFill>
-              </a14:hiddenFill>
-            </a:ext>
-          </a:extLst>
-        </p:spPr>
-      </p:pic>
-    </p:spTree>
-    <p:extLst>
-      <p:ext uri="{BB962C8B-B14F-4D97-AF65-F5344CB8AC3E}">
-        <p14:creationId xmlns:p14="http://schemas.microsoft.com/office/powerpoint/2010/main" val="498509332"/>
-      </p:ext>
-    </p:extLst>
-  </p:cSld>
-  <p:clrMapOvr>
-    <a:masterClrMapping/>
-  </p:clrMapOvr>
-</p:sld>
-</file>
-
-<file path=ppt/slides/slide5.xml><?xml version="1.0" encoding="utf-8"?>
-<p:sld xmlns:a="http://schemas.openxmlformats.org/drawingml/2006/main" xmlns:r="http://schemas.openxmlformats.org/officeDocument/2006/relationships" xmlns:p="http://schemas.openxmlformats.org/presentationml/2006/main">
-  <p:cSld>
-    <p:spTree>
-      <p:nvGrpSpPr>
-        <p:cNvPr id="1" name=""/>
-        <p:cNvGrpSpPr/>
-        <p:nvPr/>
-      </p:nvGrpSpPr>
-      <p:grpSpPr>
-        <a:xfrm>
-          <a:off x="0" y="0"/>
-          <a:ext cx="0" cy="0"/>
-          <a:chOff x="0" y="0"/>
-          <a:chExt cx="0" cy="0"/>
-        </a:xfrm>
-      </p:grpSpPr>
-      <p:sp>
-        <p:nvSpPr>
-          <p:cNvPr id="2" name="Title 1">
-            <a:extLst>
-              <a:ext uri="{FF2B5EF4-FFF2-40B4-BE49-F238E27FC236}">
-                <a16:creationId xmlns:a16="http://schemas.microsoft.com/office/drawing/2014/main" id="{877100DC-8252-4683-8EEB-3E672DF3ED1A}"/>
-              </a:ext>
-            </a:extLst>
-          </p:cNvPr>
-          <p:cNvSpPr>
-            <a:spLocks noGrp="1"/>
-          </p:cNvSpPr>
-          <p:nvPr>
-            <p:ph type="title"/>
-          </p:nvPr>
-        </p:nvSpPr>
-        <p:spPr/>
-        <p:txBody>
-          <a:bodyPr/>
-          <a:lstStyle/>
-          <a:p>
-            <a:r>
-              <a:rPr lang="en-US" b="1" dirty="0"/>
-              <a:t>Pooling</a:t>
-            </a:r>
-          </a:p>
-        </p:txBody>
-      </p:sp>
-      <p:pic>
-        <p:nvPicPr>
-          <p:cNvPr id="7170" name="Picture 2" descr="Max Pooling Explained | Papers With Code">
-            <a:extLst>
-              <a:ext uri="{FF2B5EF4-FFF2-40B4-BE49-F238E27FC236}">
-                <a16:creationId xmlns:a16="http://schemas.microsoft.com/office/drawing/2014/main" id="{90A844E6-8C5C-44E1-A164-4BDAF956292C}"/>
-              </a:ext>
-            </a:extLst>
-          </p:cNvPr>
-          <p:cNvPicPr>
-            <a:picLocks noChangeAspect="1" noChangeArrowheads="1"/>
-          </p:cNvPicPr>
-          <p:nvPr/>
-        </p:nvPicPr>
-        <p:blipFill>
-          <a:blip r:embed="rId2">
-            <a:extLst>
-              <a:ext uri="{28A0092B-C50C-407E-A947-70E740481C1C}">
-                <a14:useLocalDpi xmlns:a14="http://schemas.microsoft.com/office/drawing/2010/main" val="0"/>
-              </a:ext>
-            </a:extLst>
-          </a:blip>
-          <a:srcRect/>
-          <a:stretch>
-            <a:fillRect/>
-          </a:stretch>
-        </p:blipFill>
-        <p:spPr bwMode="auto">
-          <a:xfrm>
-            <a:off x="2722996" y="1938337"/>
-            <a:ext cx="7143750" cy="2981325"/>
-          </a:xfrm>
-          <a:prstGeom prst="rect">
-            <a:avLst/>
-          </a:prstGeom>
-          <a:noFill/>
-          <a:extLst>
-            <a:ext uri="{909E8E84-426E-40DD-AFC4-6F175D3DCCD1}">
-              <a14:hiddenFill xmlns:a14="http://schemas.microsoft.com/office/drawing/2010/main">
-                <a:solidFill>
-                  <a:srgbClr val="FFFFFF"/>
-                </a:solidFill>
-              </a14:hiddenFill>
-            </a:ext>
-          </a:extLst>
-        </p:spPr>
-      </p:pic>
-    </p:spTree>
-    <p:extLst>
-      <p:ext uri="{BB962C8B-B14F-4D97-AF65-F5344CB8AC3E}">
-        <p14:creationId xmlns:p14="http://schemas.microsoft.com/office/powerpoint/2010/main" val="1454726096"/>
-      </p:ext>
-    </p:extLst>
-  </p:cSld>
-  <p:clrMapOvr>
-    <a:masterClrMapping/>
-  </p:clrMapOvr>
-</p:sld>
-</file>
-
-<file path=ppt/slides/slide6.xml><?xml version="1.0" encoding="utf-8"?>
-<p:sld xmlns:a="http://schemas.openxmlformats.org/drawingml/2006/main" xmlns:r="http://schemas.openxmlformats.org/officeDocument/2006/relationships" xmlns:p="http://schemas.openxmlformats.org/presentationml/2006/main">
-  <p:cSld>
-    <p:spTree>
-      <p:nvGrpSpPr>
-        <p:cNvPr id="1" name=""/>
-        <p:cNvGrpSpPr/>
-        <p:nvPr/>
-      </p:nvGrpSpPr>
-      <p:grpSpPr>
-        <a:xfrm>
-          <a:off x="0" y="0"/>
-          <a:ext cx="0" cy="0"/>
-          <a:chOff x="0" y="0"/>
-          <a:chExt cx="0" cy="0"/>
-        </a:xfrm>
-      </p:grpSpPr>
-      <p:sp>
-        <p:nvSpPr>
-          <p:cNvPr id="10" name="Title 9">
-            <a:extLst>
-              <a:ext uri="{FF2B5EF4-FFF2-40B4-BE49-F238E27FC236}">
-                <a16:creationId xmlns:a16="http://schemas.microsoft.com/office/drawing/2014/main" id="{AC489C42-72CE-4FDC-8C9F-CE7E088DF2AA}"/>
-              </a:ext>
-            </a:extLst>
-          </p:cNvPr>
-          <p:cNvSpPr>
-            <a:spLocks noGrp="1"/>
-          </p:cNvSpPr>
-          <p:nvPr>
-            <p:ph type="title"/>
-          </p:nvPr>
-        </p:nvSpPr>
-        <p:spPr/>
-        <p:txBody>
-          <a:bodyPr/>
-          <a:lstStyle/>
-          <a:p>
-            <a:r>
-              <a:rPr lang="en-US" b="1" dirty="0"/>
-              <a:t>Convolutional Neural Network</a:t>
-            </a:r>
-          </a:p>
-        </p:txBody>
-      </p:sp>
-      <p:pic>
-        <p:nvPicPr>
-          <p:cNvPr id="6150" name="Picture 6" descr="Convolutional Neural Networks – Cezanne Camacho – Machine and deep learning  educator.">
-            <a:extLst>
-              <a:ext uri="{FF2B5EF4-FFF2-40B4-BE49-F238E27FC236}">
-                <a16:creationId xmlns:a16="http://schemas.microsoft.com/office/drawing/2014/main" id="{CBEF9268-3D3D-4E23-8CAF-A1D5A9367926}"/>
-              </a:ext>
-            </a:extLst>
-          </p:cNvPr>
-          <p:cNvPicPr>
-            <a:picLocks noChangeAspect="1" noChangeArrowheads="1"/>
-          </p:cNvPicPr>
-          <p:nvPr/>
-        </p:nvPicPr>
-        <p:blipFill>
-          <a:blip r:embed="rId2">
-            <a:extLst>
-              <a:ext uri="{28A0092B-C50C-407E-A947-70E740481C1C}">
-                <a14:useLocalDpi xmlns:a14="http://schemas.microsoft.com/office/drawing/2010/main" val="0"/>
-              </a:ext>
-            </a:extLst>
-          </a:blip>
-          <a:srcRect/>
-          <a:stretch>
-            <a:fillRect/>
-          </a:stretch>
-        </p:blipFill>
-        <p:spPr bwMode="auto">
-          <a:xfrm>
-            <a:off x="1016000" y="2699327"/>
-            <a:ext cx="9339992" cy="3191164"/>
-          </a:xfrm>
-          <a:prstGeom prst="rect">
-            <a:avLst/>
-          </a:prstGeom>
-          <a:noFill/>
-          <a:extLst>
-            <a:ext uri="{909E8E84-426E-40DD-AFC4-6F175D3DCCD1}">
-              <a14:hiddenFill xmlns:a14="http://schemas.microsoft.com/office/drawing/2010/main">
-                <a:solidFill>
-                  <a:srgbClr val="FFFFFF"/>
-                </a:solidFill>
-              </a14:hiddenFill>
-            </a:ext>
-          </a:extLst>
-        </p:spPr>
-      </p:pic>
-    </p:spTree>
-    <p:extLst>
-      <p:ext uri="{BB962C8B-B14F-4D97-AF65-F5344CB8AC3E}">
-        <p14:creationId xmlns:p14="http://schemas.microsoft.com/office/powerpoint/2010/main" val="4224345823"/>
-      </p:ext>
-    </p:extLst>
-  </p:cSld>
-  <p:clrMapOvr>
-    <a:masterClrMapping/>
-  </p:clrMapOvr>
-</p:sld>
-</file>
-
-<file path=ppt/slides/slide7.xml><?xml version="1.0" encoding="utf-8"?>
-<p:sld xmlns:a="http://schemas.openxmlformats.org/drawingml/2006/main" xmlns:r="http://schemas.openxmlformats.org/officeDocument/2006/relationships" xmlns:p="http://schemas.openxmlformats.org/presentationml/2006/main">
-  <p:cSld>
-    <p:spTree>
-      <p:nvGrpSpPr>
-        <p:cNvPr id="1" name=""/>
-        <p:cNvGrpSpPr/>
-        <p:nvPr/>
-      </p:nvGrpSpPr>
-      <p:grpSpPr>
-        <a:xfrm>
-          <a:off x="0" y="0"/>
-          <a:ext cx="0" cy="0"/>
-          <a:chOff x="0" y="0"/>
-          <a:chExt cx="0" cy="0"/>
-        </a:xfrm>
-      </p:grpSpPr>
-      <p:sp>
-        <p:nvSpPr>
-          <p:cNvPr id="2" name="Title 1">
-            <a:extLst>
-              <a:ext uri="{FF2B5EF4-FFF2-40B4-BE49-F238E27FC236}">
-                <a16:creationId xmlns:a16="http://schemas.microsoft.com/office/drawing/2014/main" id="{60400578-EDB3-4449-BDF0-4C39293C9362}"/>
-              </a:ext>
-            </a:extLst>
-          </p:cNvPr>
-          <p:cNvSpPr>
-            <a:spLocks noGrp="1"/>
-          </p:cNvSpPr>
-          <p:nvPr>
-            <p:ph type="title"/>
-          </p:nvPr>
-        </p:nvSpPr>
-        <p:spPr/>
-        <p:txBody>
-          <a:bodyPr/>
-          <a:lstStyle/>
-          <a:p>
-            <a:r>
-              <a:rPr lang="en-US" b="1" dirty="0"/>
-              <a:t>Image Classification</a:t>
-            </a:r>
-          </a:p>
-        </p:txBody>
-      </p:sp>
-      <p:sp>
-        <p:nvSpPr>
-          <p:cNvPr id="3" name="Content Placeholder 2">
-            <a:extLst>
-              <a:ext uri="{FF2B5EF4-FFF2-40B4-BE49-F238E27FC236}">
-                <a16:creationId xmlns:a16="http://schemas.microsoft.com/office/drawing/2014/main" id="{AEFA7604-7F57-4000-B052-65E7C84EADFB}"/>
-              </a:ext>
-            </a:extLst>
-          </p:cNvPr>
-          <p:cNvSpPr>
-            <a:spLocks noGrp="1"/>
-          </p:cNvSpPr>
-          <p:nvPr>
-            <p:ph idx="1"/>
-          </p:nvPr>
-        </p:nvSpPr>
-        <p:spPr/>
-        <p:txBody>
-          <a:bodyPr/>
-          <a:lstStyle/>
-          <a:p>
-            <a:pPr marL="0" indent="0">
-              <a:buNone/>
-            </a:pPr>
-            <a:r>
-              <a:rPr lang="en-US" b="1" dirty="0"/>
-              <a:t>Face recognition</a:t>
-            </a:r>
-          </a:p>
-          <a:p>
-            <a:r>
-              <a:rPr lang="en-US" dirty="0"/>
-              <a:t>We have a numerous class</a:t>
-            </a:r>
-          </a:p>
-          <a:p>
-            <a:r>
-              <a:rPr lang="en-US" dirty="0"/>
-              <a:t>Limited number of sample for each class</a:t>
-            </a:r>
-          </a:p>
-          <a:p>
-            <a:endParaRPr lang="en-US" dirty="0"/>
-          </a:p>
-          <a:p>
-            <a:endParaRPr lang="en-US" dirty="0"/>
-          </a:p>
-          <a:p>
-            <a:pPr marL="0" indent="0">
-              <a:buNone/>
-            </a:pPr>
-            <a:r>
-              <a:rPr lang="en-US" b="1" dirty="0"/>
-              <a:t>Siamese Network</a:t>
-            </a:r>
-          </a:p>
-          <a:p>
-            <a:pPr marL="0" indent="0">
-              <a:buNone/>
-            </a:pPr>
-            <a:r>
-              <a:rPr lang="en-US" b="1" dirty="0"/>
-              <a:t>Triple loss function</a:t>
-            </a:r>
-          </a:p>
-        </p:txBody>
-      </p:sp>
-    </p:spTree>
-    <p:extLst>
-      <p:ext uri="{BB962C8B-B14F-4D97-AF65-F5344CB8AC3E}">
-        <p14:creationId xmlns:p14="http://schemas.microsoft.com/office/powerpoint/2010/main" val="2220406306"/>
-      </p:ext>
-    </p:extLst>
-  </p:cSld>
-  <p:clrMapOvr>
-    <a:masterClrMapping/>
-  </p:clrMapOvr>
-</p:sld>
-</file>
-
-<file path=ppt/slides/slide8.xml><?xml version="1.0" encoding="utf-8"?>
-<p:sld xmlns:a="http://schemas.openxmlformats.org/drawingml/2006/main" xmlns:r="http://schemas.openxmlformats.org/officeDocument/2006/relationships" xmlns:p="http://schemas.openxmlformats.org/presentationml/2006/main">
-  <p:cSld>
-    <p:spTree>
-      <p:nvGrpSpPr>
-        <p:cNvPr id="1" name=""/>
-        <p:cNvGrpSpPr/>
-        <p:nvPr/>
-      </p:nvGrpSpPr>
-      <p:grpSpPr>
-        <a:xfrm>
-          <a:off x="0" y="0"/>
-          <a:ext cx="0" cy="0"/>
-          <a:chOff x="0" y="0"/>
-          <a:chExt cx="0" cy="0"/>
-        </a:xfrm>
-      </p:grpSpPr>
-      <p:sp>
-        <p:nvSpPr>
-          <p:cNvPr id="2" name="Title 1">
-            <a:extLst>
-              <a:ext uri="{FF2B5EF4-FFF2-40B4-BE49-F238E27FC236}">
-                <a16:creationId xmlns:a16="http://schemas.microsoft.com/office/drawing/2014/main" id="{70BCA88C-997C-46EC-AC44-2246E6F6F328}"/>
-              </a:ext>
-            </a:extLst>
-          </p:cNvPr>
-          <p:cNvSpPr>
-            <a:spLocks noGrp="1"/>
-          </p:cNvSpPr>
-          <p:nvPr>
-            <p:ph type="title"/>
-          </p:nvPr>
-        </p:nvSpPr>
-        <p:spPr/>
-        <p:txBody>
-          <a:bodyPr/>
-          <a:lstStyle/>
-          <a:p>
-            <a:r>
-              <a:rPr lang="en-US" b="1" dirty="0"/>
-              <a:t>Single shot classification or limited shots</a:t>
-            </a:r>
-          </a:p>
-        </p:txBody>
-      </p:sp>
-      <p:pic>
-        <p:nvPicPr>
-          <p:cNvPr id="1026" name="Picture 2">
-            <a:extLst>
-              <a:ext uri="{FF2B5EF4-FFF2-40B4-BE49-F238E27FC236}">
-                <a16:creationId xmlns:a16="http://schemas.microsoft.com/office/drawing/2014/main" id="{6A2C7A48-71E7-4B75-BD39-F25561084E15}"/>
-              </a:ext>
-            </a:extLst>
-          </p:cNvPr>
-          <p:cNvPicPr>
-            <a:picLocks noGrp="1" noChangeAspect="1" noChangeArrowheads="1"/>
-          </p:cNvPicPr>
-          <p:nvPr>
-            <p:ph idx="1"/>
-          </p:nvPr>
-        </p:nvPicPr>
-        <p:blipFill>
-          <a:blip r:embed="rId2">
-            <a:extLst>
-              <a:ext uri="{28A0092B-C50C-407E-A947-70E740481C1C}">
-                <a14:useLocalDpi xmlns:a14="http://schemas.microsoft.com/office/drawing/2010/main" val="0"/>
-              </a:ext>
-            </a:extLst>
-          </a:blip>
-          <a:srcRect/>
-          <a:stretch>
-            <a:fillRect/>
-          </a:stretch>
-        </p:blipFill>
-        <p:spPr bwMode="auto">
-          <a:xfrm>
-            <a:off x="1404723" y="2484725"/>
-            <a:ext cx="1401979" cy="1401979"/>
-          </a:xfrm>
-          <a:prstGeom prst="rect">
-            <a:avLst/>
-          </a:prstGeom>
-          <a:noFill/>
-          <a:extLst>
-            <a:ext uri="{909E8E84-426E-40DD-AFC4-6F175D3DCCD1}">
-              <a14:hiddenFill xmlns:a14="http://schemas.microsoft.com/office/drawing/2010/main">
-                <a:solidFill>
-                  <a:srgbClr val="FFFFFF"/>
-                </a:solidFill>
-              </a14:hiddenFill>
-            </a:ext>
-          </a:extLst>
-        </p:spPr>
-      </p:pic>
-      <p:pic>
-        <p:nvPicPr>
-          <p:cNvPr id="1030" name="Picture 6" descr="Image - 69927] | Inception | Leonardo dicaprio, Leonardo dicaprio movies,  Leo dicaprio">
-            <a:extLst>
-              <a:ext uri="{FF2B5EF4-FFF2-40B4-BE49-F238E27FC236}">
-                <a16:creationId xmlns:a16="http://schemas.microsoft.com/office/drawing/2014/main" id="{86CD1095-5CC2-4C4C-B9BD-0CF5990BB035}"/>
-              </a:ext>
-            </a:extLst>
-          </p:cNvPr>
-          <p:cNvPicPr>
-            <a:picLocks noChangeAspect="1" noChangeArrowheads="1"/>
-          </p:cNvPicPr>
-          <p:nvPr/>
-        </p:nvPicPr>
-        <p:blipFill rotWithShape="1">
-          <a:blip r:embed="rId3">
-            <a:extLst>
-              <a:ext uri="{28A0092B-C50C-407E-A947-70E740481C1C}">
-                <a14:useLocalDpi xmlns:a14="http://schemas.microsoft.com/office/drawing/2010/main" val="0"/>
-              </a:ext>
-            </a:extLst>
-          </a:blip>
-          <a:srcRect b="15705"/>
-          <a:stretch/>
-        </p:blipFill>
-        <p:spPr bwMode="auto">
-          <a:xfrm>
-            <a:off x="9623819" y="1932293"/>
-            <a:ext cx="1118538" cy="1325564"/>
-          </a:xfrm>
-          <a:prstGeom prst="rect">
-            <a:avLst/>
-          </a:prstGeom>
-          <a:noFill/>
-          <a:extLst>
-            <a:ext uri="{909E8E84-426E-40DD-AFC4-6F175D3DCCD1}">
-              <a14:hiddenFill xmlns:a14="http://schemas.microsoft.com/office/drawing/2010/main">
-                <a:solidFill>
-                  <a:srgbClr val="FFFFFF"/>
-                </a:solidFill>
-              </a14:hiddenFill>
-            </a:ext>
-          </a:extLst>
-        </p:spPr>
-      </p:pic>
-      <p:pic>
-        <p:nvPicPr>
-          <p:cNvPr id="1032" name="Picture 8" descr="Depp to Play Art Dealer Opposite Paltrow - artnet News">
-            <a:extLst>
-              <a:ext uri="{FF2B5EF4-FFF2-40B4-BE49-F238E27FC236}">
-                <a16:creationId xmlns:a16="http://schemas.microsoft.com/office/drawing/2014/main" id="{22C1727F-A527-49E7-A073-C5005BEEDDD2}"/>
-              </a:ext>
-            </a:extLst>
-          </p:cNvPr>
-          <p:cNvPicPr>
-            <a:picLocks noChangeAspect="1" noChangeArrowheads="1"/>
-          </p:cNvPicPr>
-          <p:nvPr/>
-        </p:nvPicPr>
-        <p:blipFill>
-          <a:blip r:embed="rId4">
-            <a:extLst>
-              <a:ext uri="{28A0092B-C50C-407E-A947-70E740481C1C}">
-                <a14:useLocalDpi xmlns:a14="http://schemas.microsoft.com/office/drawing/2010/main" val="0"/>
-              </a:ext>
-            </a:extLst>
-          </a:blip>
-          <a:srcRect/>
-          <a:stretch>
-            <a:fillRect/>
-          </a:stretch>
-        </p:blipFill>
-        <p:spPr bwMode="auto">
-          <a:xfrm>
-            <a:off x="4510207" y="2484725"/>
-            <a:ext cx="1401979" cy="1401979"/>
-          </a:xfrm>
-          <a:prstGeom prst="rect">
-            <a:avLst/>
-          </a:prstGeom>
-          <a:noFill/>
-          <a:extLst>
-            <a:ext uri="{909E8E84-426E-40DD-AFC4-6F175D3DCCD1}">
-              <a14:hiddenFill xmlns:a14="http://schemas.microsoft.com/office/drawing/2010/main">
-                <a:solidFill>
-                  <a:srgbClr val="FFFFFF"/>
-                </a:solidFill>
-              </a14:hiddenFill>
-            </a:ext>
-          </a:extLst>
-        </p:spPr>
-      </p:pic>
-      <p:pic>
-        <p:nvPicPr>
-          <p:cNvPr id="1034" name="Picture 10" descr="Pitt lined up for Hollywood version of State of Play | Movies | The Guardian">
-            <a:extLst>
-              <a:ext uri="{FF2B5EF4-FFF2-40B4-BE49-F238E27FC236}">
-                <a16:creationId xmlns:a16="http://schemas.microsoft.com/office/drawing/2014/main" id="{DEA735FA-04D0-4CB8-B9E4-22F17599F8E6}"/>
-              </a:ext>
-            </a:extLst>
-          </p:cNvPr>
-          <p:cNvPicPr>
-            <a:picLocks noChangeAspect="1" noChangeArrowheads="1"/>
-          </p:cNvPicPr>
-          <p:nvPr/>
-        </p:nvPicPr>
-        <p:blipFill>
-          <a:blip r:embed="rId5">
-            <a:extLst>
-              <a:ext uri="{28A0092B-C50C-407E-A947-70E740481C1C}">
-                <a14:useLocalDpi xmlns:a14="http://schemas.microsoft.com/office/drawing/2010/main" val="0"/>
-              </a:ext>
-            </a:extLst>
-          </a:blip>
-          <a:srcRect/>
-          <a:stretch>
-            <a:fillRect/>
-          </a:stretch>
-        </p:blipFill>
-        <p:spPr bwMode="auto">
-          <a:xfrm>
-            <a:off x="9619454" y="3886704"/>
-            <a:ext cx="1192428" cy="1192428"/>
-          </a:xfrm>
-          <a:prstGeom prst="rect">
-            <a:avLst/>
-          </a:prstGeom>
-          <a:noFill/>
-          <a:extLst>
-            <a:ext uri="{909E8E84-426E-40DD-AFC4-6F175D3DCCD1}">
-              <a14:hiddenFill xmlns:a14="http://schemas.microsoft.com/office/drawing/2010/main">
-                <a:solidFill>
-                  <a:srgbClr val="FFFFFF"/>
-                </a:solidFill>
-              </a14:hiddenFill>
-            </a:ext>
-          </a:extLst>
-        </p:spPr>
-      </p:pic>
-      <p:pic>
-        <p:nvPicPr>
-          <p:cNvPr id="1036" name="Picture 12" descr="Angelina Jolie (@JoliePrivate) / Twitter">
-            <a:extLst>
-              <a:ext uri="{FF2B5EF4-FFF2-40B4-BE49-F238E27FC236}">
-                <a16:creationId xmlns:a16="http://schemas.microsoft.com/office/drawing/2014/main" id="{1506B584-DC4E-44A1-A451-FC9A6DD78FEC}"/>
-              </a:ext>
-            </a:extLst>
-          </p:cNvPr>
-          <p:cNvPicPr>
-            <a:picLocks noChangeAspect="1" noChangeArrowheads="1"/>
-          </p:cNvPicPr>
-          <p:nvPr/>
-        </p:nvPicPr>
-        <p:blipFill>
-          <a:blip r:embed="rId6">
-            <a:extLst>
-              <a:ext uri="{28A0092B-C50C-407E-A947-70E740481C1C}">
-                <a14:useLocalDpi xmlns:a14="http://schemas.microsoft.com/office/drawing/2010/main" val="0"/>
-              </a:ext>
-            </a:extLst>
-          </a:blip>
-          <a:srcRect/>
-          <a:stretch>
-            <a:fillRect/>
-          </a:stretch>
-        </p:blipFill>
-        <p:spPr bwMode="auto">
-          <a:xfrm>
-            <a:off x="2957465" y="2484725"/>
-            <a:ext cx="1401979" cy="1401979"/>
-          </a:xfrm>
-          <a:prstGeom prst="rect">
-            <a:avLst/>
-          </a:prstGeom>
-          <a:noFill/>
-          <a:extLst>
-            <a:ext uri="{909E8E84-426E-40DD-AFC4-6F175D3DCCD1}">
-              <a14:hiddenFill xmlns:a14="http://schemas.microsoft.com/office/drawing/2010/main">
-                <a:solidFill>
-                  <a:srgbClr val="FFFFFF"/>
-                </a:solidFill>
-              </a14:hiddenFill>
-            </a:ext>
-          </a:extLst>
-        </p:spPr>
-      </p:pic>
-      <p:pic>
-        <p:nvPicPr>
-          <p:cNvPr id="1038" name="Picture 14" descr="Why Nicole Kidman's hair is causing waves in The Undoing">
-            <a:extLst>
-              <a:ext uri="{FF2B5EF4-FFF2-40B4-BE49-F238E27FC236}">
-                <a16:creationId xmlns:a16="http://schemas.microsoft.com/office/drawing/2014/main" id="{3B634005-799D-4A0D-8047-4A4FA1EDD8A5}"/>
-              </a:ext>
-            </a:extLst>
-          </p:cNvPr>
-          <p:cNvPicPr>
-            <a:picLocks noChangeAspect="1" noChangeArrowheads="1"/>
-          </p:cNvPicPr>
-          <p:nvPr/>
-        </p:nvPicPr>
-        <p:blipFill>
-          <a:blip r:embed="rId7">
-            <a:extLst>
-              <a:ext uri="{28A0092B-C50C-407E-A947-70E740481C1C}">
-                <a14:useLocalDpi xmlns:a14="http://schemas.microsoft.com/office/drawing/2010/main" val="0"/>
-              </a:ext>
-            </a:extLst>
-          </a:blip>
-          <a:srcRect/>
-          <a:stretch>
-            <a:fillRect/>
-          </a:stretch>
-        </p:blipFill>
-        <p:spPr bwMode="auto">
-          <a:xfrm>
-            <a:off x="6062950" y="2487034"/>
-            <a:ext cx="1401979" cy="1401979"/>
-          </a:xfrm>
-          <a:prstGeom prst="rect">
-            <a:avLst/>
-          </a:prstGeom>
-          <a:noFill/>
-          <a:extLst>
-            <a:ext uri="{909E8E84-426E-40DD-AFC4-6F175D3DCCD1}">
-              <a14:hiddenFill xmlns:a14="http://schemas.microsoft.com/office/drawing/2010/main">
-                <a:solidFill>
-                  <a:srgbClr val="FFFFFF"/>
-                </a:solidFill>
-              </a14:hiddenFill>
-            </a:ext>
-          </a:extLst>
-        </p:spPr>
-      </p:pic>
-      <p:pic>
-        <p:nvPicPr>
-          <p:cNvPr id="11" name="Picture 2">
-            <a:extLst>
-              <a:ext uri="{FF2B5EF4-FFF2-40B4-BE49-F238E27FC236}">
-                <a16:creationId xmlns:a16="http://schemas.microsoft.com/office/drawing/2014/main" id="{661C714E-4D8B-4189-A54F-34587FEDD335}"/>
-              </a:ext>
-            </a:extLst>
-          </p:cNvPr>
-          <p:cNvPicPr>
-            <a:picLocks noChangeAspect="1" noChangeArrowheads="1"/>
-          </p:cNvPicPr>
-          <p:nvPr/>
-        </p:nvPicPr>
-        <p:blipFill>
-          <a:blip r:embed="rId2">
-            <a:extLst>
-              <a:ext uri="{28A0092B-C50C-407E-A947-70E740481C1C}">
-                <a14:useLocalDpi xmlns:a14="http://schemas.microsoft.com/office/drawing/2010/main" val="0"/>
-              </a:ext>
-            </a:extLst>
-          </a:blip>
-          <a:srcRect/>
-          <a:stretch>
-            <a:fillRect/>
-          </a:stretch>
-        </p:blipFill>
-        <p:spPr bwMode="auto">
-          <a:xfrm>
-            <a:off x="9030239" y="2907362"/>
-            <a:ext cx="700990" cy="700990"/>
-          </a:xfrm>
-          <a:prstGeom prst="rect">
-            <a:avLst/>
-          </a:prstGeom>
-          <a:noFill/>
-          <a:extLst>
-            <a:ext uri="{909E8E84-426E-40DD-AFC4-6F175D3DCCD1}">
-              <a14:hiddenFill xmlns:a14="http://schemas.microsoft.com/office/drawing/2010/main">
-                <a:solidFill>
-                  <a:srgbClr val="FFFFFF"/>
-                </a:solidFill>
-              </a14:hiddenFill>
-            </a:ext>
-          </a:extLst>
-        </p:spPr>
-      </p:pic>
-    </p:spTree>
-    <p:extLst>
-      <p:ext uri="{BB962C8B-B14F-4D97-AF65-F5344CB8AC3E}">
-        <p14:creationId xmlns:p14="http://schemas.microsoft.com/office/powerpoint/2010/main" val="2469875054"/>
-      </p:ext>
-    </p:extLst>
-  </p:cSld>
-  <p:clrMapOvr>
-    <a:masterClrMapping/>
-  </p:clrMapOvr>
-</p:sld>
-</file>
-
-<file path=ppt/slides/slide9.xml><?xml version="1.0" encoding="utf-8"?>
-<p:sld xmlns:a="http://schemas.openxmlformats.org/drawingml/2006/main" xmlns:r="http://schemas.openxmlformats.org/officeDocument/2006/relationships" xmlns:p="http://schemas.openxmlformats.org/presentationml/2006/main">
-  <p:cSld>
-    <p:spTree>
-      <p:nvGrpSpPr>
-        <p:cNvPr id="1" name=""/>
-        <p:cNvGrpSpPr/>
-        <p:nvPr/>
-      </p:nvGrpSpPr>
-      <p:grpSpPr>
-        <a:xfrm>
-          <a:off x="0" y="0"/>
-          <a:ext cx="0" cy="0"/>
-          <a:chOff x="0" y="0"/>
-          <a:chExt cx="0" cy="0"/>
-        </a:xfrm>
-      </p:grpSpPr>
-      <p:sp>
-        <p:nvSpPr>
-          <p:cNvPr id="2" name="Title 1">
-            <a:extLst>
-              <a:ext uri="{FF2B5EF4-FFF2-40B4-BE49-F238E27FC236}">
                 <a16:creationId xmlns:a16="http://schemas.microsoft.com/office/drawing/2014/main" id="{FE9833C2-3844-471D-9487-1AB2DACF17D5}"/>
               </a:ext>
             </a:extLst>
@@ -12279,6 +10011,3371 @@
     <p:extLst>
       <p:ext uri="{BB962C8B-B14F-4D97-AF65-F5344CB8AC3E}">
         <p14:creationId xmlns:p14="http://schemas.microsoft.com/office/powerpoint/2010/main" val="1336225317"/>
+      </p:ext>
+    </p:extLst>
+  </p:cSld>
+  <p:clrMapOvr>
+    <a:masterClrMapping/>
+  </p:clrMapOvr>
+</p:sld>
+</file>
+
+<file path=ppt/slides/slide11.xml><?xml version="1.0" encoding="utf-8"?>
+<p:sld xmlns:a="http://schemas.openxmlformats.org/drawingml/2006/main" xmlns:r="http://schemas.openxmlformats.org/officeDocument/2006/relationships" xmlns:p="http://schemas.openxmlformats.org/presentationml/2006/main">
+  <p:cSld>
+    <p:spTree>
+      <p:nvGrpSpPr>
+        <p:cNvPr id="1" name=""/>
+        <p:cNvGrpSpPr/>
+        <p:nvPr/>
+      </p:nvGrpSpPr>
+      <p:grpSpPr>
+        <a:xfrm>
+          <a:off x="0" y="0"/>
+          <a:ext cx="0" cy="0"/>
+          <a:chOff x="0" y="0"/>
+          <a:chExt cx="0" cy="0"/>
+        </a:xfrm>
+      </p:grpSpPr>
+      <p:pic>
+        <p:nvPicPr>
+          <p:cNvPr id="4102" name="Picture 6" descr="Face Recognition Using Nearest Feature Space Embedding | Semantic Scholar">
+            <a:extLst>
+              <a:ext uri="{FF2B5EF4-FFF2-40B4-BE49-F238E27FC236}">
+                <a16:creationId xmlns:a16="http://schemas.microsoft.com/office/drawing/2014/main" id="{F3C6E9CE-6028-4FF7-8CC6-328CBE9F1DE0}"/>
+              </a:ext>
+            </a:extLst>
+          </p:cNvPr>
+          <p:cNvPicPr>
+            <a:picLocks noChangeAspect="1" noChangeArrowheads="1"/>
+          </p:cNvPicPr>
+          <p:nvPr/>
+        </p:nvPicPr>
+        <p:blipFill>
+          <a:blip r:embed="rId2">
+            <a:extLst>
+              <a:ext uri="{28A0092B-C50C-407E-A947-70E740481C1C}">
+                <a14:useLocalDpi xmlns:a14="http://schemas.microsoft.com/office/drawing/2010/main" val="0"/>
+              </a:ext>
+            </a:extLst>
+          </a:blip>
+          <a:srcRect/>
+          <a:stretch>
+            <a:fillRect/>
+          </a:stretch>
+        </p:blipFill>
+        <p:spPr bwMode="auto">
+          <a:xfrm>
+            <a:off x="5481215" y="232977"/>
+            <a:ext cx="5442520" cy="3117080"/>
+          </a:xfrm>
+          <a:prstGeom prst="rect">
+            <a:avLst/>
+          </a:prstGeom>
+          <a:noFill/>
+          <a:extLst>
+            <a:ext uri="{909E8E84-426E-40DD-AFC4-6F175D3DCCD1}">
+              <a14:hiddenFill xmlns:a14="http://schemas.microsoft.com/office/drawing/2010/main">
+                <a:solidFill>
+                  <a:srgbClr val="FFFFFF"/>
+                </a:solidFill>
+              </a14:hiddenFill>
+            </a:ext>
+          </a:extLst>
+        </p:spPr>
+      </p:pic>
+      <p:sp>
+        <p:nvSpPr>
+          <p:cNvPr id="2" name="Title 1">
+            <a:extLst>
+              <a:ext uri="{FF2B5EF4-FFF2-40B4-BE49-F238E27FC236}">
+                <a16:creationId xmlns:a16="http://schemas.microsoft.com/office/drawing/2014/main" id="{1E2DF95A-3872-4645-88D3-88B0D0F32D48}"/>
+              </a:ext>
+            </a:extLst>
+          </p:cNvPr>
+          <p:cNvSpPr>
+            <a:spLocks noGrp="1"/>
+          </p:cNvSpPr>
+          <p:nvPr>
+            <p:ph type="title"/>
+          </p:nvPr>
+        </p:nvSpPr>
+        <p:spPr/>
+        <p:txBody>
+          <a:bodyPr/>
+          <a:lstStyle/>
+          <a:p>
+            <a:r>
+              <a:rPr lang="en-US" b="1" dirty="0"/>
+              <a:t>Triple loss function</a:t>
+            </a:r>
+            <a:endParaRPr lang="en-US" dirty="0"/>
+          </a:p>
+        </p:txBody>
+      </p:sp>
+      <p:sp>
+        <p:nvSpPr>
+          <p:cNvPr id="3" name="Content Placeholder 2">
+            <a:extLst>
+              <a:ext uri="{FF2B5EF4-FFF2-40B4-BE49-F238E27FC236}">
+                <a16:creationId xmlns:a16="http://schemas.microsoft.com/office/drawing/2014/main" id="{FDDE818B-D30C-42CB-BC54-48F36ACBA559}"/>
+              </a:ext>
+            </a:extLst>
+          </p:cNvPr>
+          <p:cNvSpPr>
+            <a:spLocks noGrp="1"/>
+          </p:cNvSpPr>
+          <p:nvPr>
+            <p:ph idx="1"/>
+          </p:nvPr>
+        </p:nvSpPr>
+        <p:spPr>
+          <a:xfrm>
+            <a:off x="1369291" y="4659278"/>
+            <a:ext cx="9984509" cy="456375"/>
+          </a:xfrm>
+        </p:spPr>
+        <p:txBody>
+          <a:bodyPr>
+            <a:normAutofit/>
+          </a:bodyPr>
+          <a:lstStyle/>
+          <a:p>
+            <a:pPr marL="0" indent="0">
+              <a:buNone/>
+            </a:pPr>
+            <a:r>
+              <a:rPr lang="en-US" sz="2000" b="1" dirty="0"/>
+              <a:t>a</a:t>
+            </a:r>
+            <a:r>
+              <a:rPr lang="en-US" sz="2000" dirty="0"/>
+              <a:t>nchor                </a:t>
+            </a:r>
+            <a:r>
+              <a:rPr lang="en-US" sz="2000" b="1" dirty="0"/>
+              <a:t>p</a:t>
+            </a:r>
+            <a:r>
+              <a:rPr lang="en-US" sz="2000" dirty="0"/>
+              <a:t>ositive                                        	              </a:t>
+            </a:r>
+            <a:r>
+              <a:rPr lang="en-US" sz="2000" b="1" dirty="0"/>
+              <a:t>a</a:t>
+            </a:r>
+            <a:r>
+              <a:rPr lang="en-US" sz="2000" dirty="0"/>
+              <a:t>nchor               </a:t>
+            </a:r>
+            <a:r>
+              <a:rPr lang="en-US" sz="2000" b="1" dirty="0"/>
+              <a:t>n</a:t>
+            </a:r>
+            <a:r>
+              <a:rPr lang="en-US" sz="2000" dirty="0"/>
+              <a:t>egative</a:t>
+            </a:r>
+          </a:p>
+        </p:txBody>
+      </p:sp>
+      <p:pic>
+        <p:nvPicPr>
+          <p:cNvPr id="5" name="Picture 4">
+            <a:extLst>
+              <a:ext uri="{FF2B5EF4-FFF2-40B4-BE49-F238E27FC236}">
+                <a16:creationId xmlns:a16="http://schemas.microsoft.com/office/drawing/2014/main" id="{2DFC2D32-B7FB-450D-B4E1-4F652EE33D3D}"/>
+              </a:ext>
+            </a:extLst>
+          </p:cNvPr>
+          <p:cNvPicPr>
+            <a:picLocks noChangeAspect="1"/>
+          </p:cNvPicPr>
+          <p:nvPr/>
+        </p:nvPicPr>
+        <p:blipFill>
+          <a:blip r:embed="rId3"/>
+          <a:stretch>
+            <a:fillRect/>
+          </a:stretch>
+        </p:blipFill>
+        <p:spPr>
+          <a:xfrm>
+            <a:off x="1053424" y="5255587"/>
+            <a:ext cx="9678751" cy="933580"/>
+          </a:xfrm>
+          <a:prstGeom prst="rect">
+            <a:avLst/>
+          </a:prstGeom>
+        </p:spPr>
+      </p:pic>
+      <p:grpSp>
+        <p:nvGrpSpPr>
+          <p:cNvPr id="7" name="Group 6">
+            <a:extLst>
+              <a:ext uri="{FF2B5EF4-FFF2-40B4-BE49-F238E27FC236}">
+                <a16:creationId xmlns:a16="http://schemas.microsoft.com/office/drawing/2014/main" id="{73B51029-16A6-4DC8-8279-150505A5F139}"/>
+              </a:ext>
+            </a:extLst>
+          </p:cNvPr>
+          <p:cNvGrpSpPr/>
+          <p:nvPr/>
+        </p:nvGrpSpPr>
+        <p:grpSpPr>
+          <a:xfrm>
+            <a:off x="1369291" y="3429000"/>
+            <a:ext cx="9066658" cy="2068221"/>
+            <a:chOff x="1562671" y="2708935"/>
+            <a:chExt cx="9066658" cy="2068221"/>
+          </a:xfrm>
+        </p:grpSpPr>
+        <p:pic>
+          <p:nvPicPr>
+            <p:cNvPr id="8" name="Picture 6" descr="Image - 69927] | Inception | Leonardo dicaprio, Leonardo dicaprio movies,  Leo dicaprio">
+              <a:extLst>
+                <a:ext uri="{FF2B5EF4-FFF2-40B4-BE49-F238E27FC236}">
+                  <a16:creationId xmlns:a16="http://schemas.microsoft.com/office/drawing/2014/main" id="{C0109F35-8D1F-4710-86DF-FC84E4FD21E1}"/>
+                </a:ext>
+              </a:extLst>
+            </p:cNvPr>
+            <p:cNvPicPr>
+              <a:picLocks noChangeAspect="1" noChangeArrowheads="1"/>
+            </p:cNvPicPr>
+            <p:nvPr/>
+          </p:nvPicPr>
+          <p:blipFill rotWithShape="1">
+            <a:blip r:embed="rId4">
+              <a:extLst>
+                <a:ext uri="{28A0092B-C50C-407E-A947-70E740481C1C}">
+                  <a14:useLocalDpi xmlns:a14="http://schemas.microsoft.com/office/drawing/2010/main" val="0"/>
+                </a:ext>
+              </a:extLst>
+            </a:blip>
+            <a:srcRect b="15705"/>
+            <a:stretch/>
+          </p:blipFill>
+          <p:spPr bwMode="auto">
+            <a:xfrm>
+              <a:off x="1562671" y="2709428"/>
+              <a:ext cx="894202" cy="1059708"/>
+            </a:xfrm>
+            <a:prstGeom prst="rect">
+              <a:avLst/>
+            </a:prstGeom>
+            <a:noFill/>
+            <a:extLst>
+              <a:ext uri="{909E8E84-426E-40DD-AFC4-6F175D3DCCD1}">
+                <a14:hiddenFill xmlns:a14="http://schemas.microsoft.com/office/drawing/2010/main">
+                  <a:solidFill>
+                    <a:srgbClr val="FFFFFF"/>
+                  </a:solidFill>
+                </a14:hiddenFill>
+              </a:ext>
+            </a:extLst>
+          </p:spPr>
+        </p:pic>
+        <p:pic>
+          <p:nvPicPr>
+            <p:cNvPr id="9" name="Picture 10" descr="Pitt lined up for Hollywood version of State of Play | Movies | The Guardian">
+              <a:extLst>
+                <a:ext uri="{FF2B5EF4-FFF2-40B4-BE49-F238E27FC236}">
+                  <a16:creationId xmlns:a16="http://schemas.microsoft.com/office/drawing/2014/main" id="{A9FBA8CA-76AE-45CB-997A-270DD5576E7B}"/>
+                </a:ext>
+              </a:extLst>
+            </p:cNvPr>
+            <p:cNvPicPr>
+              <a:picLocks noChangeAspect="1" noChangeArrowheads="1"/>
+            </p:cNvPicPr>
+            <p:nvPr/>
+          </p:nvPicPr>
+          <p:blipFill>
+            <a:blip r:embed="rId5">
+              <a:extLst>
+                <a:ext uri="{28A0092B-C50C-407E-A947-70E740481C1C}">
+                  <a14:useLocalDpi xmlns:a14="http://schemas.microsoft.com/office/drawing/2010/main" val="0"/>
+                </a:ext>
+              </a:extLst>
+            </a:blip>
+            <a:srcRect/>
+            <a:stretch>
+              <a:fillRect/>
+            </a:stretch>
+          </p:blipFill>
+          <p:spPr bwMode="auto">
+            <a:xfrm>
+              <a:off x="9569128" y="2708935"/>
+              <a:ext cx="1060201" cy="1060201"/>
+            </a:xfrm>
+            <a:prstGeom prst="rect">
+              <a:avLst/>
+            </a:prstGeom>
+            <a:noFill/>
+            <a:extLst>
+              <a:ext uri="{909E8E84-426E-40DD-AFC4-6F175D3DCCD1}">
+                <a14:hiddenFill xmlns:a14="http://schemas.microsoft.com/office/drawing/2010/main">
+                  <a:solidFill>
+                    <a:srgbClr val="FFFFFF"/>
+                  </a:solidFill>
+                </a14:hiddenFill>
+              </a:ext>
+            </a:extLst>
+          </p:spPr>
+        </p:pic>
+        <p:pic>
+          <p:nvPicPr>
+            <p:cNvPr id="10" name="Picture 6" descr="Image - 69927] | Inception | Leonardo dicaprio, Leonardo dicaprio movies,  Leo dicaprio">
+              <a:extLst>
+                <a:ext uri="{FF2B5EF4-FFF2-40B4-BE49-F238E27FC236}">
+                  <a16:creationId xmlns:a16="http://schemas.microsoft.com/office/drawing/2014/main" id="{D930CC88-0D2E-440D-88CE-7D745EB09114}"/>
+                </a:ext>
+              </a:extLst>
+            </p:cNvPr>
+            <p:cNvPicPr>
+              <a:picLocks noChangeAspect="1" noChangeArrowheads="1"/>
+            </p:cNvPicPr>
+            <p:nvPr/>
+          </p:nvPicPr>
+          <p:blipFill rotWithShape="1">
+            <a:blip r:embed="rId4">
+              <a:extLst>
+                <a:ext uri="{28A0092B-C50C-407E-A947-70E740481C1C}">
+                  <a14:useLocalDpi xmlns:a14="http://schemas.microsoft.com/office/drawing/2010/main" val="0"/>
+                </a:ext>
+              </a:extLst>
+            </a:blip>
+            <a:srcRect b="15705"/>
+            <a:stretch/>
+          </p:blipFill>
+          <p:spPr bwMode="auto">
+            <a:xfrm>
+              <a:off x="7877136" y="2712243"/>
+              <a:ext cx="894201" cy="1059706"/>
+            </a:xfrm>
+            <a:prstGeom prst="rect">
+              <a:avLst/>
+            </a:prstGeom>
+            <a:noFill/>
+            <a:extLst>
+              <a:ext uri="{909E8E84-426E-40DD-AFC4-6F175D3DCCD1}">
+                <a14:hiddenFill xmlns:a14="http://schemas.microsoft.com/office/drawing/2010/main">
+                  <a:solidFill>
+                    <a:srgbClr val="FFFFFF"/>
+                  </a:solidFill>
+                </a14:hiddenFill>
+              </a:ext>
+            </a:extLst>
+          </p:spPr>
+        </p:pic>
+        <p:pic>
+          <p:nvPicPr>
+            <p:cNvPr id="11" name="Picture 2">
+              <a:extLst>
+                <a:ext uri="{FF2B5EF4-FFF2-40B4-BE49-F238E27FC236}">
+                  <a16:creationId xmlns:a16="http://schemas.microsoft.com/office/drawing/2014/main" id="{503075B8-F459-46B4-A678-364C15B02431}"/>
+                </a:ext>
+              </a:extLst>
+            </p:cNvPr>
+            <p:cNvPicPr>
+              <a:picLocks noChangeAspect="1" noChangeArrowheads="1"/>
+            </p:cNvPicPr>
+            <p:nvPr/>
+          </p:nvPicPr>
+          <p:blipFill>
+            <a:blip r:embed="rId6">
+              <a:extLst>
+                <a:ext uri="{28A0092B-C50C-407E-A947-70E740481C1C}">
+                  <a14:useLocalDpi xmlns:a14="http://schemas.microsoft.com/office/drawing/2010/main" val="0"/>
+                </a:ext>
+              </a:extLst>
+            </a:blip>
+            <a:srcRect/>
+            <a:stretch>
+              <a:fillRect/>
+            </a:stretch>
+          </p:blipFill>
+          <p:spPr bwMode="auto">
+            <a:xfrm>
+              <a:off x="3254664" y="2774083"/>
+              <a:ext cx="1060201" cy="1060201"/>
+            </a:xfrm>
+            <a:prstGeom prst="rect">
+              <a:avLst/>
+            </a:prstGeom>
+            <a:noFill/>
+            <a:extLst>
+              <a:ext uri="{909E8E84-426E-40DD-AFC4-6F175D3DCCD1}">
+                <a14:hiddenFill xmlns:a14="http://schemas.microsoft.com/office/drawing/2010/main">
+                  <a:solidFill>
+                    <a:srgbClr val="FFFFFF"/>
+                  </a:solidFill>
+                </a14:hiddenFill>
+              </a:ext>
+            </a:extLst>
+          </p:spPr>
+        </p:pic>
+        <p:cxnSp>
+          <p:nvCxnSpPr>
+            <p:cNvPr id="13" name="Straight Arrow Connector 12">
+              <a:extLst>
+                <a:ext uri="{FF2B5EF4-FFF2-40B4-BE49-F238E27FC236}">
+                  <a16:creationId xmlns:a16="http://schemas.microsoft.com/office/drawing/2014/main" id="{DA910D1A-29AB-4EFF-A5F5-19B713689268}"/>
+                </a:ext>
+              </a:extLst>
+            </p:cNvPr>
+            <p:cNvCxnSpPr/>
+            <p:nvPr/>
+          </p:nvCxnSpPr>
+          <p:spPr>
+            <a:xfrm flipV="1">
+              <a:off x="1939636" y="4343046"/>
+              <a:ext cx="0" cy="434110"/>
+            </a:xfrm>
+            <a:prstGeom prst="straightConnector1">
+              <a:avLst/>
+            </a:prstGeom>
+            <a:ln>
+              <a:tailEnd type="triangle"/>
+            </a:ln>
+          </p:spPr>
+          <p:style>
+            <a:lnRef idx="1">
+              <a:schemeClr val="accent1"/>
+            </a:lnRef>
+            <a:fillRef idx="0">
+              <a:schemeClr val="accent1"/>
+            </a:fillRef>
+            <a:effectRef idx="0">
+              <a:schemeClr val="accent1"/>
+            </a:effectRef>
+            <a:fontRef idx="minor">
+              <a:schemeClr val="tx1"/>
+            </a:fontRef>
+          </p:style>
+        </p:cxnSp>
+        <p:cxnSp>
+          <p:nvCxnSpPr>
+            <p:cNvPr id="14" name="Straight Arrow Connector 13">
+              <a:extLst>
+                <a:ext uri="{FF2B5EF4-FFF2-40B4-BE49-F238E27FC236}">
+                  <a16:creationId xmlns:a16="http://schemas.microsoft.com/office/drawing/2014/main" id="{86707304-C7CF-48FC-A2F3-CD7F4897EC67}"/>
+                </a:ext>
+              </a:extLst>
+            </p:cNvPr>
+            <p:cNvCxnSpPr/>
+            <p:nvPr/>
+          </p:nvCxnSpPr>
+          <p:spPr>
+            <a:xfrm flipV="1">
+              <a:off x="3403600" y="4304145"/>
+              <a:ext cx="0" cy="434110"/>
+            </a:xfrm>
+            <a:prstGeom prst="straightConnector1">
+              <a:avLst/>
+            </a:prstGeom>
+            <a:ln>
+              <a:tailEnd type="triangle"/>
+            </a:ln>
+          </p:spPr>
+          <p:style>
+            <a:lnRef idx="1">
+              <a:schemeClr val="accent1"/>
+            </a:lnRef>
+            <a:fillRef idx="0">
+              <a:schemeClr val="accent1"/>
+            </a:fillRef>
+            <a:effectRef idx="0">
+              <a:schemeClr val="accent1"/>
+            </a:effectRef>
+            <a:fontRef idx="minor">
+              <a:schemeClr val="tx1"/>
+            </a:fontRef>
+          </p:style>
+        </p:cxnSp>
+        <p:cxnSp>
+          <p:nvCxnSpPr>
+            <p:cNvPr id="15" name="Straight Arrow Connector 14">
+              <a:extLst>
+                <a:ext uri="{FF2B5EF4-FFF2-40B4-BE49-F238E27FC236}">
+                  <a16:creationId xmlns:a16="http://schemas.microsoft.com/office/drawing/2014/main" id="{AE14FF3C-7DAB-45AF-B254-E937344554FB}"/>
+                </a:ext>
+              </a:extLst>
+            </p:cNvPr>
+            <p:cNvCxnSpPr/>
+            <p:nvPr/>
+          </p:nvCxnSpPr>
+          <p:spPr>
+            <a:xfrm flipV="1">
+              <a:off x="8395855" y="4304145"/>
+              <a:ext cx="0" cy="434110"/>
+            </a:xfrm>
+            <a:prstGeom prst="straightConnector1">
+              <a:avLst/>
+            </a:prstGeom>
+            <a:ln>
+              <a:tailEnd type="triangle"/>
+            </a:ln>
+          </p:spPr>
+          <p:style>
+            <a:lnRef idx="1">
+              <a:schemeClr val="accent1"/>
+            </a:lnRef>
+            <a:fillRef idx="0">
+              <a:schemeClr val="accent1"/>
+            </a:fillRef>
+            <a:effectRef idx="0">
+              <a:schemeClr val="accent1"/>
+            </a:effectRef>
+            <a:fontRef idx="minor">
+              <a:schemeClr val="tx1"/>
+            </a:fontRef>
+          </p:style>
+        </p:cxnSp>
+        <p:cxnSp>
+          <p:nvCxnSpPr>
+            <p:cNvPr id="16" name="Straight Arrow Connector 15">
+              <a:extLst>
+                <a:ext uri="{FF2B5EF4-FFF2-40B4-BE49-F238E27FC236}">
+                  <a16:creationId xmlns:a16="http://schemas.microsoft.com/office/drawing/2014/main" id="{5B8D17B0-318A-441A-972F-F9B8F7A69AD1}"/>
+                </a:ext>
+              </a:extLst>
+            </p:cNvPr>
+            <p:cNvCxnSpPr/>
+            <p:nvPr/>
+          </p:nvCxnSpPr>
+          <p:spPr>
+            <a:xfrm flipV="1">
+              <a:off x="9781309" y="4343046"/>
+              <a:ext cx="0" cy="434110"/>
+            </a:xfrm>
+            <a:prstGeom prst="straightConnector1">
+              <a:avLst/>
+            </a:prstGeom>
+            <a:ln>
+              <a:tailEnd type="triangle"/>
+            </a:ln>
+          </p:spPr>
+          <p:style>
+            <a:lnRef idx="1">
+              <a:schemeClr val="accent1"/>
+            </a:lnRef>
+            <a:fillRef idx="0">
+              <a:schemeClr val="accent1"/>
+            </a:fillRef>
+            <a:effectRef idx="0">
+              <a:schemeClr val="accent1"/>
+            </a:effectRef>
+            <a:fontRef idx="minor">
+              <a:schemeClr val="tx1"/>
+            </a:fontRef>
+          </p:style>
+        </p:cxnSp>
+      </p:grpSp>
+    </p:spTree>
+    <p:extLst>
+      <p:ext uri="{BB962C8B-B14F-4D97-AF65-F5344CB8AC3E}">
+        <p14:creationId xmlns:p14="http://schemas.microsoft.com/office/powerpoint/2010/main" val="3506744599"/>
+      </p:ext>
+    </p:extLst>
+  </p:cSld>
+  <p:clrMapOvr>
+    <a:masterClrMapping/>
+  </p:clrMapOvr>
+</p:sld>
+</file>
+
+<file path=ppt/slides/slide12.xml><?xml version="1.0" encoding="utf-8"?>
+<p:sld xmlns:a="http://schemas.openxmlformats.org/drawingml/2006/main" xmlns:r="http://schemas.openxmlformats.org/officeDocument/2006/relationships" xmlns:p="http://schemas.openxmlformats.org/presentationml/2006/main">
+  <p:cSld>
+    <p:spTree>
+      <p:nvGrpSpPr>
+        <p:cNvPr id="1" name=""/>
+        <p:cNvGrpSpPr/>
+        <p:nvPr/>
+      </p:nvGrpSpPr>
+      <p:grpSpPr>
+        <a:xfrm>
+          <a:off x="0" y="0"/>
+          <a:ext cx="0" cy="0"/>
+          <a:chOff x="0" y="0"/>
+          <a:chExt cx="0" cy="0"/>
+        </a:xfrm>
+      </p:grpSpPr>
+      <p:sp>
+        <p:nvSpPr>
+          <p:cNvPr id="2" name="Title 1">
+            <a:extLst>
+              <a:ext uri="{FF2B5EF4-FFF2-40B4-BE49-F238E27FC236}">
+                <a16:creationId xmlns:a16="http://schemas.microsoft.com/office/drawing/2014/main" id="{B203C088-8758-461A-9874-D13AD77AC7FA}"/>
+              </a:ext>
+            </a:extLst>
+          </p:cNvPr>
+          <p:cNvSpPr>
+            <a:spLocks noGrp="1"/>
+          </p:cNvSpPr>
+          <p:nvPr>
+            <p:ph type="title"/>
+          </p:nvPr>
+        </p:nvSpPr>
+        <p:spPr>
+          <a:xfrm>
+            <a:off x="949036" y="392835"/>
+            <a:ext cx="10515600" cy="1325563"/>
+          </a:xfrm>
+        </p:spPr>
+        <p:txBody>
+          <a:bodyPr/>
+          <a:lstStyle/>
+          <a:p>
+            <a:r>
+              <a:rPr lang="en-US" b="1" i="0" dirty="0">
+                <a:solidFill>
+                  <a:srgbClr val="292929"/>
+                </a:solidFill>
+                <a:effectLst/>
+                <a:latin typeface="source-serif-pro"/>
+              </a:rPr>
+              <a:t>Siamese Networks</a:t>
+            </a:r>
+            <a:endParaRPr lang="en-US" b="1" dirty="0"/>
+          </a:p>
+        </p:txBody>
+      </p:sp>
+      <p:sp>
+        <p:nvSpPr>
+          <p:cNvPr id="3" name="Content Placeholder 2">
+            <a:extLst>
+              <a:ext uri="{FF2B5EF4-FFF2-40B4-BE49-F238E27FC236}">
+                <a16:creationId xmlns:a16="http://schemas.microsoft.com/office/drawing/2014/main" id="{C0BC8AE3-29BA-4D5C-B3AB-9845DC6CD03F}"/>
+              </a:ext>
+            </a:extLst>
+          </p:cNvPr>
+          <p:cNvSpPr>
+            <a:spLocks noGrp="1"/>
+          </p:cNvSpPr>
+          <p:nvPr>
+            <p:ph idx="1"/>
+          </p:nvPr>
+        </p:nvSpPr>
+        <p:spPr>
+          <a:xfrm>
+            <a:off x="838200" y="1825625"/>
+            <a:ext cx="5257800" cy="2903393"/>
+          </a:xfrm>
+        </p:spPr>
+        <p:txBody>
+          <a:bodyPr/>
+          <a:lstStyle/>
+          <a:p>
+            <a:r>
+              <a:rPr lang="en-US" b="0" i="0" dirty="0">
+                <a:solidFill>
+                  <a:srgbClr val="292929"/>
+                </a:solidFill>
+                <a:effectLst/>
+                <a:latin typeface="source-serif-pro"/>
+              </a:rPr>
+              <a:t>Siamese Networks are a class of neural networks capable of one-shot learning.</a:t>
+            </a:r>
+          </a:p>
+          <a:p>
+            <a:r>
+              <a:rPr lang="en-US" b="0" i="0" dirty="0">
+                <a:solidFill>
+                  <a:srgbClr val="292929"/>
+                </a:solidFill>
+                <a:effectLst/>
+                <a:latin typeface="source-serif-pro"/>
+              </a:rPr>
+              <a:t>we stop with the dense layers</a:t>
+            </a:r>
+          </a:p>
+          <a:p>
+            <a:r>
+              <a:rPr lang="en-US" b="0" i="0" dirty="0">
+                <a:solidFill>
+                  <a:srgbClr val="292929"/>
+                </a:solidFill>
+                <a:effectLst/>
+                <a:latin typeface="source-serif-pro"/>
+              </a:rPr>
+              <a:t>only one network</a:t>
+            </a:r>
+            <a:r>
+              <a:rPr lang="en-US" dirty="0">
+                <a:solidFill>
+                  <a:srgbClr val="292929"/>
+                </a:solidFill>
+                <a:latin typeface="source-serif-pro"/>
+              </a:rPr>
+              <a:t> for all images</a:t>
+            </a:r>
+            <a:endParaRPr lang="en-US" dirty="0"/>
+          </a:p>
+        </p:txBody>
+      </p:sp>
+      <p:pic>
+        <p:nvPicPr>
+          <p:cNvPr id="9222" name="Picture 6">
+            <a:extLst>
+              <a:ext uri="{FF2B5EF4-FFF2-40B4-BE49-F238E27FC236}">
+                <a16:creationId xmlns:a16="http://schemas.microsoft.com/office/drawing/2014/main" id="{EB5C1B92-A883-4486-B90B-2E331AC7093A}"/>
+              </a:ext>
+            </a:extLst>
+          </p:cNvPr>
+          <p:cNvPicPr>
+            <a:picLocks noChangeAspect="1" noChangeArrowheads="1"/>
+          </p:cNvPicPr>
+          <p:nvPr/>
+        </p:nvPicPr>
+        <p:blipFill>
+          <a:blip r:embed="rId2">
+            <a:extLst>
+              <a:ext uri="{28A0092B-C50C-407E-A947-70E740481C1C}">
+                <a14:useLocalDpi xmlns:a14="http://schemas.microsoft.com/office/drawing/2010/main" val="0"/>
+              </a:ext>
+            </a:extLst>
+          </a:blip>
+          <a:srcRect/>
+          <a:stretch>
+            <a:fillRect/>
+          </a:stretch>
+        </p:blipFill>
+        <p:spPr bwMode="auto">
+          <a:xfrm>
+            <a:off x="6489700" y="1736147"/>
+            <a:ext cx="5173510" cy="3082348"/>
+          </a:xfrm>
+          <a:prstGeom prst="rect">
+            <a:avLst/>
+          </a:prstGeom>
+          <a:noFill/>
+          <a:extLst>
+            <a:ext uri="{909E8E84-426E-40DD-AFC4-6F175D3DCCD1}">
+              <a14:hiddenFill xmlns:a14="http://schemas.microsoft.com/office/drawing/2010/main">
+                <a:solidFill>
+                  <a:srgbClr val="FFFFFF"/>
+                </a:solidFill>
+              </a14:hiddenFill>
+            </a:ext>
+          </a:extLst>
+        </p:spPr>
+      </p:pic>
+      <p:pic>
+        <p:nvPicPr>
+          <p:cNvPr id="5" name="Picture 4">
+            <a:extLst>
+              <a:ext uri="{FF2B5EF4-FFF2-40B4-BE49-F238E27FC236}">
+                <a16:creationId xmlns:a16="http://schemas.microsoft.com/office/drawing/2014/main" id="{172066D2-D298-4854-B5C4-C377D2B33455}"/>
+              </a:ext>
+            </a:extLst>
+          </p:cNvPr>
+          <p:cNvPicPr>
+            <a:picLocks noChangeAspect="1"/>
+          </p:cNvPicPr>
+          <p:nvPr/>
+        </p:nvPicPr>
+        <p:blipFill>
+          <a:blip r:embed="rId3"/>
+          <a:stretch>
+            <a:fillRect/>
+          </a:stretch>
+        </p:blipFill>
+        <p:spPr>
+          <a:xfrm>
+            <a:off x="1238848" y="5021841"/>
+            <a:ext cx="9365472" cy="824778"/>
+          </a:xfrm>
+          <a:prstGeom prst="rect">
+            <a:avLst/>
+          </a:prstGeom>
+        </p:spPr>
+      </p:pic>
+    </p:spTree>
+    <p:extLst>
+      <p:ext uri="{BB962C8B-B14F-4D97-AF65-F5344CB8AC3E}">
+        <p14:creationId xmlns:p14="http://schemas.microsoft.com/office/powerpoint/2010/main" val="1126952743"/>
+      </p:ext>
+    </p:extLst>
+  </p:cSld>
+  <p:clrMapOvr>
+    <a:masterClrMapping/>
+  </p:clrMapOvr>
+</p:sld>
+</file>
+
+<file path=ppt/slides/slide13.xml><?xml version="1.0" encoding="utf-8"?>
+<p:sld xmlns:a="http://schemas.openxmlformats.org/drawingml/2006/main" xmlns:r="http://schemas.openxmlformats.org/officeDocument/2006/relationships" xmlns:p="http://schemas.openxmlformats.org/presentationml/2006/main">
+  <p:cSld>
+    <p:spTree>
+      <p:nvGrpSpPr>
+        <p:cNvPr id="1" name=""/>
+        <p:cNvGrpSpPr/>
+        <p:nvPr/>
+      </p:nvGrpSpPr>
+      <p:grpSpPr>
+        <a:xfrm>
+          <a:off x="0" y="0"/>
+          <a:ext cx="0" cy="0"/>
+          <a:chOff x="0" y="0"/>
+          <a:chExt cx="0" cy="0"/>
+        </a:xfrm>
+      </p:grpSpPr>
+      <p:sp>
+        <p:nvSpPr>
+          <p:cNvPr id="2" name="Title 1">
+            <a:extLst>
+              <a:ext uri="{FF2B5EF4-FFF2-40B4-BE49-F238E27FC236}">
+                <a16:creationId xmlns:a16="http://schemas.microsoft.com/office/drawing/2014/main" id="{5EC640BF-FC61-442E-829F-76AD468046C8}"/>
+              </a:ext>
+            </a:extLst>
+          </p:cNvPr>
+          <p:cNvSpPr>
+            <a:spLocks noGrp="1"/>
+          </p:cNvSpPr>
+          <p:nvPr>
+            <p:ph type="title"/>
+          </p:nvPr>
+        </p:nvSpPr>
+        <p:spPr/>
+        <p:txBody>
+          <a:bodyPr/>
+          <a:lstStyle/>
+          <a:p>
+            <a:r>
+              <a:rPr lang="en-US" b="1" dirty="0"/>
+              <a:t>Transfer learning</a:t>
+            </a:r>
+          </a:p>
+        </p:txBody>
+      </p:sp>
+      <p:pic>
+        <p:nvPicPr>
+          <p:cNvPr id="8194" name="Picture 2" descr="Transfer Learning Guide: A Practical Tutorial With Examples for Images and  Text in Keras - neptune.ai">
+            <a:extLst>
+              <a:ext uri="{FF2B5EF4-FFF2-40B4-BE49-F238E27FC236}">
+                <a16:creationId xmlns:a16="http://schemas.microsoft.com/office/drawing/2014/main" id="{2BC000D9-9841-4A26-84E0-FE4533C4E20E}"/>
+              </a:ext>
+            </a:extLst>
+          </p:cNvPr>
+          <p:cNvPicPr>
+            <a:picLocks noGrp="1" noChangeAspect="1" noChangeArrowheads="1"/>
+          </p:cNvPicPr>
+          <p:nvPr>
+            <p:ph idx="1"/>
+          </p:nvPr>
+        </p:nvPicPr>
+        <p:blipFill>
+          <a:blip r:embed="rId2">
+            <a:extLst>
+              <a:ext uri="{28A0092B-C50C-407E-A947-70E740481C1C}">
+                <a14:useLocalDpi xmlns:a14="http://schemas.microsoft.com/office/drawing/2010/main" val="0"/>
+              </a:ext>
+            </a:extLst>
+          </a:blip>
+          <a:srcRect/>
+          <a:stretch>
+            <a:fillRect/>
+          </a:stretch>
+        </p:blipFill>
+        <p:spPr bwMode="auto">
+          <a:xfrm>
+            <a:off x="3868882" y="3207527"/>
+            <a:ext cx="5977081" cy="3285348"/>
+          </a:xfrm>
+          <a:prstGeom prst="rect">
+            <a:avLst/>
+          </a:prstGeom>
+          <a:noFill/>
+          <a:extLst>
+            <a:ext uri="{909E8E84-426E-40DD-AFC4-6F175D3DCCD1}">
+              <a14:hiddenFill xmlns:a14="http://schemas.microsoft.com/office/drawing/2010/main">
+                <a:solidFill>
+                  <a:srgbClr val="FFFFFF"/>
+                </a:solidFill>
+              </a14:hiddenFill>
+            </a:ext>
+          </a:extLst>
+        </p:spPr>
+      </p:pic>
+      <p:sp>
+        <p:nvSpPr>
+          <p:cNvPr id="5" name="Content Placeholder 2">
+            <a:extLst>
+              <a:ext uri="{FF2B5EF4-FFF2-40B4-BE49-F238E27FC236}">
+                <a16:creationId xmlns:a16="http://schemas.microsoft.com/office/drawing/2014/main" id="{DC090883-E1E3-4E71-9181-0BFF83E0FDCC}"/>
+              </a:ext>
+            </a:extLst>
+          </p:cNvPr>
+          <p:cNvSpPr txBox="1">
+            <a:spLocks/>
+          </p:cNvSpPr>
+          <p:nvPr/>
+        </p:nvSpPr>
+        <p:spPr>
+          <a:xfrm>
+            <a:off x="838199" y="1825626"/>
+            <a:ext cx="9737437" cy="1490230"/>
+          </a:xfrm>
+          <a:prstGeom prst="rect">
+            <a:avLst/>
+          </a:prstGeom>
+        </p:spPr>
+        <p:txBody>
+          <a:bodyPr vert="horz" lIns="91440" tIns="45720" rIns="91440" bIns="45720" rtlCol="0">
+            <a:normAutofit fontScale="85000" lnSpcReduction="20000"/>
+          </a:bodyPr>
+          <a:lstStyle>
+            <a:lvl1pPr marL="228600" indent="-228600" algn="l" defTabSz="914400" rtl="0" eaLnBrk="1" latinLnBrk="0" hangingPunct="1">
+              <a:lnSpc>
+                <a:spcPct val="90000"/>
+              </a:lnSpc>
+              <a:spcBef>
+                <a:spcPts val="1000"/>
+              </a:spcBef>
+              <a:buFont typeface="Arial" panose="020B0604020202020204" pitchFamily="34" charset="0"/>
+              <a:buChar char="•"/>
+              <a:defRPr sz="2800" kern="1200">
+                <a:solidFill>
+                  <a:schemeClr val="tx1"/>
+                </a:solidFill>
+                <a:latin typeface="+mn-lt"/>
+                <a:ea typeface="+mn-ea"/>
+                <a:cs typeface="+mn-cs"/>
+              </a:defRPr>
+            </a:lvl1pPr>
+            <a:lvl2pPr marL="685800" indent="-228600" algn="l" defTabSz="914400" rtl="0" eaLnBrk="1" latinLnBrk="0" hangingPunct="1">
+              <a:lnSpc>
+                <a:spcPct val="90000"/>
+              </a:lnSpc>
+              <a:spcBef>
+                <a:spcPts val="500"/>
+              </a:spcBef>
+              <a:buFont typeface="Arial" panose="020B0604020202020204" pitchFamily="34" charset="0"/>
+              <a:buChar char="•"/>
+              <a:defRPr sz="2400" kern="1200">
+                <a:solidFill>
+                  <a:schemeClr val="tx1"/>
+                </a:solidFill>
+                <a:latin typeface="+mn-lt"/>
+                <a:ea typeface="+mn-ea"/>
+                <a:cs typeface="+mn-cs"/>
+              </a:defRPr>
+            </a:lvl2pPr>
+            <a:lvl3pPr marL="1143000" indent="-228600" algn="l" defTabSz="914400" rtl="0" eaLnBrk="1" latinLnBrk="0" hangingPunct="1">
+              <a:lnSpc>
+                <a:spcPct val="90000"/>
+              </a:lnSpc>
+              <a:spcBef>
+                <a:spcPts val="500"/>
+              </a:spcBef>
+              <a:buFont typeface="Arial" panose="020B0604020202020204" pitchFamily="34" charset="0"/>
+              <a:buChar char="•"/>
+              <a:defRPr sz="2000" kern="1200">
+                <a:solidFill>
+                  <a:schemeClr val="tx1"/>
+                </a:solidFill>
+                <a:latin typeface="+mn-lt"/>
+                <a:ea typeface="+mn-ea"/>
+                <a:cs typeface="+mn-cs"/>
+              </a:defRPr>
+            </a:lvl3pPr>
+            <a:lvl4pPr marL="1600200" indent="-228600" algn="l" defTabSz="914400" rtl="0" eaLnBrk="1" latinLnBrk="0" hangingPunct="1">
+              <a:lnSpc>
+                <a:spcPct val="90000"/>
+              </a:lnSpc>
+              <a:spcBef>
+                <a:spcPts val="500"/>
+              </a:spcBef>
+              <a:buFont typeface="Arial" panose="020B0604020202020204" pitchFamily="34" charset="0"/>
+              <a:buChar char="•"/>
+              <a:defRPr sz="1800" kern="1200">
+                <a:solidFill>
+                  <a:schemeClr val="tx1"/>
+                </a:solidFill>
+                <a:latin typeface="+mn-lt"/>
+                <a:ea typeface="+mn-ea"/>
+                <a:cs typeface="+mn-cs"/>
+              </a:defRPr>
+            </a:lvl4pPr>
+            <a:lvl5pPr marL="2057400" indent="-228600" algn="l" defTabSz="914400" rtl="0" eaLnBrk="1" latinLnBrk="0" hangingPunct="1">
+              <a:lnSpc>
+                <a:spcPct val="90000"/>
+              </a:lnSpc>
+              <a:spcBef>
+                <a:spcPts val="500"/>
+              </a:spcBef>
+              <a:buFont typeface="Arial" panose="020B0604020202020204" pitchFamily="34" charset="0"/>
+              <a:buChar char="•"/>
+              <a:defRPr sz="1800" kern="1200">
+                <a:solidFill>
+                  <a:schemeClr val="tx1"/>
+                </a:solidFill>
+                <a:latin typeface="+mn-lt"/>
+                <a:ea typeface="+mn-ea"/>
+                <a:cs typeface="+mn-cs"/>
+              </a:defRPr>
+            </a:lvl5pPr>
+            <a:lvl6pPr marL="2514600" indent="-228600" algn="l" defTabSz="914400" rtl="0" eaLnBrk="1" latinLnBrk="0" hangingPunct="1">
+              <a:lnSpc>
+                <a:spcPct val="90000"/>
+              </a:lnSpc>
+              <a:spcBef>
+                <a:spcPts val="500"/>
+              </a:spcBef>
+              <a:buFont typeface="Arial" panose="020B0604020202020204" pitchFamily="34" charset="0"/>
+              <a:buChar char="•"/>
+              <a:defRPr sz="1800" kern="1200">
+                <a:solidFill>
+                  <a:schemeClr val="tx1"/>
+                </a:solidFill>
+                <a:latin typeface="+mn-lt"/>
+                <a:ea typeface="+mn-ea"/>
+                <a:cs typeface="+mn-cs"/>
+              </a:defRPr>
+            </a:lvl6pPr>
+            <a:lvl7pPr marL="2971800" indent="-228600" algn="l" defTabSz="914400" rtl="0" eaLnBrk="1" latinLnBrk="0" hangingPunct="1">
+              <a:lnSpc>
+                <a:spcPct val="90000"/>
+              </a:lnSpc>
+              <a:spcBef>
+                <a:spcPts val="500"/>
+              </a:spcBef>
+              <a:buFont typeface="Arial" panose="020B0604020202020204" pitchFamily="34" charset="0"/>
+              <a:buChar char="•"/>
+              <a:defRPr sz="1800" kern="1200">
+                <a:solidFill>
+                  <a:schemeClr val="tx1"/>
+                </a:solidFill>
+                <a:latin typeface="+mn-lt"/>
+                <a:ea typeface="+mn-ea"/>
+                <a:cs typeface="+mn-cs"/>
+              </a:defRPr>
+            </a:lvl7pPr>
+            <a:lvl8pPr marL="3429000" indent="-228600" algn="l" defTabSz="914400" rtl="0" eaLnBrk="1" latinLnBrk="0" hangingPunct="1">
+              <a:lnSpc>
+                <a:spcPct val="90000"/>
+              </a:lnSpc>
+              <a:spcBef>
+                <a:spcPts val="500"/>
+              </a:spcBef>
+              <a:buFont typeface="Arial" panose="020B0604020202020204" pitchFamily="34" charset="0"/>
+              <a:buChar char="•"/>
+              <a:defRPr sz="1800" kern="1200">
+                <a:solidFill>
+                  <a:schemeClr val="tx1"/>
+                </a:solidFill>
+                <a:latin typeface="+mn-lt"/>
+                <a:ea typeface="+mn-ea"/>
+                <a:cs typeface="+mn-cs"/>
+              </a:defRPr>
+            </a:lvl8pPr>
+            <a:lvl9pPr marL="3886200" indent="-228600" algn="l" defTabSz="914400" rtl="0" eaLnBrk="1" latinLnBrk="0" hangingPunct="1">
+              <a:lnSpc>
+                <a:spcPct val="90000"/>
+              </a:lnSpc>
+              <a:spcBef>
+                <a:spcPts val="500"/>
+              </a:spcBef>
+              <a:buFont typeface="Arial" panose="020B0604020202020204" pitchFamily="34" charset="0"/>
+              <a:buChar char="•"/>
+              <a:defRPr sz="1800" kern="1200">
+                <a:solidFill>
+                  <a:schemeClr val="tx1"/>
+                </a:solidFill>
+                <a:latin typeface="+mn-lt"/>
+                <a:ea typeface="+mn-ea"/>
+                <a:cs typeface="+mn-cs"/>
+              </a:defRPr>
+            </a:lvl9pPr>
+          </a:lstStyle>
+          <a:p>
+            <a:pPr marL="0" indent="0" algn="l">
+              <a:buNone/>
+            </a:pPr>
+            <a:r>
+              <a:rPr lang="en-US" b="0" i="0" dirty="0">
+                <a:solidFill>
+                  <a:srgbClr val="222222"/>
+                </a:solidFill>
+                <a:effectLst/>
+                <a:latin typeface="Lato" panose="020F0502020204030203" pitchFamily="34" charset="0"/>
+              </a:rPr>
+              <a:t>Pre-Trained Models for Image Classification</a:t>
+            </a:r>
+          </a:p>
+          <a:p>
+            <a:pPr marL="742950" lvl="1" indent="-285750" algn="l">
+              <a:buFont typeface="Arial" panose="020B0604020202020204" pitchFamily="34" charset="0"/>
+              <a:buChar char="•"/>
+            </a:pPr>
+            <a:r>
+              <a:rPr lang="en-US" b="0" i="0" dirty="0">
+                <a:solidFill>
+                  <a:srgbClr val="222222"/>
+                </a:solidFill>
+                <a:effectLst/>
+                <a:latin typeface="Lato" panose="020F0502020204030203" pitchFamily="34" charset="0"/>
+              </a:rPr>
+              <a:t>VGG-16</a:t>
+            </a:r>
+          </a:p>
+          <a:p>
+            <a:pPr marL="742950" lvl="1" indent="-285750" algn="l">
+              <a:buFont typeface="Arial" panose="020B0604020202020204" pitchFamily="34" charset="0"/>
+              <a:buChar char="•"/>
+            </a:pPr>
+            <a:r>
+              <a:rPr lang="en-US" b="0" i="0" dirty="0">
+                <a:solidFill>
+                  <a:srgbClr val="222222"/>
+                </a:solidFill>
+                <a:effectLst/>
+                <a:latin typeface="Lato" panose="020F0502020204030203" pitchFamily="34" charset="0"/>
+              </a:rPr>
+              <a:t>ResNet50</a:t>
+            </a:r>
+          </a:p>
+          <a:p>
+            <a:pPr marL="742950" lvl="1" indent="-285750" algn="l">
+              <a:buFont typeface="Arial" panose="020B0604020202020204" pitchFamily="34" charset="0"/>
+              <a:buChar char="•"/>
+            </a:pPr>
+            <a:r>
+              <a:rPr lang="en-US" b="0" i="0" dirty="0">
+                <a:solidFill>
+                  <a:srgbClr val="222222"/>
+                </a:solidFill>
+                <a:effectLst/>
+                <a:latin typeface="Lato" panose="020F0502020204030203" pitchFamily="34" charset="0"/>
+              </a:rPr>
+              <a:t>Inceptionv3</a:t>
+            </a:r>
+          </a:p>
+          <a:p>
+            <a:pPr marL="742950" lvl="1" indent="-285750" algn="l">
+              <a:buFont typeface="Arial" panose="020B0604020202020204" pitchFamily="34" charset="0"/>
+              <a:buChar char="•"/>
+            </a:pPr>
+            <a:r>
+              <a:rPr lang="en-US" b="0" i="0" dirty="0" err="1">
+                <a:solidFill>
+                  <a:srgbClr val="222222"/>
+                </a:solidFill>
+                <a:effectLst/>
+                <a:latin typeface="Lato" panose="020F0502020204030203" pitchFamily="34" charset="0"/>
+              </a:rPr>
+              <a:t>EfficientNet</a:t>
+            </a:r>
+            <a:endParaRPr lang="en-US" b="0" i="0" dirty="0">
+              <a:solidFill>
+                <a:srgbClr val="222222"/>
+              </a:solidFill>
+              <a:effectLst/>
+              <a:latin typeface="Lato" panose="020F0502020204030203" pitchFamily="34" charset="0"/>
+            </a:endParaRPr>
+          </a:p>
+        </p:txBody>
+      </p:sp>
+    </p:spTree>
+    <p:extLst>
+      <p:ext uri="{BB962C8B-B14F-4D97-AF65-F5344CB8AC3E}">
+        <p14:creationId xmlns:p14="http://schemas.microsoft.com/office/powerpoint/2010/main" val="1441384509"/>
+      </p:ext>
+    </p:extLst>
+  </p:cSld>
+  <p:clrMapOvr>
+    <a:masterClrMapping/>
+  </p:clrMapOvr>
+</p:sld>
+</file>
+
+<file path=ppt/slides/slide14.xml><?xml version="1.0" encoding="utf-8"?>
+<p:sld xmlns:a="http://schemas.openxmlformats.org/drawingml/2006/main" xmlns:r="http://schemas.openxmlformats.org/officeDocument/2006/relationships" xmlns:p="http://schemas.openxmlformats.org/presentationml/2006/main">
+  <p:cSld>
+    <p:spTree>
+      <p:nvGrpSpPr>
+        <p:cNvPr id="1" name=""/>
+        <p:cNvGrpSpPr/>
+        <p:nvPr/>
+      </p:nvGrpSpPr>
+      <p:grpSpPr>
+        <a:xfrm>
+          <a:off x="0" y="0"/>
+          <a:ext cx="0" cy="0"/>
+          <a:chOff x="0" y="0"/>
+          <a:chExt cx="0" cy="0"/>
+        </a:xfrm>
+      </p:grpSpPr>
+      <p:sp>
+        <p:nvSpPr>
+          <p:cNvPr id="2" name="Title 1">
+            <a:extLst>
+              <a:ext uri="{FF2B5EF4-FFF2-40B4-BE49-F238E27FC236}">
+                <a16:creationId xmlns:a16="http://schemas.microsoft.com/office/drawing/2014/main" id="{602C06FE-ECF5-44D0-8FE4-B603DA8DC012}"/>
+              </a:ext>
+            </a:extLst>
+          </p:cNvPr>
+          <p:cNvSpPr>
+            <a:spLocks noGrp="1"/>
+          </p:cNvSpPr>
+          <p:nvPr>
+            <p:ph type="title"/>
+          </p:nvPr>
+        </p:nvSpPr>
+        <p:spPr/>
+        <p:txBody>
+          <a:bodyPr/>
+          <a:lstStyle/>
+          <a:p>
+            <a:r>
+              <a:rPr lang="en-US" b="1" dirty="0"/>
+              <a:t>Implementation </a:t>
+            </a:r>
+          </a:p>
+        </p:txBody>
+      </p:sp>
+      <p:sp>
+        <p:nvSpPr>
+          <p:cNvPr id="3" name="Content Placeholder 2">
+            <a:extLst>
+              <a:ext uri="{FF2B5EF4-FFF2-40B4-BE49-F238E27FC236}">
+                <a16:creationId xmlns:a16="http://schemas.microsoft.com/office/drawing/2014/main" id="{30B92FEC-30FE-4A5B-BB5E-921FBC04E6FA}"/>
+              </a:ext>
+            </a:extLst>
+          </p:cNvPr>
+          <p:cNvSpPr>
+            <a:spLocks noGrp="1"/>
+          </p:cNvSpPr>
+          <p:nvPr>
+            <p:ph idx="1"/>
+          </p:nvPr>
+        </p:nvSpPr>
+        <p:spPr>
+          <a:xfrm>
+            <a:off x="838200" y="1825625"/>
+            <a:ext cx="10515600" cy="2432339"/>
+          </a:xfrm>
+        </p:spPr>
+        <p:txBody>
+          <a:bodyPr/>
+          <a:lstStyle/>
+          <a:p>
+            <a:r>
+              <a:rPr lang="en-US" b="0" i="0" dirty="0">
+                <a:effectLst/>
+                <a:latin typeface="Inter"/>
+              </a:rPr>
+              <a:t>Database of faces </a:t>
+            </a:r>
+            <a:r>
+              <a:rPr lang="en-US" dirty="0">
+                <a:latin typeface="Inter"/>
+              </a:rPr>
+              <a:t>Provide by </a:t>
+            </a:r>
+            <a:r>
+              <a:rPr lang="en-US" b="0" i="0" dirty="0">
+                <a:effectLst/>
+                <a:latin typeface="Inter"/>
+              </a:rPr>
+              <a:t>AT&amp;T Laboratories Cambridge </a:t>
+            </a:r>
+            <a:r>
+              <a:rPr lang="en-US" dirty="0">
+                <a:latin typeface="Inter"/>
+              </a:rPr>
+              <a:t>on Kaggle</a:t>
+            </a:r>
+          </a:p>
+          <a:p>
+            <a:r>
+              <a:rPr lang="en-US" b="0" i="0" dirty="0">
+                <a:effectLst/>
+                <a:latin typeface="Inter"/>
+              </a:rPr>
+              <a:t>There are 400 different images of 40 distinct subjects.</a:t>
+            </a:r>
+          </a:p>
+          <a:p>
+            <a:r>
+              <a:rPr lang="en-US" b="0" i="0" dirty="0">
+                <a:effectLst/>
+                <a:latin typeface="Inter"/>
+              </a:rPr>
+              <a:t>For some subjects, the images were taken at different times, varying the lighting, facial expressions</a:t>
+            </a:r>
+            <a:endParaRPr lang="en-US" dirty="0"/>
+          </a:p>
+        </p:txBody>
+      </p:sp>
+    </p:spTree>
+    <p:extLst>
+      <p:ext uri="{BB962C8B-B14F-4D97-AF65-F5344CB8AC3E}">
+        <p14:creationId xmlns:p14="http://schemas.microsoft.com/office/powerpoint/2010/main" val="941844083"/>
+      </p:ext>
+    </p:extLst>
+  </p:cSld>
+  <p:clrMapOvr>
+    <a:masterClrMapping/>
+  </p:clrMapOvr>
+</p:sld>
+</file>
+
+<file path=ppt/slides/slide2.xml><?xml version="1.0" encoding="utf-8"?>
+<p:sld xmlns:a="http://schemas.openxmlformats.org/drawingml/2006/main" xmlns:r="http://schemas.openxmlformats.org/officeDocument/2006/relationships" xmlns:p="http://schemas.openxmlformats.org/presentationml/2006/main">
+  <p:cSld>
+    <p:spTree>
+      <p:nvGrpSpPr>
+        <p:cNvPr id="1" name=""/>
+        <p:cNvGrpSpPr/>
+        <p:nvPr/>
+      </p:nvGrpSpPr>
+      <p:grpSpPr>
+        <a:xfrm>
+          <a:off x="0" y="0"/>
+          <a:ext cx="0" cy="0"/>
+          <a:chOff x="0" y="0"/>
+          <a:chExt cx="0" cy="0"/>
+        </a:xfrm>
+      </p:grpSpPr>
+      <p:sp>
+        <p:nvSpPr>
+          <p:cNvPr id="2" name="Title 1">
+            <a:extLst>
+              <a:ext uri="{FF2B5EF4-FFF2-40B4-BE49-F238E27FC236}">
+                <a16:creationId xmlns:a16="http://schemas.microsoft.com/office/drawing/2014/main" id="{78EE249D-A658-41A5-AEE0-A57CA9309594}"/>
+              </a:ext>
+            </a:extLst>
+          </p:cNvPr>
+          <p:cNvSpPr>
+            <a:spLocks noGrp="1"/>
+          </p:cNvSpPr>
+          <p:nvPr>
+            <p:ph type="title"/>
+          </p:nvPr>
+        </p:nvSpPr>
+        <p:spPr/>
+        <p:txBody>
+          <a:bodyPr/>
+          <a:lstStyle/>
+          <a:p>
+            <a:r>
+              <a:rPr lang="en-US" dirty="0"/>
+              <a:t>Image Classification</a:t>
+            </a:r>
+          </a:p>
+        </p:txBody>
+      </p:sp>
+      <p:sp>
+        <p:nvSpPr>
+          <p:cNvPr id="4" name="Content Placeholder 3">
+            <a:extLst>
+              <a:ext uri="{FF2B5EF4-FFF2-40B4-BE49-F238E27FC236}">
+                <a16:creationId xmlns:a16="http://schemas.microsoft.com/office/drawing/2014/main" id="{4B5CF8CA-EEEF-40FF-ADBE-472FE0086594}"/>
+              </a:ext>
+            </a:extLst>
+          </p:cNvPr>
+          <p:cNvSpPr>
+            <a:spLocks noGrp="1"/>
+          </p:cNvSpPr>
+          <p:nvPr>
+            <p:ph idx="1"/>
+          </p:nvPr>
+        </p:nvSpPr>
+        <p:spPr/>
+        <p:txBody>
+          <a:bodyPr/>
+          <a:lstStyle/>
+          <a:p>
+            <a:pPr marL="0" indent="0">
+              <a:buNone/>
+            </a:pPr>
+            <a:endParaRPr lang="en-US" dirty="0"/>
+          </a:p>
+          <a:p>
+            <a:r>
+              <a:rPr lang="en-US" dirty="0"/>
+              <a:t>Car                            ….</a:t>
+            </a:r>
+          </a:p>
+          <a:p>
+            <a:pPr marL="0" indent="0">
+              <a:buNone/>
+            </a:pPr>
+            <a:endParaRPr lang="en-US" dirty="0"/>
+          </a:p>
+          <a:p>
+            <a:r>
+              <a:rPr lang="en-US" dirty="0"/>
+              <a:t>Dog                           ….</a:t>
+            </a:r>
+          </a:p>
+          <a:p>
+            <a:endParaRPr lang="en-US" dirty="0"/>
+          </a:p>
+          <a:p>
+            <a:r>
+              <a:rPr lang="en-US" dirty="0"/>
+              <a:t>Cat                            ….</a:t>
+            </a:r>
+          </a:p>
+        </p:txBody>
+      </p:sp>
+      <p:pic>
+        <p:nvPicPr>
+          <p:cNvPr id="2052" name="Picture 4" descr="Stages of a Cat's Life – Primal Pet Foods">
+            <a:extLst>
+              <a:ext uri="{FF2B5EF4-FFF2-40B4-BE49-F238E27FC236}">
+                <a16:creationId xmlns:a16="http://schemas.microsoft.com/office/drawing/2014/main" id="{0C34079E-06EB-42D8-9239-DDD515C1B517}"/>
+              </a:ext>
+            </a:extLst>
+          </p:cNvPr>
+          <p:cNvPicPr>
+            <a:picLocks noChangeAspect="1" noChangeArrowheads="1"/>
+          </p:cNvPicPr>
+          <p:nvPr/>
+        </p:nvPicPr>
+        <p:blipFill rotWithShape="1">
+          <a:blip r:embed="rId2">
+            <a:extLst>
+              <a:ext uri="{28A0092B-C50C-407E-A947-70E740481C1C}">
+                <a14:useLocalDpi xmlns:a14="http://schemas.microsoft.com/office/drawing/2010/main" val="0"/>
+              </a:ext>
+            </a:extLst>
+          </a:blip>
+          <a:srcRect l="26921" t="88"/>
+          <a:stretch/>
+        </p:blipFill>
+        <p:spPr bwMode="auto">
+          <a:xfrm>
+            <a:off x="2805877" y="4243627"/>
+            <a:ext cx="1020237" cy="987557"/>
+          </a:xfrm>
+          <a:prstGeom prst="rect">
+            <a:avLst/>
+          </a:prstGeom>
+          <a:noFill/>
+          <a:extLst>
+            <a:ext uri="{909E8E84-426E-40DD-AFC4-6F175D3DCCD1}">
+              <a14:hiddenFill xmlns:a14="http://schemas.microsoft.com/office/drawing/2010/main">
+                <a:solidFill>
+                  <a:srgbClr val="FFFFFF"/>
+                </a:solidFill>
+              </a14:hiddenFill>
+            </a:ext>
+          </a:extLst>
+        </p:spPr>
+      </p:pic>
+      <p:pic>
+        <p:nvPicPr>
+          <p:cNvPr id="1026" name="Picture 2" descr="Change Folder Picture in Windows 10">
+            <a:extLst>
+              <a:ext uri="{FF2B5EF4-FFF2-40B4-BE49-F238E27FC236}">
+                <a16:creationId xmlns:a16="http://schemas.microsoft.com/office/drawing/2014/main" id="{058E0089-873C-4029-99EC-2CA9C767FFC8}"/>
+              </a:ext>
+            </a:extLst>
+          </p:cNvPr>
+          <p:cNvPicPr>
+            <a:picLocks noChangeAspect="1" noChangeArrowheads="1"/>
+          </p:cNvPicPr>
+          <p:nvPr/>
+        </p:nvPicPr>
+        <p:blipFill>
+          <a:blip r:embed="rId3">
+            <a:extLst>
+              <a:ext uri="{28A0092B-C50C-407E-A947-70E740481C1C}">
+                <a14:useLocalDpi xmlns:a14="http://schemas.microsoft.com/office/drawing/2010/main" val="0"/>
+              </a:ext>
+            </a:extLst>
+          </a:blip>
+          <a:srcRect/>
+          <a:stretch>
+            <a:fillRect/>
+          </a:stretch>
+        </p:blipFill>
+        <p:spPr bwMode="auto">
+          <a:xfrm>
+            <a:off x="2104026" y="1865122"/>
+            <a:ext cx="1135962" cy="1135962"/>
+          </a:xfrm>
+          <a:prstGeom prst="rect">
+            <a:avLst/>
+          </a:prstGeom>
+          <a:noFill/>
+          <a:extLst>
+            <a:ext uri="{909E8E84-426E-40DD-AFC4-6F175D3DCCD1}">
+              <a14:hiddenFill xmlns:a14="http://schemas.microsoft.com/office/drawing/2010/main">
+                <a:solidFill>
+                  <a:srgbClr val="FFFFFF"/>
+                </a:solidFill>
+              </a14:hiddenFill>
+            </a:ext>
+          </a:extLst>
+        </p:spPr>
+      </p:pic>
+      <p:pic>
+        <p:nvPicPr>
+          <p:cNvPr id="1028" name="Picture 4" descr="Change Folder Picture in Windows 10">
+            <a:extLst>
+              <a:ext uri="{FF2B5EF4-FFF2-40B4-BE49-F238E27FC236}">
+                <a16:creationId xmlns:a16="http://schemas.microsoft.com/office/drawing/2014/main" id="{05D29FDE-96D5-4B51-B46A-7F3B3A4AB313}"/>
+              </a:ext>
+            </a:extLst>
+          </p:cNvPr>
+          <p:cNvPicPr>
+            <a:picLocks noChangeAspect="1" noChangeArrowheads="1"/>
+          </p:cNvPicPr>
+          <p:nvPr/>
+        </p:nvPicPr>
+        <p:blipFill>
+          <a:blip r:embed="rId3">
+            <a:extLst>
+              <a:ext uri="{28A0092B-C50C-407E-A947-70E740481C1C}">
+                <a14:useLocalDpi xmlns:a14="http://schemas.microsoft.com/office/drawing/2010/main" val="0"/>
+              </a:ext>
+            </a:extLst>
+          </a:blip>
+          <a:srcRect/>
+          <a:stretch>
+            <a:fillRect/>
+          </a:stretch>
+        </p:blipFill>
+        <p:spPr bwMode="auto">
+          <a:xfrm>
+            <a:off x="2104026" y="2976878"/>
+            <a:ext cx="1135962" cy="1135962"/>
+          </a:xfrm>
+          <a:prstGeom prst="rect">
+            <a:avLst/>
+          </a:prstGeom>
+          <a:noFill/>
+          <a:extLst>
+            <a:ext uri="{909E8E84-426E-40DD-AFC4-6F175D3DCCD1}">
+              <a14:hiddenFill xmlns:a14="http://schemas.microsoft.com/office/drawing/2010/main">
+                <a:solidFill>
+                  <a:srgbClr val="FFFFFF"/>
+                </a:solidFill>
+              </a14:hiddenFill>
+            </a:ext>
+          </a:extLst>
+        </p:spPr>
+      </p:pic>
+      <p:pic>
+        <p:nvPicPr>
+          <p:cNvPr id="9" name="Picture 4" descr="Change Folder Picture in Windows 10">
+            <a:extLst>
+              <a:ext uri="{FF2B5EF4-FFF2-40B4-BE49-F238E27FC236}">
+                <a16:creationId xmlns:a16="http://schemas.microsoft.com/office/drawing/2014/main" id="{4E729356-0FD9-449B-840E-10832EAEB122}"/>
+              </a:ext>
+            </a:extLst>
+          </p:cNvPr>
+          <p:cNvPicPr>
+            <a:picLocks noChangeAspect="1" noChangeArrowheads="1"/>
+          </p:cNvPicPr>
+          <p:nvPr/>
+        </p:nvPicPr>
+        <p:blipFill>
+          <a:blip r:embed="rId3">
+            <a:extLst>
+              <a:ext uri="{28A0092B-C50C-407E-A947-70E740481C1C}">
+                <a14:useLocalDpi xmlns:a14="http://schemas.microsoft.com/office/drawing/2010/main" val="0"/>
+              </a:ext>
+            </a:extLst>
+          </a:blip>
+          <a:srcRect/>
+          <a:stretch>
+            <a:fillRect/>
+          </a:stretch>
+        </p:blipFill>
+        <p:spPr bwMode="auto">
+          <a:xfrm>
+            <a:off x="2104025" y="4075472"/>
+            <a:ext cx="1135961" cy="1135961"/>
+          </a:xfrm>
+          <a:prstGeom prst="rect">
+            <a:avLst/>
+          </a:prstGeom>
+          <a:noFill/>
+          <a:extLst>
+            <a:ext uri="{909E8E84-426E-40DD-AFC4-6F175D3DCCD1}">
+              <a14:hiddenFill xmlns:a14="http://schemas.microsoft.com/office/drawing/2010/main">
+                <a:solidFill>
+                  <a:srgbClr val="FFFFFF"/>
+                </a:solidFill>
+              </a14:hiddenFill>
+            </a:ext>
+          </a:extLst>
+        </p:spPr>
+      </p:pic>
+      <p:pic>
+        <p:nvPicPr>
+          <p:cNvPr id="1034" name="Picture 10" descr="Now, Your Dog Can Feel Less Stressed and Anxious – Calming Pets Australia">
+            <a:extLst>
+              <a:ext uri="{FF2B5EF4-FFF2-40B4-BE49-F238E27FC236}">
+                <a16:creationId xmlns:a16="http://schemas.microsoft.com/office/drawing/2014/main" id="{0777FE37-6797-43AF-A76B-2BA3E340971D}"/>
+              </a:ext>
+            </a:extLst>
+          </p:cNvPr>
+          <p:cNvPicPr>
+            <a:picLocks noChangeAspect="1" noChangeArrowheads="1"/>
+          </p:cNvPicPr>
+          <p:nvPr/>
+        </p:nvPicPr>
+        <p:blipFill>
+          <a:blip r:embed="rId4">
+            <a:extLst>
+              <a:ext uri="{28A0092B-C50C-407E-A947-70E740481C1C}">
+                <a14:useLocalDpi xmlns:a14="http://schemas.microsoft.com/office/drawing/2010/main" val="0"/>
+              </a:ext>
+            </a:extLst>
+          </a:blip>
+          <a:srcRect/>
+          <a:stretch>
+            <a:fillRect/>
+          </a:stretch>
+        </p:blipFill>
+        <p:spPr bwMode="auto">
+          <a:xfrm>
+            <a:off x="2826327" y="3130998"/>
+            <a:ext cx="1001592" cy="1001592"/>
+          </a:xfrm>
+          <a:prstGeom prst="rect">
+            <a:avLst/>
+          </a:prstGeom>
+          <a:noFill/>
+          <a:extLst>
+            <a:ext uri="{909E8E84-426E-40DD-AFC4-6F175D3DCCD1}">
+              <a14:hiddenFill xmlns:a14="http://schemas.microsoft.com/office/drawing/2010/main">
+                <a:solidFill>
+                  <a:srgbClr val="FFFFFF"/>
+                </a:solidFill>
+              </a14:hiddenFill>
+            </a:ext>
+          </a:extLst>
+        </p:spPr>
+      </p:pic>
+      <p:pic>
+        <p:nvPicPr>
+          <p:cNvPr id="1036" name="Picture 12" descr="The greatest car that no one bought">
+            <a:extLst>
+              <a:ext uri="{FF2B5EF4-FFF2-40B4-BE49-F238E27FC236}">
+                <a16:creationId xmlns:a16="http://schemas.microsoft.com/office/drawing/2014/main" id="{F5A21D6C-80EA-40A7-95E9-481DDE0DDF05}"/>
+              </a:ext>
+            </a:extLst>
+          </p:cNvPr>
+          <p:cNvPicPr>
+            <a:picLocks noChangeAspect="1" noChangeArrowheads="1"/>
+          </p:cNvPicPr>
+          <p:nvPr/>
+        </p:nvPicPr>
+        <p:blipFill>
+          <a:blip r:embed="rId5">
+            <a:extLst>
+              <a:ext uri="{28A0092B-C50C-407E-A947-70E740481C1C}">
+                <a14:useLocalDpi xmlns:a14="http://schemas.microsoft.com/office/drawing/2010/main" val="0"/>
+              </a:ext>
+            </a:extLst>
+          </a:blip>
+          <a:srcRect/>
+          <a:stretch>
+            <a:fillRect/>
+          </a:stretch>
+        </p:blipFill>
+        <p:spPr bwMode="auto">
+          <a:xfrm>
+            <a:off x="2826327" y="2031099"/>
+            <a:ext cx="1001592" cy="1001592"/>
+          </a:xfrm>
+          <a:prstGeom prst="rect">
+            <a:avLst/>
+          </a:prstGeom>
+          <a:noFill/>
+          <a:extLst>
+            <a:ext uri="{909E8E84-426E-40DD-AFC4-6F175D3DCCD1}">
+              <a14:hiddenFill xmlns:a14="http://schemas.microsoft.com/office/drawing/2010/main">
+                <a:solidFill>
+                  <a:srgbClr val="FFFFFF"/>
+                </a:solidFill>
+              </a14:hiddenFill>
+            </a:ext>
+          </a:extLst>
+        </p:spPr>
+      </p:pic>
+    </p:spTree>
+    <p:extLst>
+      <p:ext uri="{BB962C8B-B14F-4D97-AF65-F5344CB8AC3E}">
+        <p14:creationId xmlns:p14="http://schemas.microsoft.com/office/powerpoint/2010/main" val="3000319749"/>
+      </p:ext>
+    </p:extLst>
+  </p:cSld>
+  <p:clrMapOvr>
+    <a:masterClrMapping/>
+  </p:clrMapOvr>
+</p:sld>
+</file>
+
+<file path=ppt/slides/slide3.xml><?xml version="1.0" encoding="utf-8"?>
+<p:sld xmlns:a="http://schemas.openxmlformats.org/drawingml/2006/main" xmlns:r="http://schemas.openxmlformats.org/officeDocument/2006/relationships" xmlns:p="http://schemas.openxmlformats.org/presentationml/2006/main">
+  <p:cSld>
+    <p:spTree>
+      <p:nvGrpSpPr>
+        <p:cNvPr id="1" name=""/>
+        <p:cNvGrpSpPr/>
+        <p:nvPr/>
+      </p:nvGrpSpPr>
+      <p:grpSpPr>
+        <a:xfrm>
+          <a:off x="0" y="0"/>
+          <a:ext cx="0" cy="0"/>
+          <a:chOff x="0" y="0"/>
+          <a:chExt cx="0" cy="0"/>
+        </a:xfrm>
+      </p:grpSpPr>
+      <p:sp>
+        <p:nvSpPr>
+          <p:cNvPr id="2" name="Title 1">
+            <a:extLst>
+              <a:ext uri="{FF2B5EF4-FFF2-40B4-BE49-F238E27FC236}">
+                <a16:creationId xmlns:a16="http://schemas.microsoft.com/office/drawing/2014/main" id="{8A0159E0-E608-4995-9C75-3C29D9206FA9}"/>
+              </a:ext>
+            </a:extLst>
+          </p:cNvPr>
+          <p:cNvSpPr>
+            <a:spLocks noGrp="1"/>
+          </p:cNvSpPr>
+          <p:nvPr>
+            <p:ph type="title"/>
+          </p:nvPr>
+        </p:nvSpPr>
+        <p:spPr>
+          <a:xfrm>
+            <a:off x="839788" y="457201"/>
+            <a:ext cx="9560357" cy="617538"/>
+          </a:xfrm>
+        </p:spPr>
+        <p:txBody>
+          <a:bodyPr/>
+          <a:lstStyle/>
+          <a:p>
+            <a:r>
+              <a:rPr lang="en-US" b="1" dirty="0"/>
+              <a:t>Image Classification with simple Neural Network</a:t>
+            </a:r>
+          </a:p>
+        </p:txBody>
+      </p:sp>
+      <p:pic>
+        <p:nvPicPr>
+          <p:cNvPr id="4098" name="Picture 2" descr="Student Notes: Neural Networks and Deep Learning – Belajar Pembelajaran  Mesin Indonesia">
+            <a:extLst>
+              <a:ext uri="{FF2B5EF4-FFF2-40B4-BE49-F238E27FC236}">
+                <a16:creationId xmlns:a16="http://schemas.microsoft.com/office/drawing/2014/main" id="{9302F273-7696-410D-8559-4781BE0B6E4E}"/>
+              </a:ext>
+            </a:extLst>
+          </p:cNvPr>
+          <p:cNvPicPr>
+            <a:picLocks noGrp="1" noChangeAspect="1" noChangeArrowheads="1"/>
+          </p:cNvPicPr>
+          <p:nvPr>
+            <p:ph idx="1"/>
+          </p:nvPr>
+        </p:nvPicPr>
+        <p:blipFill>
+          <a:blip r:embed="rId2">
+            <a:extLst>
+              <a:ext uri="{28A0092B-C50C-407E-A947-70E740481C1C}">
+                <a14:useLocalDpi xmlns:a14="http://schemas.microsoft.com/office/drawing/2010/main" val="0"/>
+              </a:ext>
+            </a:extLst>
+          </a:blip>
+          <a:stretch>
+            <a:fillRect/>
+          </a:stretch>
+        </p:blipFill>
+        <p:spPr bwMode="auto">
+          <a:xfrm>
+            <a:off x="4580370" y="2118951"/>
+            <a:ext cx="5819775" cy="2924175"/>
+          </a:xfrm>
+          <a:prstGeom prst="rect">
+            <a:avLst/>
+          </a:prstGeom>
+          <a:noFill/>
+          <a:extLst>
+            <a:ext uri="{909E8E84-426E-40DD-AFC4-6F175D3DCCD1}">
+              <a14:hiddenFill xmlns:a14="http://schemas.microsoft.com/office/drawing/2010/main">
+                <a:solidFill>
+                  <a:srgbClr val="FFFFFF"/>
+                </a:solidFill>
+              </a14:hiddenFill>
+            </a:ext>
+          </a:extLst>
+        </p:spPr>
+      </p:pic>
+      <p:sp>
+        <p:nvSpPr>
+          <p:cNvPr id="4" name="Text Placeholder 3">
+            <a:extLst>
+              <a:ext uri="{FF2B5EF4-FFF2-40B4-BE49-F238E27FC236}">
+                <a16:creationId xmlns:a16="http://schemas.microsoft.com/office/drawing/2014/main" id="{AF290A1D-393F-4ED1-A880-32E9A35A7FC0}"/>
+              </a:ext>
+            </a:extLst>
+          </p:cNvPr>
+          <p:cNvSpPr>
+            <a:spLocks noGrp="1"/>
+          </p:cNvSpPr>
+          <p:nvPr>
+            <p:ph type="body" sz="half" idx="2"/>
+          </p:nvPr>
+        </p:nvSpPr>
+        <p:spPr>
+          <a:xfrm>
+            <a:off x="839788" y="1293091"/>
+            <a:ext cx="8802976" cy="4575897"/>
+          </a:xfrm>
+        </p:spPr>
+        <p:txBody>
+          <a:bodyPr>
+            <a:normAutofit/>
+          </a:bodyPr>
+          <a:lstStyle/>
+          <a:p>
+            <a:r>
+              <a:rPr lang="en-US" dirty="0"/>
+              <a:t>How many parameters do we have in the first layer of NN if we want the output with the size of 1000?</a:t>
+            </a:r>
+          </a:p>
+          <a:p>
+            <a:r>
+              <a:rPr lang="en-US" dirty="0"/>
+              <a:t>Size =  1000*1000*3</a:t>
+            </a:r>
+          </a:p>
+          <a:p>
+            <a:endParaRPr lang="en-US" dirty="0"/>
+          </a:p>
+          <a:p>
+            <a:endParaRPr lang="en-US" dirty="0"/>
+          </a:p>
+          <a:p>
+            <a:endParaRPr lang="en-US" dirty="0"/>
+          </a:p>
+          <a:p>
+            <a:endParaRPr lang="en-US" dirty="0"/>
+          </a:p>
+          <a:p>
+            <a:endParaRPr lang="en-US" dirty="0"/>
+          </a:p>
+          <a:p>
+            <a:endParaRPr lang="en-US" dirty="0"/>
+          </a:p>
+          <a:p>
+            <a:endParaRPr lang="en-US" dirty="0"/>
+          </a:p>
+          <a:p>
+            <a:r>
+              <a:rPr lang="en-US" b="1" dirty="0"/>
+              <a:t>What is the drawback of simple NN?</a:t>
+            </a:r>
+          </a:p>
+          <a:p>
+            <a:pPr marL="285750" indent="-285750">
+              <a:buFont typeface="Arial" panose="020B0604020202020204" pitchFamily="34" charset="0"/>
+              <a:buChar char="•"/>
+            </a:pPr>
+            <a:r>
+              <a:rPr lang="en-US" dirty="0"/>
+              <a:t>Number of parameters</a:t>
+            </a:r>
+          </a:p>
+          <a:p>
+            <a:pPr marL="285750" indent="-285750">
+              <a:buFont typeface="Arial" panose="020B0604020202020204" pitchFamily="34" charset="0"/>
+              <a:buChar char="•"/>
+            </a:pPr>
+            <a:r>
+              <a:rPr lang="en-US" dirty="0"/>
+              <a:t>Overfitting</a:t>
+            </a:r>
+          </a:p>
+          <a:p>
+            <a:pPr marL="285750" indent="-285750">
+              <a:buFont typeface="Arial" panose="020B0604020202020204" pitchFamily="34" charset="0"/>
+              <a:buChar char="•"/>
+            </a:pPr>
+            <a:r>
+              <a:rPr lang="en-US" dirty="0"/>
+              <a:t>Volume of calculation</a:t>
+            </a:r>
+          </a:p>
+        </p:txBody>
+      </p:sp>
+      <p:pic>
+        <p:nvPicPr>
+          <p:cNvPr id="4100" name="Picture 4" descr="Ligament and Tendon Conditions in Cats - Symptoms, Causes, Diagnosis,  Treatment, Recovery, Management, Cost">
+            <a:extLst>
+              <a:ext uri="{FF2B5EF4-FFF2-40B4-BE49-F238E27FC236}">
+                <a16:creationId xmlns:a16="http://schemas.microsoft.com/office/drawing/2014/main" id="{F595FF53-B77E-4A16-98F8-2D57BFA820EC}"/>
+              </a:ext>
+            </a:extLst>
+          </p:cNvPr>
+          <p:cNvPicPr>
+            <a:picLocks noChangeAspect="1" noChangeArrowheads="1"/>
+          </p:cNvPicPr>
+          <p:nvPr/>
+        </p:nvPicPr>
+        <p:blipFill rotWithShape="1">
+          <a:blip r:embed="rId3">
+            <a:extLst>
+              <a:ext uri="{28A0092B-C50C-407E-A947-70E740481C1C}">
+                <a14:useLocalDpi xmlns:a14="http://schemas.microsoft.com/office/drawing/2010/main" val="0"/>
+              </a:ext>
+            </a:extLst>
+          </a:blip>
+          <a:srcRect l="14912" t="1" r="34842" b="23250"/>
+          <a:stretch/>
+        </p:blipFill>
+        <p:spPr bwMode="auto">
+          <a:xfrm>
+            <a:off x="1016776" y="1966913"/>
+            <a:ext cx="2095619" cy="2134033"/>
+          </a:xfrm>
+          <a:prstGeom prst="rect">
+            <a:avLst/>
+          </a:prstGeom>
+          <a:noFill/>
+          <a:extLst>
+            <a:ext uri="{909E8E84-426E-40DD-AFC4-6F175D3DCCD1}">
+              <a14:hiddenFill xmlns:a14="http://schemas.microsoft.com/office/drawing/2010/main">
+                <a:solidFill>
+                  <a:srgbClr val="FFFFFF"/>
+                </a:solidFill>
+              </a14:hiddenFill>
+            </a:ext>
+          </a:extLst>
+        </p:spPr>
+      </p:pic>
+      <p:sp>
+        <p:nvSpPr>
+          <p:cNvPr id="3" name="Callout: Up Arrow 2">
+            <a:extLst>
+              <a:ext uri="{FF2B5EF4-FFF2-40B4-BE49-F238E27FC236}">
+                <a16:creationId xmlns:a16="http://schemas.microsoft.com/office/drawing/2014/main" id="{02826DE3-89BD-457B-A290-375A4AB1CAFE}"/>
+              </a:ext>
+            </a:extLst>
+          </p:cNvPr>
+          <p:cNvSpPr/>
+          <p:nvPr/>
+        </p:nvSpPr>
+        <p:spPr>
+          <a:xfrm>
+            <a:off x="4580370" y="5043126"/>
+            <a:ext cx="2613891" cy="1044212"/>
+          </a:xfrm>
+          <a:prstGeom prst="upArrowCallout">
+            <a:avLst>
+              <a:gd name="adj1" fmla="val 9078"/>
+              <a:gd name="adj2" fmla="val 10847"/>
+              <a:gd name="adj3" fmla="val 25000"/>
+              <a:gd name="adj4" fmla="val 64977"/>
+            </a:avLst>
+          </a:prstGeom>
+          <a:solidFill>
+            <a:schemeClr val="bg1"/>
+          </a:solidFill>
+          <a:ln w="38100"/>
+        </p:spPr>
+        <p:style>
+          <a:lnRef idx="2">
+            <a:schemeClr val="accent1">
+              <a:shade val="50000"/>
+            </a:schemeClr>
+          </a:lnRef>
+          <a:fillRef idx="1">
+            <a:schemeClr val="accent1"/>
+          </a:fillRef>
+          <a:effectRef idx="0">
+            <a:schemeClr val="accent1"/>
+          </a:effectRef>
+          <a:fontRef idx="minor">
+            <a:schemeClr val="lt1"/>
+          </a:fontRef>
+        </p:style>
+        <p:txBody>
+          <a:bodyPr rtlCol="0" anchor="ctr"/>
+          <a:lstStyle/>
+          <a:p>
+            <a:pPr algn="ctr"/>
+            <a:r>
+              <a:rPr lang="en-US" dirty="0">
+                <a:solidFill>
+                  <a:schemeClr val="tx1"/>
+                </a:solidFill>
+              </a:rPr>
+              <a:t>3,000,000*1000</a:t>
+            </a:r>
+          </a:p>
+        </p:txBody>
+      </p:sp>
+    </p:spTree>
+    <p:extLst>
+      <p:ext uri="{BB962C8B-B14F-4D97-AF65-F5344CB8AC3E}">
+        <p14:creationId xmlns:p14="http://schemas.microsoft.com/office/powerpoint/2010/main" val="860653372"/>
+      </p:ext>
+    </p:extLst>
+  </p:cSld>
+  <p:clrMapOvr>
+    <a:masterClrMapping/>
+  </p:clrMapOvr>
+</p:sld>
+</file>
+
+<file path=ppt/slides/slide4.xml><?xml version="1.0" encoding="utf-8"?>
+<p:sld xmlns:a="http://schemas.openxmlformats.org/drawingml/2006/main" xmlns:r="http://schemas.openxmlformats.org/officeDocument/2006/relationships" xmlns:p="http://schemas.openxmlformats.org/presentationml/2006/main">
+  <p:cSld>
+    <p:spTree>
+      <p:nvGrpSpPr>
+        <p:cNvPr id="1" name=""/>
+        <p:cNvGrpSpPr/>
+        <p:nvPr/>
+      </p:nvGrpSpPr>
+      <p:grpSpPr>
+        <a:xfrm>
+          <a:off x="0" y="0"/>
+          <a:ext cx="0" cy="0"/>
+          <a:chOff x="0" y="0"/>
+          <a:chExt cx="0" cy="0"/>
+        </a:xfrm>
+      </p:grpSpPr>
+      <p:sp>
+        <p:nvSpPr>
+          <p:cNvPr id="7" name="Title 6">
+            <a:extLst>
+              <a:ext uri="{FF2B5EF4-FFF2-40B4-BE49-F238E27FC236}">
+                <a16:creationId xmlns:a16="http://schemas.microsoft.com/office/drawing/2014/main" id="{28A507B9-77BE-4D0F-BC94-562215436B5B}"/>
+              </a:ext>
+            </a:extLst>
+          </p:cNvPr>
+          <p:cNvSpPr>
+            <a:spLocks noGrp="1"/>
+          </p:cNvSpPr>
+          <p:nvPr>
+            <p:ph type="title"/>
+          </p:nvPr>
+        </p:nvSpPr>
+        <p:spPr>
+          <a:xfrm>
+            <a:off x="838200" y="365125"/>
+            <a:ext cx="10515600" cy="1158875"/>
+          </a:xfrm>
+        </p:spPr>
+        <p:txBody>
+          <a:bodyPr>
+            <a:normAutofit/>
+          </a:bodyPr>
+          <a:lstStyle/>
+          <a:p>
+            <a:r>
+              <a:rPr lang="en-US" b="1" dirty="0"/>
+              <a:t>Kernel (filter)</a:t>
+            </a:r>
+          </a:p>
+        </p:txBody>
+      </p:sp>
+      <p:pic>
+        <p:nvPicPr>
+          <p:cNvPr id="11" name="Content Placeholder 10">
+            <a:extLst>
+              <a:ext uri="{FF2B5EF4-FFF2-40B4-BE49-F238E27FC236}">
+                <a16:creationId xmlns:a16="http://schemas.microsoft.com/office/drawing/2014/main" id="{2905D5D2-16DB-455A-BF69-C1F6E5B7800F}"/>
+              </a:ext>
+            </a:extLst>
+          </p:cNvPr>
+          <p:cNvPicPr>
+            <a:picLocks noGrp="1" noChangeAspect="1"/>
+          </p:cNvPicPr>
+          <p:nvPr>
+            <p:ph sz="half" idx="1"/>
+          </p:nvPr>
+        </p:nvPicPr>
+        <p:blipFill>
+          <a:blip r:embed="rId2"/>
+          <a:stretch>
+            <a:fillRect/>
+          </a:stretch>
+        </p:blipFill>
+        <p:spPr>
+          <a:xfrm>
+            <a:off x="5234708" y="642009"/>
+            <a:ext cx="6619940" cy="2587053"/>
+          </a:xfrm>
+        </p:spPr>
+      </p:pic>
+      <p:sp>
+        <p:nvSpPr>
+          <p:cNvPr id="12" name="Content Placeholder 11">
+            <a:extLst>
+              <a:ext uri="{FF2B5EF4-FFF2-40B4-BE49-F238E27FC236}">
+                <a16:creationId xmlns:a16="http://schemas.microsoft.com/office/drawing/2014/main" id="{521A4410-46B8-40CE-8CA2-12447F7EC754}"/>
+              </a:ext>
+            </a:extLst>
+          </p:cNvPr>
+          <p:cNvSpPr>
+            <a:spLocks noGrp="1"/>
+          </p:cNvSpPr>
+          <p:nvPr>
+            <p:ph sz="half" idx="2"/>
+          </p:nvPr>
+        </p:nvSpPr>
+        <p:spPr>
+          <a:xfrm>
+            <a:off x="3208595" y="5723988"/>
+            <a:ext cx="6413725" cy="988448"/>
+          </a:xfrm>
+        </p:spPr>
+        <p:txBody>
+          <a:bodyPr>
+            <a:normAutofit/>
+          </a:bodyPr>
+          <a:lstStyle/>
+          <a:p>
+            <a:r>
+              <a:rPr lang="en-US" dirty="0"/>
+              <a:t>https://setosa.io/ev/image-kernels/</a:t>
+            </a:r>
+          </a:p>
+        </p:txBody>
+      </p:sp>
+      <p:pic>
+        <p:nvPicPr>
+          <p:cNvPr id="5124" name="Picture 4" descr="Convolutional Neural Networks - Basics · Machine Learning Notebook">
+            <a:extLst>
+              <a:ext uri="{FF2B5EF4-FFF2-40B4-BE49-F238E27FC236}">
+                <a16:creationId xmlns:a16="http://schemas.microsoft.com/office/drawing/2014/main" id="{E505C819-AB3D-42A7-A664-9CF85277CD46}"/>
+              </a:ext>
+            </a:extLst>
+          </p:cNvPr>
+          <p:cNvPicPr>
+            <a:picLocks noChangeAspect="1" noChangeArrowheads="1"/>
+          </p:cNvPicPr>
+          <p:nvPr/>
+        </p:nvPicPr>
+        <p:blipFill>
+          <a:blip r:embed="rId3">
+            <a:extLst>
+              <a:ext uri="{28A0092B-C50C-407E-A947-70E740481C1C}">
+                <a14:useLocalDpi xmlns:a14="http://schemas.microsoft.com/office/drawing/2010/main" val="0"/>
+              </a:ext>
+            </a:extLst>
+          </a:blip>
+          <a:srcRect/>
+          <a:stretch>
+            <a:fillRect/>
+          </a:stretch>
+        </p:blipFill>
+        <p:spPr bwMode="auto">
+          <a:xfrm>
+            <a:off x="686025" y="2538603"/>
+            <a:ext cx="5317612" cy="2494708"/>
+          </a:xfrm>
+          <a:prstGeom prst="rect">
+            <a:avLst/>
+          </a:prstGeom>
+          <a:noFill/>
+          <a:extLst>
+            <a:ext uri="{909E8E84-426E-40DD-AFC4-6F175D3DCCD1}">
+              <a14:hiddenFill xmlns:a14="http://schemas.microsoft.com/office/drawing/2010/main">
+                <a:solidFill>
+                  <a:srgbClr val="FFFFFF"/>
+                </a:solidFill>
+              </a14:hiddenFill>
+            </a:ext>
+          </a:extLst>
+        </p:spPr>
+      </p:pic>
+      <p:sp>
+        <p:nvSpPr>
+          <p:cNvPr id="9" name="Content Placeholder 11">
+            <a:extLst>
+              <a:ext uri="{FF2B5EF4-FFF2-40B4-BE49-F238E27FC236}">
+                <a16:creationId xmlns:a16="http://schemas.microsoft.com/office/drawing/2014/main" id="{EA4E093A-5EC8-450B-AEED-980EA20D45C2}"/>
+              </a:ext>
+            </a:extLst>
+          </p:cNvPr>
+          <p:cNvSpPr txBox="1">
+            <a:spLocks/>
+          </p:cNvSpPr>
+          <p:nvPr/>
+        </p:nvSpPr>
+        <p:spPr>
+          <a:xfrm>
+            <a:off x="838200" y="1639149"/>
+            <a:ext cx="4278745" cy="491588"/>
+          </a:xfrm>
+          <a:prstGeom prst="rect">
+            <a:avLst/>
+          </a:prstGeom>
+        </p:spPr>
+        <p:txBody>
+          <a:bodyPr vert="horz" lIns="91440" tIns="45720" rIns="91440" bIns="45720" rtlCol="0">
+            <a:normAutofit fontScale="62500" lnSpcReduction="20000"/>
+          </a:bodyPr>
+          <a:lstStyle>
+            <a:lvl1pPr marL="228600" indent="-228600" algn="l" defTabSz="914400" rtl="0" eaLnBrk="1" latinLnBrk="0" hangingPunct="1">
+              <a:lnSpc>
+                <a:spcPct val="90000"/>
+              </a:lnSpc>
+              <a:spcBef>
+                <a:spcPts val="1000"/>
+              </a:spcBef>
+              <a:buFont typeface="Arial" panose="020B0604020202020204" pitchFamily="34" charset="0"/>
+              <a:buChar char="•"/>
+              <a:defRPr sz="2800" kern="1200">
+                <a:solidFill>
+                  <a:schemeClr val="tx1"/>
+                </a:solidFill>
+                <a:latin typeface="+mn-lt"/>
+                <a:ea typeface="+mn-ea"/>
+                <a:cs typeface="+mn-cs"/>
+              </a:defRPr>
+            </a:lvl1pPr>
+            <a:lvl2pPr marL="685800" indent="-228600" algn="l" defTabSz="914400" rtl="0" eaLnBrk="1" latinLnBrk="0" hangingPunct="1">
+              <a:lnSpc>
+                <a:spcPct val="90000"/>
+              </a:lnSpc>
+              <a:spcBef>
+                <a:spcPts val="500"/>
+              </a:spcBef>
+              <a:buFont typeface="Arial" panose="020B0604020202020204" pitchFamily="34" charset="0"/>
+              <a:buChar char="•"/>
+              <a:defRPr sz="2400" kern="1200">
+                <a:solidFill>
+                  <a:schemeClr val="tx1"/>
+                </a:solidFill>
+                <a:latin typeface="+mn-lt"/>
+                <a:ea typeface="+mn-ea"/>
+                <a:cs typeface="+mn-cs"/>
+              </a:defRPr>
+            </a:lvl2pPr>
+            <a:lvl3pPr marL="1143000" indent="-228600" algn="l" defTabSz="914400" rtl="0" eaLnBrk="1" latinLnBrk="0" hangingPunct="1">
+              <a:lnSpc>
+                <a:spcPct val="90000"/>
+              </a:lnSpc>
+              <a:spcBef>
+                <a:spcPts val="500"/>
+              </a:spcBef>
+              <a:buFont typeface="Arial" panose="020B0604020202020204" pitchFamily="34" charset="0"/>
+              <a:buChar char="•"/>
+              <a:defRPr sz="2000" kern="1200">
+                <a:solidFill>
+                  <a:schemeClr val="tx1"/>
+                </a:solidFill>
+                <a:latin typeface="+mn-lt"/>
+                <a:ea typeface="+mn-ea"/>
+                <a:cs typeface="+mn-cs"/>
+              </a:defRPr>
+            </a:lvl3pPr>
+            <a:lvl4pPr marL="1600200" indent="-228600" algn="l" defTabSz="914400" rtl="0" eaLnBrk="1" latinLnBrk="0" hangingPunct="1">
+              <a:lnSpc>
+                <a:spcPct val="90000"/>
+              </a:lnSpc>
+              <a:spcBef>
+                <a:spcPts val="500"/>
+              </a:spcBef>
+              <a:buFont typeface="Arial" panose="020B0604020202020204" pitchFamily="34" charset="0"/>
+              <a:buChar char="•"/>
+              <a:defRPr sz="1800" kern="1200">
+                <a:solidFill>
+                  <a:schemeClr val="tx1"/>
+                </a:solidFill>
+                <a:latin typeface="+mn-lt"/>
+                <a:ea typeface="+mn-ea"/>
+                <a:cs typeface="+mn-cs"/>
+              </a:defRPr>
+            </a:lvl4pPr>
+            <a:lvl5pPr marL="2057400" indent="-228600" algn="l" defTabSz="914400" rtl="0" eaLnBrk="1" latinLnBrk="0" hangingPunct="1">
+              <a:lnSpc>
+                <a:spcPct val="90000"/>
+              </a:lnSpc>
+              <a:spcBef>
+                <a:spcPts val="500"/>
+              </a:spcBef>
+              <a:buFont typeface="Arial" panose="020B0604020202020204" pitchFamily="34" charset="0"/>
+              <a:buChar char="•"/>
+              <a:defRPr sz="1800" kern="1200">
+                <a:solidFill>
+                  <a:schemeClr val="tx1"/>
+                </a:solidFill>
+                <a:latin typeface="+mn-lt"/>
+                <a:ea typeface="+mn-ea"/>
+                <a:cs typeface="+mn-cs"/>
+              </a:defRPr>
+            </a:lvl5pPr>
+            <a:lvl6pPr marL="2514600" indent="-228600" algn="l" defTabSz="914400" rtl="0" eaLnBrk="1" latinLnBrk="0" hangingPunct="1">
+              <a:lnSpc>
+                <a:spcPct val="90000"/>
+              </a:lnSpc>
+              <a:spcBef>
+                <a:spcPts val="500"/>
+              </a:spcBef>
+              <a:buFont typeface="Arial" panose="020B0604020202020204" pitchFamily="34" charset="0"/>
+              <a:buChar char="•"/>
+              <a:defRPr sz="1800" kern="1200">
+                <a:solidFill>
+                  <a:schemeClr val="tx1"/>
+                </a:solidFill>
+                <a:latin typeface="+mn-lt"/>
+                <a:ea typeface="+mn-ea"/>
+                <a:cs typeface="+mn-cs"/>
+              </a:defRPr>
+            </a:lvl6pPr>
+            <a:lvl7pPr marL="2971800" indent="-228600" algn="l" defTabSz="914400" rtl="0" eaLnBrk="1" latinLnBrk="0" hangingPunct="1">
+              <a:lnSpc>
+                <a:spcPct val="90000"/>
+              </a:lnSpc>
+              <a:spcBef>
+                <a:spcPts val="500"/>
+              </a:spcBef>
+              <a:buFont typeface="Arial" panose="020B0604020202020204" pitchFamily="34" charset="0"/>
+              <a:buChar char="•"/>
+              <a:defRPr sz="1800" kern="1200">
+                <a:solidFill>
+                  <a:schemeClr val="tx1"/>
+                </a:solidFill>
+                <a:latin typeface="+mn-lt"/>
+                <a:ea typeface="+mn-ea"/>
+                <a:cs typeface="+mn-cs"/>
+              </a:defRPr>
+            </a:lvl7pPr>
+            <a:lvl8pPr marL="3429000" indent="-228600" algn="l" defTabSz="914400" rtl="0" eaLnBrk="1" latinLnBrk="0" hangingPunct="1">
+              <a:lnSpc>
+                <a:spcPct val="90000"/>
+              </a:lnSpc>
+              <a:spcBef>
+                <a:spcPts val="500"/>
+              </a:spcBef>
+              <a:buFont typeface="Arial" panose="020B0604020202020204" pitchFamily="34" charset="0"/>
+              <a:buChar char="•"/>
+              <a:defRPr sz="1800" kern="1200">
+                <a:solidFill>
+                  <a:schemeClr val="tx1"/>
+                </a:solidFill>
+                <a:latin typeface="+mn-lt"/>
+                <a:ea typeface="+mn-ea"/>
+                <a:cs typeface="+mn-cs"/>
+              </a:defRPr>
+            </a:lvl8pPr>
+            <a:lvl9pPr marL="3886200" indent="-228600" algn="l" defTabSz="914400" rtl="0" eaLnBrk="1" latinLnBrk="0" hangingPunct="1">
+              <a:lnSpc>
+                <a:spcPct val="90000"/>
+              </a:lnSpc>
+              <a:spcBef>
+                <a:spcPts val="500"/>
+              </a:spcBef>
+              <a:buFont typeface="Arial" panose="020B0604020202020204" pitchFamily="34" charset="0"/>
+              <a:buChar char="•"/>
+              <a:defRPr sz="1800" kern="1200">
+                <a:solidFill>
+                  <a:schemeClr val="tx1"/>
+                </a:solidFill>
+                <a:latin typeface="+mn-lt"/>
+                <a:ea typeface="+mn-ea"/>
+                <a:cs typeface="+mn-cs"/>
+              </a:defRPr>
+            </a:lvl9pPr>
+          </a:lstStyle>
+          <a:p>
+            <a:r>
+              <a:rPr lang="en-US" dirty="0"/>
+              <a:t>Edge detection filter (horizontal, vertical, …)</a:t>
+            </a:r>
+          </a:p>
+        </p:txBody>
+      </p:sp>
+    </p:spTree>
+    <p:extLst>
+      <p:ext uri="{BB962C8B-B14F-4D97-AF65-F5344CB8AC3E}">
+        <p14:creationId xmlns:p14="http://schemas.microsoft.com/office/powerpoint/2010/main" val="498509332"/>
+      </p:ext>
+    </p:extLst>
+  </p:cSld>
+  <p:clrMapOvr>
+    <a:masterClrMapping/>
+  </p:clrMapOvr>
+</p:sld>
+</file>
+
+<file path=ppt/slides/slide5.xml><?xml version="1.0" encoding="utf-8"?>
+<p:sld xmlns:a="http://schemas.openxmlformats.org/drawingml/2006/main" xmlns:r="http://schemas.openxmlformats.org/officeDocument/2006/relationships" xmlns:p="http://schemas.openxmlformats.org/presentationml/2006/main">
+  <p:cSld>
+    <p:spTree>
+      <p:nvGrpSpPr>
+        <p:cNvPr id="1" name=""/>
+        <p:cNvGrpSpPr/>
+        <p:nvPr/>
+      </p:nvGrpSpPr>
+      <p:grpSpPr>
+        <a:xfrm>
+          <a:off x="0" y="0"/>
+          <a:ext cx="0" cy="0"/>
+          <a:chOff x="0" y="0"/>
+          <a:chExt cx="0" cy="0"/>
+        </a:xfrm>
+      </p:grpSpPr>
+      <p:pic>
+        <p:nvPicPr>
+          <p:cNvPr id="6146" name="Picture 2" descr="Canny Edge Detection Step by Step in Python — Computer Vision | by Sofiane  Sahir | Towards Data Science">
+            <a:extLst>
+              <a:ext uri="{FF2B5EF4-FFF2-40B4-BE49-F238E27FC236}">
+                <a16:creationId xmlns:a16="http://schemas.microsoft.com/office/drawing/2014/main" id="{16501F32-E64E-4864-AB88-7CBB6CB8FA33}"/>
+              </a:ext>
+            </a:extLst>
+          </p:cNvPr>
+          <p:cNvPicPr>
+            <a:picLocks noGrp="1" noChangeAspect="1" noChangeArrowheads="1"/>
+          </p:cNvPicPr>
+          <p:nvPr>
+            <p:ph sz="half" idx="1"/>
+          </p:nvPr>
+        </p:nvPicPr>
+        <p:blipFill>
+          <a:blip r:embed="rId2">
+            <a:extLst>
+              <a:ext uri="{28A0092B-C50C-407E-A947-70E740481C1C}">
+                <a14:useLocalDpi xmlns:a14="http://schemas.microsoft.com/office/drawing/2010/main" val="0"/>
+              </a:ext>
+            </a:extLst>
+          </a:blip>
+          <a:srcRect/>
+          <a:stretch>
+            <a:fillRect/>
+          </a:stretch>
+        </p:blipFill>
+        <p:spPr bwMode="auto">
+          <a:xfrm>
+            <a:off x="5742710" y="556932"/>
+            <a:ext cx="5181600" cy="3579515"/>
+          </a:xfrm>
+          <a:prstGeom prst="rect">
+            <a:avLst/>
+          </a:prstGeom>
+          <a:noFill/>
+          <a:extLst>
+            <a:ext uri="{909E8E84-426E-40DD-AFC4-6F175D3DCCD1}">
+              <a14:hiddenFill xmlns:a14="http://schemas.microsoft.com/office/drawing/2010/main">
+                <a:solidFill>
+                  <a:srgbClr val="FFFFFF"/>
+                </a:solidFill>
+              </a14:hiddenFill>
+            </a:ext>
+          </a:extLst>
+        </p:spPr>
+      </p:pic>
+      <p:pic>
+        <p:nvPicPr>
+          <p:cNvPr id="6148" name="Picture 4" descr="computer vision - Deriving edges when not continuous - Stack Overflow">
+            <a:extLst>
+              <a:ext uri="{FF2B5EF4-FFF2-40B4-BE49-F238E27FC236}">
+                <a16:creationId xmlns:a16="http://schemas.microsoft.com/office/drawing/2014/main" id="{0B1EEB15-E3D7-49E9-8F53-9935A8E9C92C}"/>
+              </a:ext>
+            </a:extLst>
+          </p:cNvPr>
+          <p:cNvPicPr>
+            <a:picLocks noChangeAspect="1" noChangeArrowheads="1"/>
+          </p:cNvPicPr>
+          <p:nvPr/>
+        </p:nvPicPr>
+        <p:blipFill>
+          <a:blip r:embed="rId3">
+            <a:extLst>
+              <a:ext uri="{28A0092B-C50C-407E-A947-70E740481C1C}">
+                <a14:useLocalDpi xmlns:a14="http://schemas.microsoft.com/office/drawing/2010/main" val="0"/>
+              </a:ext>
+            </a:extLst>
+          </a:blip>
+          <a:srcRect/>
+          <a:stretch>
+            <a:fillRect/>
+          </a:stretch>
+        </p:blipFill>
+        <p:spPr bwMode="auto">
+          <a:xfrm>
+            <a:off x="1571193" y="1469015"/>
+            <a:ext cx="3438525" cy="2190750"/>
+          </a:xfrm>
+          <a:prstGeom prst="rect">
+            <a:avLst/>
+          </a:prstGeom>
+          <a:noFill/>
+          <a:extLst>
+            <a:ext uri="{909E8E84-426E-40DD-AFC4-6F175D3DCCD1}">
+              <a14:hiddenFill xmlns:a14="http://schemas.microsoft.com/office/drawing/2010/main">
+                <a:solidFill>
+                  <a:srgbClr val="FFFFFF"/>
+                </a:solidFill>
+              </a14:hiddenFill>
+            </a:ext>
+          </a:extLst>
+        </p:spPr>
+      </p:pic>
+      <p:sp>
+        <p:nvSpPr>
+          <p:cNvPr id="7" name="Title 6">
+            <a:extLst>
+              <a:ext uri="{FF2B5EF4-FFF2-40B4-BE49-F238E27FC236}">
+                <a16:creationId xmlns:a16="http://schemas.microsoft.com/office/drawing/2014/main" id="{028236CA-25CA-40C1-BC06-B07AB27308E1}"/>
+              </a:ext>
+            </a:extLst>
+          </p:cNvPr>
+          <p:cNvSpPr>
+            <a:spLocks noGrp="1"/>
+          </p:cNvSpPr>
+          <p:nvPr>
+            <p:ph type="title"/>
+          </p:nvPr>
+        </p:nvSpPr>
+        <p:spPr>
+          <a:xfrm>
+            <a:off x="838200" y="365125"/>
+            <a:ext cx="10515600" cy="1325563"/>
+          </a:xfrm>
+        </p:spPr>
+        <p:txBody>
+          <a:bodyPr/>
+          <a:lstStyle/>
+          <a:p>
+            <a:r>
+              <a:rPr lang="en-US" b="1" dirty="0"/>
+              <a:t>Kernel </a:t>
+            </a:r>
+          </a:p>
+        </p:txBody>
+      </p:sp>
+      <p:pic>
+        <p:nvPicPr>
+          <p:cNvPr id="8" name="Picture 2" descr="machine learning - Why convoloution neural net have to find filter values ?  - Cross Validated">
+            <a:extLst>
+              <a:ext uri="{FF2B5EF4-FFF2-40B4-BE49-F238E27FC236}">
+                <a16:creationId xmlns:a16="http://schemas.microsoft.com/office/drawing/2014/main" id="{3631EEB5-6700-4BDC-BC1C-6C933622AD96}"/>
+              </a:ext>
+            </a:extLst>
+          </p:cNvPr>
+          <p:cNvPicPr>
+            <a:picLocks noChangeAspect="1" noChangeArrowheads="1"/>
+          </p:cNvPicPr>
+          <p:nvPr/>
+        </p:nvPicPr>
+        <p:blipFill>
+          <a:blip r:embed="rId4">
+            <a:extLst>
+              <a:ext uri="{28A0092B-C50C-407E-A947-70E740481C1C}">
+                <a14:useLocalDpi xmlns:a14="http://schemas.microsoft.com/office/drawing/2010/main" val="0"/>
+              </a:ext>
+            </a:extLst>
+          </a:blip>
+          <a:srcRect/>
+          <a:stretch>
+            <a:fillRect/>
+          </a:stretch>
+        </p:blipFill>
+        <p:spPr bwMode="auto">
+          <a:xfrm>
+            <a:off x="1424709" y="4417769"/>
+            <a:ext cx="9829679" cy="1883299"/>
+          </a:xfrm>
+          <a:prstGeom prst="rect">
+            <a:avLst/>
+          </a:prstGeom>
+          <a:noFill/>
+          <a:extLst>
+            <a:ext uri="{909E8E84-426E-40DD-AFC4-6F175D3DCCD1}">
+              <a14:hiddenFill xmlns:a14="http://schemas.microsoft.com/office/drawing/2010/main">
+                <a:solidFill>
+                  <a:srgbClr val="FFFFFF"/>
+                </a:solidFill>
+              </a14:hiddenFill>
+            </a:ext>
+          </a:extLst>
+        </p:spPr>
+      </p:pic>
+    </p:spTree>
+    <p:extLst>
+      <p:ext uri="{BB962C8B-B14F-4D97-AF65-F5344CB8AC3E}">
+        <p14:creationId xmlns:p14="http://schemas.microsoft.com/office/powerpoint/2010/main" val="2941608620"/>
+      </p:ext>
+    </p:extLst>
+  </p:cSld>
+  <p:clrMapOvr>
+    <a:masterClrMapping/>
+  </p:clrMapOvr>
+</p:sld>
+</file>
+
+<file path=ppt/slides/slide6.xml><?xml version="1.0" encoding="utf-8"?>
+<p:sld xmlns:a="http://schemas.openxmlformats.org/drawingml/2006/main" xmlns:r="http://schemas.openxmlformats.org/officeDocument/2006/relationships" xmlns:p="http://schemas.openxmlformats.org/presentationml/2006/main">
+  <p:cSld>
+    <p:spTree>
+      <p:nvGrpSpPr>
+        <p:cNvPr id="1" name=""/>
+        <p:cNvGrpSpPr/>
+        <p:nvPr/>
+      </p:nvGrpSpPr>
+      <p:grpSpPr>
+        <a:xfrm>
+          <a:off x="0" y="0"/>
+          <a:ext cx="0" cy="0"/>
+          <a:chOff x="0" y="0"/>
+          <a:chExt cx="0" cy="0"/>
+        </a:xfrm>
+      </p:grpSpPr>
+      <p:sp>
+        <p:nvSpPr>
+          <p:cNvPr id="2" name="Title 1">
+            <a:extLst>
+              <a:ext uri="{FF2B5EF4-FFF2-40B4-BE49-F238E27FC236}">
+                <a16:creationId xmlns:a16="http://schemas.microsoft.com/office/drawing/2014/main" id="{877100DC-8252-4683-8EEB-3E672DF3ED1A}"/>
+              </a:ext>
+            </a:extLst>
+          </p:cNvPr>
+          <p:cNvSpPr>
+            <a:spLocks noGrp="1"/>
+          </p:cNvSpPr>
+          <p:nvPr>
+            <p:ph type="title"/>
+          </p:nvPr>
+        </p:nvSpPr>
+        <p:spPr/>
+        <p:txBody>
+          <a:bodyPr/>
+          <a:lstStyle/>
+          <a:p>
+            <a:r>
+              <a:rPr lang="en-US" b="1" dirty="0"/>
+              <a:t>Pooling</a:t>
+            </a:r>
+          </a:p>
+        </p:txBody>
+      </p:sp>
+      <p:pic>
+        <p:nvPicPr>
+          <p:cNvPr id="3074" name="Picture 2" descr="Pooling Layer — Short and Simple. Here's all the information you should… |  by Kartikeya Rana | Artificial Intelligence in Plain English">
+            <a:extLst>
+              <a:ext uri="{FF2B5EF4-FFF2-40B4-BE49-F238E27FC236}">
+                <a16:creationId xmlns:a16="http://schemas.microsoft.com/office/drawing/2014/main" id="{F52BA19F-D9DF-4F7C-9B23-ADD2AC608420}"/>
+              </a:ext>
+            </a:extLst>
+          </p:cNvPr>
+          <p:cNvPicPr>
+            <a:picLocks noChangeAspect="1" noChangeArrowheads="1"/>
+          </p:cNvPicPr>
+          <p:nvPr/>
+        </p:nvPicPr>
+        <p:blipFill>
+          <a:blip r:embed="rId2">
+            <a:extLst>
+              <a:ext uri="{28A0092B-C50C-407E-A947-70E740481C1C}">
+                <a14:useLocalDpi xmlns:a14="http://schemas.microsoft.com/office/drawing/2010/main" val="0"/>
+              </a:ext>
+            </a:extLst>
+          </a:blip>
+          <a:srcRect/>
+          <a:stretch>
+            <a:fillRect/>
+          </a:stretch>
+        </p:blipFill>
+        <p:spPr bwMode="auto">
+          <a:xfrm>
+            <a:off x="1951326" y="2516044"/>
+            <a:ext cx="8067675" cy="3562350"/>
+          </a:xfrm>
+          <a:prstGeom prst="rect">
+            <a:avLst/>
+          </a:prstGeom>
+          <a:noFill/>
+          <a:extLst>
+            <a:ext uri="{909E8E84-426E-40DD-AFC4-6F175D3DCCD1}">
+              <a14:hiddenFill xmlns:a14="http://schemas.microsoft.com/office/drawing/2010/main">
+                <a:solidFill>
+                  <a:srgbClr val="FFFFFF"/>
+                </a:solidFill>
+              </a14:hiddenFill>
+            </a:ext>
+          </a:extLst>
+        </p:spPr>
+      </p:pic>
+      <p:sp>
+        <p:nvSpPr>
+          <p:cNvPr id="4" name="Content Placeholder 2">
+            <a:extLst>
+              <a:ext uri="{FF2B5EF4-FFF2-40B4-BE49-F238E27FC236}">
+                <a16:creationId xmlns:a16="http://schemas.microsoft.com/office/drawing/2014/main" id="{2BF68CDB-EA14-4C68-B373-24FE8EF69C35}"/>
+              </a:ext>
+            </a:extLst>
+          </p:cNvPr>
+          <p:cNvSpPr>
+            <a:spLocks noGrp="1"/>
+          </p:cNvSpPr>
+          <p:nvPr>
+            <p:ph idx="1"/>
+          </p:nvPr>
+        </p:nvSpPr>
+        <p:spPr>
+          <a:xfrm>
+            <a:off x="838200" y="1825625"/>
+            <a:ext cx="10515600" cy="825211"/>
+          </a:xfrm>
+        </p:spPr>
+        <p:txBody>
+          <a:bodyPr>
+            <a:normAutofit/>
+          </a:bodyPr>
+          <a:lstStyle/>
+          <a:p>
+            <a:r>
+              <a:rPr lang="en-US" sz="2400" dirty="0"/>
+              <a:t>Pooling layer reduces the dimensionality while preserving the critical information.</a:t>
+            </a:r>
+          </a:p>
+        </p:txBody>
+      </p:sp>
+    </p:spTree>
+    <p:extLst>
+      <p:ext uri="{BB962C8B-B14F-4D97-AF65-F5344CB8AC3E}">
+        <p14:creationId xmlns:p14="http://schemas.microsoft.com/office/powerpoint/2010/main" val="1454726096"/>
+      </p:ext>
+    </p:extLst>
+  </p:cSld>
+  <p:clrMapOvr>
+    <a:masterClrMapping/>
+  </p:clrMapOvr>
+</p:sld>
+</file>
+
+<file path=ppt/slides/slide7.xml><?xml version="1.0" encoding="utf-8"?>
+<p:sld xmlns:a="http://schemas.openxmlformats.org/drawingml/2006/main" xmlns:r="http://schemas.openxmlformats.org/officeDocument/2006/relationships" xmlns:p="http://schemas.openxmlformats.org/presentationml/2006/main">
+  <p:cSld>
+    <p:spTree>
+      <p:nvGrpSpPr>
+        <p:cNvPr id="1" name=""/>
+        <p:cNvGrpSpPr/>
+        <p:nvPr/>
+      </p:nvGrpSpPr>
+      <p:grpSpPr>
+        <a:xfrm>
+          <a:off x="0" y="0"/>
+          <a:ext cx="0" cy="0"/>
+          <a:chOff x="0" y="0"/>
+          <a:chExt cx="0" cy="0"/>
+        </a:xfrm>
+      </p:grpSpPr>
+      <p:sp>
+        <p:nvSpPr>
+          <p:cNvPr id="10" name="Title 9">
+            <a:extLst>
+              <a:ext uri="{FF2B5EF4-FFF2-40B4-BE49-F238E27FC236}">
+                <a16:creationId xmlns:a16="http://schemas.microsoft.com/office/drawing/2014/main" id="{AC489C42-72CE-4FDC-8C9F-CE7E088DF2AA}"/>
+              </a:ext>
+            </a:extLst>
+          </p:cNvPr>
+          <p:cNvSpPr>
+            <a:spLocks noGrp="1"/>
+          </p:cNvSpPr>
+          <p:nvPr>
+            <p:ph type="title"/>
+          </p:nvPr>
+        </p:nvSpPr>
+        <p:spPr/>
+        <p:txBody>
+          <a:bodyPr/>
+          <a:lstStyle/>
+          <a:p>
+            <a:r>
+              <a:rPr lang="en-US" b="1" dirty="0"/>
+              <a:t>Convolutional Neural Network</a:t>
+            </a:r>
+          </a:p>
+        </p:txBody>
+      </p:sp>
+      <p:pic>
+        <p:nvPicPr>
+          <p:cNvPr id="7172" name="Picture 4" descr="An Overview of Convolutional Neural Networks | Papers With Code">
+            <a:extLst>
+              <a:ext uri="{FF2B5EF4-FFF2-40B4-BE49-F238E27FC236}">
+                <a16:creationId xmlns:a16="http://schemas.microsoft.com/office/drawing/2014/main" id="{BE217248-5177-48C9-8EAE-32706E5BB945}"/>
+              </a:ext>
+            </a:extLst>
+          </p:cNvPr>
+          <p:cNvPicPr>
+            <a:picLocks noChangeAspect="1" noChangeArrowheads="1"/>
+          </p:cNvPicPr>
+          <p:nvPr/>
+        </p:nvPicPr>
+        <p:blipFill>
+          <a:blip r:embed="rId2">
+            <a:extLst>
+              <a:ext uri="{28A0092B-C50C-407E-A947-70E740481C1C}">
+                <a14:useLocalDpi xmlns:a14="http://schemas.microsoft.com/office/drawing/2010/main" val="0"/>
+              </a:ext>
+            </a:extLst>
+          </a:blip>
+          <a:srcRect/>
+          <a:stretch>
+            <a:fillRect/>
+          </a:stretch>
+        </p:blipFill>
+        <p:spPr bwMode="auto">
+          <a:xfrm>
+            <a:off x="1542471" y="1440117"/>
+            <a:ext cx="9984509" cy="5341972"/>
+          </a:xfrm>
+          <a:prstGeom prst="rect">
+            <a:avLst/>
+          </a:prstGeom>
+          <a:noFill/>
+          <a:extLst>
+            <a:ext uri="{909E8E84-426E-40DD-AFC4-6F175D3DCCD1}">
+              <a14:hiddenFill xmlns:a14="http://schemas.microsoft.com/office/drawing/2010/main">
+                <a:solidFill>
+                  <a:srgbClr val="FFFFFF"/>
+                </a:solidFill>
+              </a14:hiddenFill>
+            </a:ext>
+          </a:extLst>
+        </p:spPr>
+      </p:pic>
+    </p:spTree>
+    <p:extLst>
+      <p:ext uri="{BB962C8B-B14F-4D97-AF65-F5344CB8AC3E}">
+        <p14:creationId xmlns:p14="http://schemas.microsoft.com/office/powerpoint/2010/main" val="4224345823"/>
+      </p:ext>
+    </p:extLst>
+  </p:cSld>
+  <p:clrMapOvr>
+    <a:masterClrMapping/>
+  </p:clrMapOvr>
+</p:sld>
+</file>
+
+<file path=ppt/slides/slide8.xml><?xml version="1.0" encoding="utf-8"?>
+<p:sld xmlns:a="http://schemas.openxmlformats.org/drawingml/2006/main" xmlns:r="http://schemas.openxmlformats.org/officeDocument/2006/relationships" xmlns:p="http://schemas.openxmlformats.org/presentationml/2006/main">
+  <p:cSld>
+    <p:spTree>
+      <p:nvGrpSpPr>
+        <p:cNvPr id="1" name=""/>
+        <p:cNvGrpSpPr/>
+        <p:nvPr/>
+      </p:nvGrpSpPr>
+      <p:grpSpPr>
+        <a:xfrm>
+          <a:off x="0" y="0"/>
+          <a:ext cx="0" cy="0"/>
+          <a:chOff x="0" y="0"/>
+          <a:chExt cx="0" cy="0"/>
+        </a:xfrm>
+      </p:grpSpPr>
+      <p:sp>
+        <p:nvSpPr>
+          <p:cNvPr id="2" name="Title 1">
+            <a:extLst>
+              <a:ext uri="{FF2B5EF4-FFF2-40B4-BE49-F238E27FC236}">
+                <a16:creationId xmlns:a16="http://schemas.microsoft.com/office/drawing/2014/main" id="{60400578-EDB3-4449-BDF0-4C39293C9362}"/>
+              </a:ext>
+            </a:extLst>
+          </p:cNvPr>
+          <p:cNvSpPr>
+            <a:spLocks noGrp="1"/>
+          </p:cNvSpPr>
+          <p:nvPr>
+            <p:ph type="title"/>
+          </p:nvPr>
+        </p:nvSpPr>
+        <p:spPr/>
+        <p:txBody>
+          <a:bodyPr/>
+          <a:lstStyle/>
+          <a:p>
+            <a:pPr marL="0" indent="0">
+              <a:buNone/>
+            </a:pPr>
+            <a:r>
+              <a:rPr lang="en-US" b="1" dirty="0"/>
+              <a:t>Face recognition</a:t>
+            </a:r>
+          </a:p>
+        </p:txBody>
+      </p:sp>
+      <p:sp>
+        <p:nvSpPr>
+          <p:cNvPr id="3" name="Content Placeholder 2">
+            <a:extLst>
+              <a:ext uri="{FF2B5EF4-FFF2-40B4-BE49-F238E27FC236}">
+                <a16:creationId xmlns:a16="http://schemas.microsoft.com/office/drawing/2014/main" id="{AEFA7604-7F57-4000-B052-65E7C84EADFB}"/>
+              </a:ext>
+            </a:extLst>
+          </p:cNvPr>
+          <p:cNvSpPr>
+            <a:spLocks noGrp="1"/>
+          </p:cNvSpPr>
+          <p:nvPr>
+            <p:ph idx="1"/>
+          </p:nvPr>
+        </p:nvSpPr>
+        <p:spPr/>
+        <p:txBody>
+          <a:bodyPr>
+            <a:normAutofit lnSpcReduction="10000"/>
+          </a:bodyPr>
+          <a:lstStyle/>
+          <a:p>
+            <a:pPr marL="0" indent="0">
+              <a:buNone/>
+            </a:pPr>
+            <a:r>
+              <a:rPr lang="en-US" dirty="0"/>
+              <a:t>Face recognition is a technology capable of matching a human face (from digital image or video frame) against a dataset of faces.</a:t>
+            </a:r>
+          </a:p>
+          <a:p>
+            <a:pPr marL="0" indent="0">
+              <a:buNone/>
+            </a:pPr>
+            <a:r>
+              <a:rPr lang="en-US" dirty="0"/>
+              <a:t>Problem:</a:t>
+            </a:r>
+          </a:p>
+          <a:p>
+            <a:r>
+              <a:rPr lang="en-US" dirty="0"/>
+              <a:t>We have a numerous class</a:t>
+            </a:r>
+          </a:p>
+          <a:p>
+            <a:r>
+              <a:rPr lang="en-US" dirty="0"/>
+              <a:t>Limited number of sample for each class</a:t>
+            </a:r>
+          </a:p>
+          <a:p>
+            <a:endParaRPr lang="en-US" dirty="0"/>
+          </a:p>
+          <a:p>
+            <a:pPr marL="0" indent="0">
+              <a:buNone/>
+            </a:pPr>
+            <a:r>
+              <a:rPr lang="en-US" dirty="0"/>
+              <a:t>Solution:</a:t>
+            </a:r>
+          </a:p>
+          <a:p>
+            <a:pPr marL="0" indent="0">
+              <a:buNone/>
+            </a:pPr>
+            <a:r>
+              <a:rPr lang="en-US" b="1" dirty="0"/>
+              <a:t>Siamese Network</a:t>
+            </a:r>
+          </a:p>
+          <a:p>
+            <a:r>
+              <a:rPr lang="en-US" b="1" dirty="0"/>
+              <a:t>Triple loss function</a:t>
+            </a:r>
+          </a:p>
+        </p:txBody>
+      </p:sp>
+    </p:spTree>
+    <p:extLst>
+      <p:ext uri="{BB962C8B-B14F-4D97-AF65-F5344CB8AC3E}">
+        <p14:creationId xmlns:p14="http://schemas.microsoft.com/office/powerpoint/2010/main" val="2220406306"/>
+      </p:ext>
+    </p:extLst>
+  </p:cSld>
+  <p:clrMapOvr>
+    <a:masterClrMapping/>
+  </p:clrMapOvr>
+</p:sld>
+</file>
+
+<file path=ppt/slides/slide9.xml><?xml version="1.0" encoding="utf-8"?>
+<p:sld xmlns:a="http://schemas.openxmlformats.org/drawingml/2006/main" xmlns:r="http://schemas.openxmlformats.org/officeDocument/2006/relationships" xmlns:p="http://schemas.openxmlformats.org/presentationml/2006/main">
+  <p:cSld>
+    <p:spTree>
+      <p:nvGrpSpPr>
+        <p:cNvPr id="1" name=""/>
+        <p:cNvGrpSpPr/>
+        <p:nvPr/>
+      </p:nvGrpSpPr>
+      <p:grpSpPr>
+        <a:xfrm>
+          <a:off x="0" y="0"/>
+          <a:ext cx="0" cy="0"/>
+          <a:chOff x="0" y="0"/>
+          <a:chExt cx="0" cy="0"/>
+        </a:xfrm>
+      </p:grpSpPr>
+      <p:sp>
+        <p:nvSpPr>
+          <p:cNvPr id="2" name="Title 1">
+            <a:extLst>
+              <a:ext uri="{FF2B5EF4-FFF2-40B4-BE49-F238E27FC236}">
+                <a16:creationId xmlns:a16="http://schemas.microsoft.com/office/drawing/2014/main" id="{70BCA88C-997C-46EC-AC44-2246E6F6F328}"/>
+              </a:ext>
+            </a:extLst>
+          </p:cNvPr>
+          <p:cNvSpPr>
+            <a:spLocks noGrp="1"/>
+          </p:cNvSpPr>
+          <p:nvPr>
+            <p:ph type="title"/>
+          </p:nvPr>
+        </p:nvSpPr>
+        <p:spPr/>
+        <p:txBody>
+          <a:bodyPr/>
+          <a:lstStyle/>
+          <a:p>
+            <a:r>
+              <a:rPr lang="en-US" b="1" dirty="0"/>
+              <a:t>Single shot classification or limited shots</a:t>
+            </a:r>
+          </a:p>
+        </p:txBody>
+      </p:sp>
+      <p:pic>
+        <p:nvPicPr>
+          <p:cNvPr id="1026" name="Picture 2">
+            <a:extLst>
+              <a:ext uri="{FF2B5EF4-FFF2-40B4-BE49-F238E27FC236}">
+                <a16:creationId xmlns:a16="http://schemas.microsoft.com/office/drawing/2014/main" id="{6A2C7A48-71E7-4B75-BD39-F25561084E15}"/>
+              </a:ext>
+            </a:extLst>
+          </p:cNvPr>
+          <p:cNvPicPr>
+            <a:picLocks noGrp="1" noChangeAspect="1" noChangeArrowheads="1"/>
+          </p:cNvPicPr>
+          <p:nvPr>
+            <p:ph idx="1"/>
+          </p:nvPr>
+        </p:nvPicPr>
+        <p:blipFill>
+          <a:blip r:embed="rId2">
+            <a:extLst>
+              <a:ext uri="{28A0092B-C50C-407E-A947-70E740481C1C}">
+                <a14:useLocalDpi xmlns:a14="http://schemas.microsoft.com/office/drawing/2010/main" val="0"/>
+              </a:ext>
+            </a:extLst>
+          </a:blip>
+          <a:srcRect/>
+          <a:stretch>
+            <a:fillRect/>
+          </a:stretch>
+        </p:blipFill>
+        <p:spPr bwMode="auto">
+          <a:xfrm>
+            <a:off x="1404723" y="2484725"/>
+            <a:ext cx="1401979" cy="1401979"/>
+          </a:xfrm>
+          <a:prstGeom prst="rect">
+            <a:avLst/>
+          </a:prstGeom>
+          <a:noFill/>
+          <a:extLst>
+            <a:ext uri="{909E8E84-426E-40DD-AFC4-6F175D3DCCD1}">
+              <a14:hiddenFill xmlns:a14="http://schemas.microsoft.com/office/drawing/2010/main">
+                <a:solidFill>
+                  <a:srgbClr val="FFFFFF"/>
+                </a:solidFill>
+              </a14:hiddenFill>
+            </a:ext>
+          </a:extLst>
+        </p:spPr>
+      </p:pic>
+      <p:pic>
+        <p:nvPicPr>
+          <p:cNvPr id="1030" name="Picture 6" descr="Image - 69927] | Inception | Leonardo dicaprio, Leonardo dicaprio movies,  Leo dicaprio">
+            <a:extLst>
+              <a:ext uri="{FF2B5EF4-FFF2-40B4-BE49-F238E27FC236}">
+                <a16:creationId xmlns:a16="http://schemas.microsoft.com/office/drawing/2014/main" id="{86CD1095-5CC2-4C4C-B9BD-0CF5990BB035}"/>
+              </a:ext>
+            </a:extLst>
+          </p:cNvPr>
+          <p:cNvPicPr>
+            <a:picLocks noChangeAspect="1" noChangeArrowheads="1"/>
+          </p:cNvPicPr>
+          <p:nvPr/>
+        </p:nvPicPr>
+        <p:blipFill rotWithShape="1">
+          <a:blip r:embed="rId3">
+            <a:extLst>
+              <a:ext uri="{28A0092B-C50C-407E-A947-70E740481C1C}">
+                <a14:useLocalDpi xmlns:a14="http://schemas.microsoft.com/office/drawing/2010/main" val="0"/>
+              </a:ext>
+            </a:extLst>
+          </a:blip>
+          <a:srcRect b="15705"/>
+          <a:stretch/>
+        </p:blipFill>
+        <p:spPr bwMode="auto">
+          <a:xfrm>
+            <a:off x="9623819" y="1932293"/>
+            <a:ext cx="1118538" cy="1325564"/>
+          </a:xfrm>
+          <a:prstGeom prst="rect">
+            <a:avLst/>
+          </a:prstGeom>
+          <a:noFill/>
+          <a:extLst>
+            <a:ext uri="{909E8E84-426E-40DD-AFC4-6F175D3DCCD1}">
+              <a14:hiddenFill xmlns:a14="http://schemas.microsoft.com/office/drawing/2010/main">
+                <a:solidFill>
+                  <a:srgbClr val="FFFFFF"/>
+                </a:solidFill>
+              </a14:hiddenFill>
+            </a:ext>
+          </a:extLst>
+        </p:spPr>
+      </p:pic>
+      <p:pic>
+        <p:nvPicPr>
+          <p:cNvPr id="1032" name="Picture 8" descr="Depp to Play Art Dealer Opposite Paltrow - artnet News">
+            <a:extLst>
+              <a:ext uri="{FF2B5EF4-FFF2-40B4-BE49-F238E27FC236}">
+                <a16:creationId xmlns:a16="http://schemas.microsoft.com/office/drawing/2014/main" id="{22C1727F-A527-49E7-A073-C5005BEEDDD2}"/>
+              </a:ext>
+            </a:extLst>
+          </p:cNvPr>
+          <p:cNvPicPr>
+            <a:picLocks noChangeAspect="1" noChangeArrowheads="1"/>
+          </p:cNvPicPr>
+          <p:nvPr/>
+        </p:nvPicPr>
+        <p:blipFill>
+          <a:blip r:embed="rId4">
+            <a:extLst>
+              <a:ext uri="{28A0092B-C50C-407E-A947-70E740481C1C}">
+                <a14:useLocalDpi xmlns:a14="http://schemas.microsoft.com/office/drawing/2010/main" val="0"/>
+              </a:ext>
+            </a:extLst>
+          </a:blip>
+          <a:srcRect/>
+          <a:stretch>
+            <a:fillRect/>
+          </a:stretch>
+        </p:blipFill>
+        <p:spPr bwMode="auto">
+          <a:xfrm>
+            <a:off x="4510207" y="2484725"/>
+            <a:ext cx="1401979" cy="1401979"/>
+          </a:xfrm>
+          <a:prstGeom prst="rect">
+            <a:avLst/>
+          </a:prstGeom>
+          <a:noFill/>
+          <a:extLst>
+            <a:ext uri="{909E8E84-426E-40DD-AFC4-6F175D3DCCD1}">
+              <a14:hiddenFill xmlns:a14="http://schemas.microsoft.com/office/drawing/2010/main">
+                <a:solidFill>
+                  <a:srgbClr val="FFFFFF"/>
+                </a:solidFill>
+              </a14:hiddenFill>
+            </a:ext>
+          </a:extLst>
+        </p:spPr>
+      </p:pic>
+      <p:pic>
+        <p:nvPicPr>
+          <p:cNvPr id="1034" name="Picture 10" descr="Pitt lined up for Hollywood version of State of Play | Movies | The Guardian">
+            <a:extLst>
+              <a:ext uri="{FF2B5EF4-FFF2-40B4-BE49-F238E27FC236}">
+                <a16:creationId xmlns:a16="http://schemas.microsoft.com/office/drawing/2014/main" id="{DEA735FA-04D0-4CB8-B9E4-22F17599F8E6}"/>
+              </a:ext>
+            </a:extLst>
+          </p:cNvPr>
+          <p:cNvPicPr>
+            <a:picLocks noChangeAspect="1" noChangeArrowheads="1"/>
+          </p:cNvPicPr>
+          <p:nvPr/>
+        </p:nvPicPr>
+        <p:blipFill>
+          <a:blip r:embed="rId5">
+            <a:extLst>
+              <a:ext uri="{28A0092B-C50C-407E-A947-70E740481C1C}">
+                <a14:useLocalDpi xmlns:a14="http://schemas.microsoft.com/office/drawing/2010/main" val="0"/>
+              </a:ext>
+            </a:extLst>
+          </a:blip>
+          <a:srcRect/>
+          <a:stretch>
+            <a:fillRect/>
+          </a:stretch>
+        </p:blipFill>
+        <p:spPr bwMode="auto">
+          <a:xfrm>
+            <a:off x="9619454" y="3886704"/>
+            <a:ext cx="1192428" cy="1192428"/>
+          </a:xfrm>
+          <a:prstGeom prst="rect">
+            <a:avLst/>
+          </a:prstGeom>
+          <a:noFill/>
+          <a:extLst>
+            <a:ext uri="{909E8E84-426E-40DD-AFC4-6F175D3DCCD1}">
+              <a14:hiddenFill xmlns:a14="http://schemas.microsoft.com/office/drawing/2010/main">
+                <a:solidFill>
+                  <a:srgbClr val="FFFFFF"/>
+                </a:solidFill>
+              </a14:hiddenFill>
+            </a:ext>
+          </a:extLst>
+        </p:spPr>
+      </p:pic>
+      <p:pic>
+        <p:nvPicPr>
+          <p:cNvPr id="1036" name="Picture 12" descr="Angelina Jolie (@JoliePrivate) / Twitter">
+            <a:extLst>
+              <a:ext uri="{FF2B5EF4-FFF2-40B4-BE49-F238E27FC236}">
+                <a16:creationId xmlns:a16="http://schemas.microsoft.com/office/drawing/2014/main" id="{1506B584-DC4E-44A1-A451-FC9A6DD78FEC}"/>
+              </a:ext>
+            </a:extLst>
+          </p:cNvPr>
+          <p:cNvPicPr>
+            <a:picLocks noChangeAspect="1" noChangeArrowheads="1"/>
+          </p:cNvPicPr>
+          <p:nvPr/>
+        </p:nvPicPr>
+        <p:blipFill>
+          <a:blip r:embed="rId6">
+            <a:extLst>
+              <a:ext uri="{28A0092B-C50C-407E-A947-70E740481C1C}">
+                <a14:useLocalDpi xmlns:a14="http://schemas.microsoft.com/office/drawing/2010/main" val="0"/>
+              </a:ext>
+            </a:extLst>
+          </a:blip>
+          <a:srcRect/>
+          <a:stretch>
+            <a:fillRect/>
+          </a:stretch>
+        </p:blipFill>
+        <p:spPr bwMode="auto">
+          <a:xfrm>
+            <a:off x="2957465" y="2484725"/>
+            <a:ext cx="1401979" cy="1401979"/>
+          </a:xfrm>
+          <a:prstGeom prst="rect">
+            <a:avLst/>
+          </a:prstGeom>
+          <a:noFill/>
+          <a:extLst>
+            <a:ext uri="{909E8E84-426E-40DD-AFC4-6F175D3DCCD1}">
+              <a14:hiddenFill xmlns:a14="http://schemas.microsoft.com/office/drawing/2010/main">
+                <a:solidFill>
+                  <a:srgbClr val="FFFFFF"/>
+                </a:solidFill>
+              </a14:hiddenFill>
+            </a:ext>
+          </a:extLst>
+        </p:spPr>
+      </p:pic>
+      <p:pic>
+        <p:nvPicPr>
+          <p:cNvPr id="1038" name="Picture 14" descr="Why Nicole Kidman's hair is causing waves in The Undoing">
+            <a:extLst>
+              <a:ext uri="{FF2B5EF4-FFF2-40B4-BE49-F238E27FC236}">
+                <a16:creationId xmlns:a16="http://schemas.microsoft.com/office/drawing/2014/main" id="{3B634005-799D-4A0D-8047-4A4FA1EDD8A5}"/>
+              </a:ext>
+            </a:extLst>
+          </p:cNvPr>
+          <p:cNvPicPr>
+            <a:picLocks noChangeAspect="1" noChangeArrowheads="1"/>
+          </p:cNvPicPr>
+          <p:nvPr/>
+        </p:nvPicPr>
+        <p:blipFill>
+          <a:blip r:embed="rId7">
+            <a:extLst>
+              <a:ext uri="{28A0092B-C50C-407E-A947-70E740481C1C}">
+                <a14:useLocalDpi xmlns:a14="http://schemas.microsoft.com/office/drawing/2010/main" val="0"/>
+              </a:ext>
+            </a:extLst>
+          </a:blip>
+          <a:srcRect/>
+          <a:stretch>
+            <a:fillRect/>
+          </a:stretch>
+        </p:blipFill>
+        <p:spPr bwMode="auto">
+          <a:xfrm>
+            <a:off x="6062950" y="2487034"/>
+            <a:ext cx="1401979" cy="1401979"/>
+          </a:xfrm>
+          <a:prstGeom prst="rect">
+            <a:avLst/>
+          </a:prstGeom>
+          <a:noFill/>
+          <a:extLst>
+            <a:ext uri="{909E8E84-426E-40DD-AFC4-6F175D3DCCD1}">
+              <a14:hiddenFill xmlns:a14="http://schemas.microsoft.com/office/drawing/2010/main">
+                <a:solidFill>
+                  <a:srgbClr val="FFFFFF"/>
+                </a:solidFill>
+              </a14:hiddenFill>
+            </a:ext>
+          </a:extLst>
+        </p:spPr>
+      </p:pic>
+      <p:pic>
+        <p:nvPicPr>
+          <p:cNvPr id="11" name="Picture 2">
+            <a:extLst>
+              <a:ext uri="{FF2B5EF4-FFF2-40B4-BE49-F238E27FC236}">
+                <a16:creationId xmlns:a16="http://schemas.microsoft.com/office/drawing/2014/main" id="{661C714E-4D8B-4189-A54F-34587FEDD335}"/>
+              </a:ext>
+            </a:extLst>
+          </p:cNvPr>
+          <p:cNvPicPr>
+            <a:picLocks noChangeAspect="1" noChangeArrowheads="1"/>
+          </p:cNvPicPr>
+          <p:nvPr/>
+        </p:nvPicPr>
+        <p:blipFill>
+          <a:blip r:embed="rId2">
+            <a:extLst>
+              <a:ext uri="{28A0092B-C50C-407E-A947-70E740481C1C}">
+                <a14:useLocalDpi xmlns:a14="http://schemas.microsoft.com/office/drawing/2010/main" val="0"/>
+              </a:ext>
+            </a:extLst>
+          </a:blip>
+          <a:srcRect/>
+          <a:stretch>
+            <a:fillRect/>
+          </a:stretch>
+        </p:blipFill>
+        <p:spPr bwMode="auto">
+          <a:xfrm>
+            <a:off x="9030239" y="2907362"/>
+            <a:ext cx="700990" cy="700990"/>
+          </a:xfrm>
+          <a:prstGeom prst="rect">
+            <a:avLst/>
+          </a:prstGeom>
+          <a:noFill/>
+          <a:extLst>
+            <a:ext uri="{909E8E84-426E-40DD-AFC4-6F175D3DCCD1}">
+              <a14:hiddenFill xmlns:a14="http://schemas.microsoft.com/office/drawing/2010/main">
+                <a:solidFill>
+                  <a:srgbClr val="FFFFFF"/>
+                </a:solidFill>
+              </a14:hiddenFill>
+            </a:ext>
+          </a:extLst>
+        </p:spPr>
+      </p:pic>
+    </p:spTree>
+    <p:extLst>
+      <p:ext uri="{BB962C8B-B14F-4D97-AF65-F5344CB8AC3E}">
+        <p14:creationId xmlns:p14="http://schemas.microsoft.com/office/powerpoint/2010/main" val="2469875054"/>
       </p:ext>
     </p:extLst>
   </p:cSld>
